--- a/XMonopoly.pptx
+++ b/XMonopoly.pptx
@@ -5979,11 +5979,7 @@
         <a:p>
           <a:r>
             <a:rPr lang="zh-CN" altLang="en-US" sz="2000" dirty="0" smtClean="0"/>
-            <a:t>基于出行方式 获得相应价值的虚拟货币奖励</a:t>
-          </a:r>
-          <a:r>
-            <a:rPr lang="zh-CN" altLang="en-US" sz="2000" dirty="0" smtClean="0"/>
-            <a:t>，鼓励绿色出行、提倡良好驾驶行为</a:t>
+            <a:t>基于出行方式 获得相应价值的虚拟货币奖励，鼓励绿色出行、提倡良好驾驶行为</a:t>
           </a:r>
           <a:endParaRPr lang="zh-CN" altLang="en-US" sz="2000" dirty="0"/>
         </a:p>
@@ -7249,6 +7245,13 @@
         </dgm:presLayoutVars>
       </dgm:prSet>
       <dgm:spPr/>
+      <dgm:t>
+        <a:bodyPr/>
+        <a:lstStyle/>
+        <a:p>
+          <a:endParaRPr lang="en-US"/>
+        </a:p>
+      </dgm:t>
     </dgm:pt>
     <dgm:pt modelId="{4A63B04F-D4CC-4FAD-B62B-54778E690897}" type="pres">
       <dgm:prSet presAssocID="{B7478153-00B2-4EAB-B72F-1E0A43C3FFC8}" presName="circle1" presStyleLbl="node1" presStyleIdx="0" presStyleCnt="3"/>
@@ -7402,34 +7405,34 @@
     </dgm:pt>
   </dgm:ptLst>
   <dgm:cxnLst>
-    <dgm:cxn modelId="{01521E51-FEF4-46A1-95D2-72A0DDE5D5B9}" type="presOf" srcId="{3BD91BFD-DCFA-41F1-BCD1-50265A70B50F}" destId="{589F5905-5AB4-4151-ACA3-9331CCDE93BE}" srcOrd="1" destOrd="0" presId="urn:microsoft.com/office/officeart/2005/8/layout/target3"/>
+    <dgm:cxn modelId="{2B824380-31FF-4F8F-8862-021F3C9B4F51}" type="presOf" srcId="{F48C9C8D-C3ED-47B2-99AD-9AE9DACF44F9}" destId="{A407FD42-DB61-4336-9C45-ADECE9D8C5B3}" srcOrd="0" destOrd="2" presId="urn:microsoft.com/office/officeart/2005/8/layout/target3"/>
+    <dgm:cxn modelId="{BA7A688B-1BCE-4B44-A4EB-006986CF10DB}" type="presOf" srcId="{E3610EB1-198D-4131-BFB4-23BC7D8950FD}" destId="{525A266D-6C03-4010-B019-60D45E468F22}" srcOrd="0" destOrd="0" presId="urn:microsoft.com/office/officeart/2005/8/layout/target3"/>
     <dgm:cxn modelId="{F559F72C-482B-4A4D-B27F-BF9C9C719787}" type="presOf" srcId="{B7478153-00B2-4EAB-B72F-1E0A43C3FFC8}" destId="{608AB08A-D8F9-47DF-9B3A-A1190DA10BE9}" srcOrd="0" destOrd="0" presId="urn:microsoft.com/office/officeart/2005/8/layout/target3"/>
-    <dgm:cxn modelId="{BA7A688B-1BCE-4B44-A4EB-006986CF10DB}" type="presOf" srcId="{E3610EB1-198D-4131-BFB4-23BC7D8950FD}" destId="{525A266D-6C03-4010-B019-60D45E468F22}" srcOrd="0" destOrd="0" presId="urn:microsoft.com/office/officeart/2005/8/layout/target3"/>
-    <dgm:cxn modelId="{628572E0-83B7-4061-A3E8-B4437ABE4C22}" srcId="{3BD91BFD-DCFA-41F1-BCD1-50265A70B50F}" destId="{688F9120-3224-44F6-A500-73D9D4DAC274}" srcOrd="0" destOrd="0" parTransId="{17C860EB-4FF6-4C23-9C8D-C6E552E902F5}" sibTransId="{06CA3A1A-5CEA-467E-8F02-E7832541F6CC}"/>
-    <dgm:cxn modelId="{FDC44F35-2EF2-465A-AC5D-AF9F0AF2A663}" srcId="{3D00679F-FCCB-4E50-AEBE-FD0183998C72}" destId="{B7478153-00B2-4EAB-B72F-1E0A43C3FFC8}" srcOrd="0" destOrd="0" parTransId="{4C556467-2B84-49E2-A857-75F131C6106D}" sibTransId="{F4EFBAB9-988F-488C-8C6F-6C931D2D5066}"/>
-    <dgm:cxn modelId="{8815758D-F93E-42F9-8A29-BC8BCF1382AE}" srcId="{B7478153-00B2-4EAB-B72F-1E0A43C3FFC8}" destId="{E3610EB1-198D-4131-BFB4-23BC7D8950FD}" srcOrd="0" destOrd="0" parTransId="{97C4221B-21D0-400E-B0F3-8EF68FDDB160}" sibTransId="{C8010D6D-F2C9-4642-BF52-47CE00CBD79E}"/>
-    <dgm:cxn modelId="{3AC7A142-49E3-4DC0-AA68-1FAC7BED6FDE}" type="presOf" srcId="{2DD2FE17-EDA4-4439-8A12-DA2AE3B2789F}" destId="{858664CD-A37F-4533-A402-0500771A29C9}" srcOrd="0" destOrd="1" presId="urn:microsoft.com/office/officeart/2005/8/layout/target3"/>
-    <dgm:cxn modelId="{2B824380-31FF-4F8F-8862-021F3C9B4F51}" type="presOf" srcId="{F48C9C8D-C3ED-47B2-99AD-9AE9DACF44F9}" destId="{A407FD42-DB61-4336-9C45-ADECE9D8C5B3}" srcOrd="0" destOrd="2" presId="urn:microsoft.com/office/officeart/2005/8/layout/target3"/>
-    <dgm:cxn modelId="{8EFB2181-2B3D-4DF5-BE22-CED89B5A7368}" srcId="{D5DB38D0-64AE-4AF6-991E-053F8832D152}" destId="{2DD2FE17-EDA4-4439-8A12-DA2AE3B2789F}" srcOrd="1" destOrd="0" parTransId="{0AE67C81-B4B4-4CE0-BA1D-91B785ADA36B}" sibTransId="{53D90E84-4393-418F-8F12-D0D445D30159}"/>
-    <dgm:cxn modelId="{35B5DBCC-4BB3-4FDD-A348-09188CD5AFD8}" srcId="{3D00679F-FCCB-4E50-AEBE-FD0183998C72}" destId="{3BD91BFD-DCFA-41F1-BCD1-50265A70B50F}" srcOrd="1" destOrd="0" parTransId="{23CB9516-C931-4C5D-9981-4E21B7A4086C}" sibTransId="{D1A2F81C-4F7B-446E-AF91-1D983A2D0D97}"/>
-    <dgm:cxn modelId="{47B3923A-A197-4540-B837-B65F046167BB}" srcId="{3BD91BFD-DCFA-41F1-BCD1-50265A70B50F}" destId="{F48C9C8D-C3ED-47B2-99AD-9AE9DACF44F9}" srcOrd="2" destOrd="0" parTransId="{3D262D99-FA31-4130-AE59-B082A0DCA62D}" sibTransId="{9DA3428A-61F2-4285-9CE4-05ECB172FAD9}"/>
-    <dgm:cxn modelId="{30519BD6-55FA-41FA-A265-03536792BC62}" srcId="{D5DB38D0-64AE-4AF6-991E-053F8832D152}" destId="{43054706-05D9-4692-9851-BF737231B7EF}" srcOrd="3" destOrd="0" parTransId="{3C2A5769-9C31-4515-9251-CA1435E861B0}" sibTransId="{FAA7B672-5C70-488C-A256-0900B1B56B2B}"/>
     <dgm:cxn modelId="{C325BABA-281A-4770-B346-4B1B7E0E2C1F}" srcId="{3BD91BFD-DCFA-41F1-BCD1-50265A70B50F}" destId="{CAC61FBE-0A96-4BF2-A157-81D588D3F15F}" srcOrd="1" destOrd="0" parTransId="{82124D13-577A-49C2-9AE1-61FFD34490C6}" sibTransId="{40E17471-9DEE-4C11-9382-000B224466A4}"/>
     <dgm:cxn modelId="{B8407D21-A0E2-41CC-94EB-D8635026DF55}" type="presOf" srcId="{108F8ACF-34A3-4414-B1E2-732648306D13}" destId="{525A266D-6C03-4010-B019-60D45E468F22}" srcOrd="0" destOrd="1" presId="urn:microsoft.com/office/officeart/2005/8/layout/target3"/>
-    <dgm:cxn modelId="{CD9ECC0E-E7A3-4AF8-B9C7-A456A05C7041}" type="presOf" srcId="{3BD91BFD-DCFA-41F1-BCD1-50265A70B50F}" destId="{EC23C624-4D9C-4C45-8D12-F19757A5C758}" srcOrd="0" destOrd="0" presId="urn:microsoft.com/office/officeart/2005/8/layout/target3"/>
+    <dgm:cxn modelId="{F0276823-ABDD-43BC-88FB-A785502ED3E4}" srcId="{D5DB38D0-64AE-4AF6-991E-053F8832D152}" destId="{6DC5D298-AB63-4EB0-A75A-979872E09C96}" srcOrd="2" destOrd="0" parTransId="{6844D8A6-BAB1-463E-910B-A79469CBE345}" sibTransId="{7E63F7B4-C0EC-45C6-9638-5CB09BC3AD02}"/>
+    <dgm:cxn modelId="{8D8ADA0D-61B7-460A-8E6C-EBAF2BEE7390}" type="presOf" srcId="{6DC5D298-AB63-4EB0-A75A-979872E09C96}" destId="{858664CD-A37F-4533-A402-0500771A29C9}" srcOrd="0" destOrd="2" presId="urn:microsoft.com/office/officeart/2005/8/layout/target3"/>
+    <dgm:cxn modelId="{3AC7A142-49E3-4DC0-AA68-1FAC7BED6FDE}" type="presOf" srcId="{2DD2FE17-EDA4-4439-8A12-DA2AE3B2789F}" destId="{858664CD-A37F-4533-A402-0500771A29C9}" srcOrd="0" destOrd="1" presId="urn:microsoft.com/office/officeart/2005/8/layout/target3"/>
+    <dgm:cxn modelId="{7996D8E9-5E21-441F-82C2-5B626543AE03}" type="presOf" srcId="{B7478153-00B2-4EAB-B72F-1E0A43C3FFC8}" destId="{2CC44D37-531D-445E-8750-AE950054747F}" srcOrd="1" destOrd="0" presId="urn:microsoft.com/office/officeart/2005/8/layout/target3"/>
     <dgm:cxn modelId="{A08814C6-84AD-486B-841D-89BF0072B571}" srcId="{D5DB38D0-64AE-4AF6-991E-053F8832D152}" destId="{1A0AFA38-4A38-468A-8B35-870ED38D4885}" srcOrd="0" destOrd="0" parTransId="{B9A823F0-AC6D-4B97-87BB-837B3BD6A4AF}" sibTransId="{6E44152B-F861-4BD1-8579-101EC7581701}"/>
-    <dgm:cxn modelId="{F0276823-ABDD-43BC-88FB-A785502ED3E4}" srcId="{D5DB38D0-64AE-4AF6-991E-053F8832D152}" destId="{6DC5D298-AB63-4EB0-A75A-979872E09C96}" srcOrd="2" destOrd="0" parTransId="{6844D8A6-BAB1-463E-910B-A79469CBE345}" sibTransId="{7E63F7B4-C0EC-45C6-9638-5CB09BC3AD02}"/>
     <dgm:cxn modelId="{57999E0A-A584-4654-B349-87AFDBB8B262}" type="presOf" srcId="{688F9120-3224-44F6-A500-73D9D4DAC274}" destId="{A407FD42-DB61-4336-9C45-ADECE9D8C5B3}" srcOrd="0" destOrd="0" presId="urn:microsoft.com/office/officeart/2005/8/layout/target3"/>
+    <dgm:cxn modelId="{DEABE596-F991-448B-A08C-4C9C3D376F25}" type="presOf" srcId="{43054706-05D9-4692-9851-BF737231B7EF}" destId="{858664CD-A37F-4533-A402-0500771A29C9}" srcOrd="0" destOrd="3" presId="urn:microsoft.com/office/officeart/2005/8/layout/target3"/>
+    <dgm:cxn modelId="{8EFB2181-2B3D-4DF5-BE22-CED89B5A7368}" srcId="{D5DB38D0-64AE-4AF6-991E-053F8832D152}" destId="{2DD2FE17-EDA4-4439-8A12-DA2AE3B2789F}" srcOrd="1" destOrd="0" parTransId="{0AE67C81-B4B4-4CE0-BA1D-91B785ADA36B}" sibTransId="{53D90E84-4393-418F-8F12-D0D445D30159}"/>
     <dgm:cxn modelId="{3C185A85-53D1-4538-B0CF-D9EB9B086D81}" srcId="{3D00679F-FCCB-4E50-AEBE-FD0183998C72}" destId="{D5DB38D0-64AE-4AF6-991E-053F8832D152}" srcOrd="2" destOrd="0" parTransId="{7AC9E166-BEEF-4254-9B0F-6686A3BE7D64}" sibTransId="{43FDB5E3-614B-41F7-BD04-B6AEF5D00EEA}"/>
-    <dgm:cxn modelId="{77E3991B-E0C3-49BE-B4D8-CA6879CF69FB}" type="presOf" srcId="{3D00679F-FCCB-4E50-AEBE-FD0183998C72}" destId="{336735D8-C905-4FE0-8220-63CBA20FC5FB}" srcOrd="0" destOrd="0" presId="urn:microsoft.com/office/officeart/2005/8/layout/target3"/>
-    <dgm:cxn modelId="{7996D8E9-5E21-441F-82C2-5B626543AE03}" type="presOf" srcId="{B7478153-00B2-4EAB-B72F-1E0A43C3FFC8}" destId="{2CC44D37-531D-445E-8750-AE950054747F}" srcOrd="1" destOrd="0" presId="urn:microsoft.com/office/officeart/2005/8/layout/target3"/>
-    <dgm:cxn modelId="{FBB97930-7595-4927-8426-7A00137B6AC2}" type="presOf" srcId="{D5DB38D0-64AE-4AF6-991E-053F8832D152}" destId="{C139EDCB-D57F-477B-B130-C5CDEC4546DF}" srcOrd="1" destOrd="0" presId="urn:microsoft.com/office/officeart/2005/8/layout/target3"/>
-    <dgm:cxn modelId="{5AB1F7A1-037A-4D57-8983-7410F68AA388}" type="presOf" srcId="{D5DB38D0-64AE-4AF6-991E-053F8832D152}" destId="{512D9E40-A356-4F59-99F0-89CBF2F65E70}" srcOrd="0" destOrd="0" presId="urn:microsoft.com/office/officeart/2005/8/layout/target3"/>
-    <dgm:cxn modelId="{8D8ADA0D-61B7-460A-8E6C-EBAF2BEE7390}" type="presOf" srcId="{6DC5D298-AB63-4EB0-A75A-979872E09C96}" destId="{858664CD-A37F-4533-A402-0500771A29C9}" srcOrd="0" destOrd="2" presId="urn:microsoft.com/office/officeart/2005/8/layout/target3"/>
-    <dgm:cxn modelId="{DEABE596-F991-448B-A08C-4C9C3D376F25}" type="presOf" srcId="{43054706-05D9-4692-9851-BF737231B7EF}" destId="{858664CD-A37F-4533-A402-0500771A29C9}" srcOrd="0" destOrd="3" presId="urn:microsoft.com/office/officeart/2005/8/layout/target3"/>
+    <dgm:cxn modelId="{35B5DBCC-4BB3-4FDD-A348-09188CD5AFD8}" srcId="{3D00679F-FCCB-4E50-AEBE-FD0183998C72}" destId="{3BD91BFD-DCFA-41F1-BCD1-50265A70B50F}" srcOrd="1" destOrd="0" parTransId="{23CB9516-C931-4C5D-9981-4E21B7A4086C}" sibTransId="{D1A2F81C-4F7B-446E-AF91-1D983A2D0D97}"/>
+    <dgm:cxn modelId="{30519BD6-55FA-41FA-A265-03536792BC62}" srcId="{D5DB38D0-64AE-4AF6-991E-053F8832D152}" destId="{43054706-05D9-4692-9851-BF737231B7EF}" srcOrd="3" destOrd="0" parTransId="{3C2A5769-9C31-4515-9251-CA1435E861B0}" sibTransId="{FAA7B672-5C70-488C-A256-0900B1B56B2B}"/>
+    <dgm:cxn modelId="{E2235D97-8762-4A7A-8A4E-B951C005CF77}" type="presOf" srcId="{CAC61FBE-0A96-4BF2-A157-81D588D3F15F}" destId="{A407FD42-DB61-4336-9C45-ADECE9D8C5B3}" srcOrd="0" destOrd="1" presId="urn:microsoft.com/office/officeart/2005/8/layout/target3"/>
+    <dgm:cxn modelId="{FDC44F35-2EF2-465A-AC5D-AF9F0AF2A663}" srcId="{3D00679F-FCCB-4E50-AEBE-FD0183998C72}" destId="{B7478153-00B2-4EAB-B72F-1E0A43C3FFC8}" srcOrd="0" destOrd="0" parTransId="{4C556467-2B84-49E2-A857-75F131C6106D}" sibTransId="{F4EFBAB9-988F-488C-8C6F-6C931D2D5066}"/>
+    <dgm:cxn modelId="{01521E51-FEF4-46A1-95D2-72A0DDE5D5B9}" type="presOf" srcId="{3BD91BFD-DCFA-41F1-BCD1-50265A70B50F}" destId="{589F5905-5AB4-4151-ACA3-9331CCDE93BE}" srcOrd="1" destOrd="0" presId="urn:microsoft.com/office/officeart/2005/8/layout/target3"/>
     <dgm:cxn modelId="{C0C93D62-F93D-440E-ADBA-E0DA000052D9}" srcId="{B7478153-00B2-4EAB-B72F-1E0A43C3FFC8}" destId="{108F8ACF-34A3-4414-B1E2-732648306D13}" srcOrd="1" destOrd="0" parTransId="{44F4EA76-CCC8-414F-A708-2E4136723574}" sibTransId="{E7DBAD5D-3D3A-4179-BAD2-C753E9A43D56}"/>
     <dgm:cxn modelId="{D6319952-5556-4E01-B958-8DCE244E11B2}" type="presOf" srcId="{1A0AFA38-4A38-468A-8B35-870ED38D4885}" destId="{858664CD-A37F-4533-A402-0500771A29C9}" srcOrd="0" destOrd="0" presId="urn:microsoft.com/office/officeart/2005/8/layout/target3"/>
-    <dgm:cxn modelId="{E2235D97-8762-4A7A-8A4E-B951C005CF77}" type="presOf" srcId="{CAC61FBE-0A96-4BF2-A157-81D588D3F15F}" destId="{A407FD42-DB61-4336-9C45-ADECE9D8C5B3}" srcOrd="0" destOrd="1" presId="urn:microsoft.com/office/officeart/2005/8/layout/target3"/>
+    <dgm:cxn modelId="{47B3923A-A197-4540-B837-B65F046167BB}" srcId="{3BD91BFD-DCFA-41F1-BCD1-50265A70B50F}" destId="{F48C9C8D-C3ED-47B2-99AD-9AE9DACF44F9}" srcOrd="2" destOrd="0" parTransId="{3D262D99-FA31-4130-AE59-B082A0DCA62D}" sibTransId="{9DA3428A-61F2-4285-9CE4-05ECB172FAD9}"/>
+    <dgm:cxn modelId="{FBB97930-7595-4927-8426-7A00137B6AC2}" type="presOf" srcId="{D5DB38D0-64AE-4AF6-991E-053F8832D152}" destId="{C139EDCB-D57F-477B-B130-C5CDEC4546DF}" srcOrd="1" destOrd="0" presId="urn:microsoft.com/office/officeart/2005/8/layout/target3"/>
+    <dgm:cxn modelId="{8815758D-F93E-42F9-8A29-BC8BCF1382AE}" srcId="{B7478153-00B2-4EAB-B72F-1E0A43C3FFC8}" destId="{E3610EB1-198D-4131-BFB4-23BC7D8950FD}" srcOrd="0" destOrd="0" parTransId="{97C4221B-21D0-400E-B0F3-8EF68FDDB160}" sibTransId="{C8010D6D-F2C9-4642-BF52-47CE00CBD79E}"/>
+    <dgm:cxn modelId="{77E3991B-E0C3-49BE-B4D8-CA6879CF69FB}" type="presOf" srcId="{3D00679F-FCCB-4E50-AEBE-FD0183998C72}" destId="{336735D8-C905-4FE0-8220-63CBA20FC5FB}" srcOrd="0" destOrd="0" presId="urn:microsoft.com/office/officeart/2005/8/layout/target3"/>
+    <dgm:cxn modelId="{5AB1F7A1-037A-4D57-8983-7410F68AA388}" type="presOf" srcId="{D5DB38D0-64AE-4AF6-991E-053F8832D152}" destId="{512D9E40-A356-4F59-99F0-89CBF2F65E70}" srcOrd="0" destOrd="0" presId="urn:microsoft.com/office/officeart/2005/8/layout/target3"/>
+    <dgm:cxn modelId="{628572E0-83B7-4061-A3E8-B4437ABE4C22}" srcId="{3BD91BFD-DCFA-41F1-BCD1-50265A70B50F}" destId="{688F9120-3224-44F6-A500-73D9D4DAC274}" srcOrd="0" destOrd="0" parTransId="{17C860EB-4FF6-4C23-9C8D-C6E552E902F5}" sibTransId="{06CA3A1A-5CEA-467E-8F02-E7832541F6CC}"/>
+    <dgm:cxn modelId="{CD9ECC0E-E7A3-4AF8-B9C7-A456A05C7041}" type="presOf" srcId="{3BD91BFD-DCFA-41F1-BCD1-50265A70B50F}" destId="{EC23C624-4D9C-4C45-8D12-F19757A5C758}" srcOrd="0" destOrd="0" presId="urn:microsoft.com/office/officeart/2005/8/layout/target3"/>
     <dgm:cxn modelId="{92118F27-1E2F-4607-81F7-BAF81A6EF373}" type="presParOf" srcId="{336735D8-C905-4FE0-8220-63CBA20FC5FB}" destId="{4A63B04F-D4CC-4FAD-B62B-54778E690897}" srcOrd="0" destOrd="0" presId="urn:microsoft.com/office/officeart/2005/8/layout/target3"/>
     <dgm:cxn modelId="{31C5452E-2463-43E0-9E3B-20789C3932FB}" type="presParOf" srcId="{336735D8-C905-4FE0-8220-63CBA20FC5FB}" destId="{99F170ED-D432-45C1-8032-BA1D0B910676}" srcOrd="1" destOrd="0" presId="urn:microsoft.com/office/officeart/2005/8/layout/target3"/>
     <dgm:cxn modelId="{3444E99A-F96B-442F-A5B2-D385B16DFC93}" type="presParOf" srcId="{336735D8-C905-4FE0-8220-63CBA20FC5FB}" destId="{608AB08A-D8F9-47DF-9B3A-A1190DA10BE9}" srcOrd="2" destOrd="0" presId="urn:microsoft.com/office/officeart/2005/8/layout/target3"/>
@@ -8009,11 +8012,7 @@
         <a:p>
           <a:r>
             <a:rPr lang="zh-CN" altLang="en-US" sz="2000" dirty="0" smtClean="0"/>
-            <a:t>用户使用虚拟货币购买兴趣点后，可付费升级为商业地产</a:t>
-          </a:r>
-          <a:r>
-            <a:rPr lang="zh-CN" altLang="en-US" sz="2000" dirty="0" smtClean="0"/>
-            <a:t>。</a:t>
+            <a:t>用户使用虚拟货币购买兴趣点后，可付费升级为商业地产。</a:t>
           </a:r>
           <a:r>
             <a:rPr lang="en-US" altLang="zh-CN" sz="2000" dirty="0" smtClean="0"/>
@@ -8024,11 +8023,7 @@
           </a:br>
           <a:r>
             <a:rPr lang="zh-CN" altLang="en-US" sz="2000" dirty="0" smtClean="0"/>
-            <a:t>商</a:t>
-          </a:r>
-          <a:r>
-            <a:rPr lang="zh-CN" altLang="en-US" sz="2000" dirty="0" smtClean="0"/>
-            <a:t>业地产提供基于</a:t>
+            <a:t>商业地产提供基于</a:t>
           </a:r>
           <a:r>
             <a:rPr lang="en-US" altLang="zh-CN" sz="2000" dirty="0" smtClean="0"/>
@@ -8382,15 +8377,15 @@
   </dgm:ptLst>
   <dgm:cxnLst>
     <dgm:cxn modelId="{46D9931D-5F1E-4C40-BA30-DACF706B4C53}" type="presOf" srcId="{2714A5FC-BFC9-4D89-B4E8-57F4B387090A}" destId="{2FC7D539-97FB-4C3B-BD47-C4CF31B1D9AD}" srcOrd="1" destOrd="0" presId="urn:microsoft.com/office/officeart/2005/8/layout/list1"/>
+    <dgm:cxn modelId="{92499842-0229-4766-9977-CE50F834EC81}" type="presOf" srcId="{DAF05602-B44A-4565-937E-0AEFEA98C313}" destId="{AAE1245E-D111-4182-AE82-1EA2A7E0C0FC}" srcOrd="0" destOrd="0" presId="urn:microsoft.com/office/officeart/2005/8/layout/list1"/>
     <dgm:cxn modelId="{1CF29142-DB4B-4BFC-9324-B9FD3AA3A5CD}" srcId="{2714A5FC-BFC9-4D89-B4E8-57F4B387090A}" destId="{B1133A5E-8CF7-4947-951B-764E11DBB2A2}" srcOrd="0" destOrd="0" parTransId="{15CF3E8F-8E1E-409D-B8DC-79775D46DCED}" sibTransId="{0EAB2487-30D0-4AAD-9645-03476B149805}"/>
-    <dgm:cxn modelId="{92499842-0229-4766-9977-CE50F834EC81}" type="presOf" srcId="{DAF05602-B44A-4565-937E-0AEFEA98C313}" destId="{AAE1245E-D111-4182-AE82-1EA2A7E0C0FC}" srcOrd="0" destOrd="0" presId="urn:microsoft.com/office/officeart/2005/8/layout/list1"/>
     <dgm:cxn modelId="{74B712F8-F825-4B3F-9448-4AEAD598B4A2}" type="presOf" srcId="{B1133A5E-8CF7-4947-951B-764E11DBB2A2}" destId="{DD5822AE-706D-431D-B350-0F83EC966801}" srcOrd="0" destOrd="0" presId="urn:microsoft.com/office/officeart/2005/8/layout/list1"/>
     <dgm:cxn modelId="{C9504746-FA9D-4532-AF4F-0D28555B4023}" srcId="{8F620628-3215-4D22-8D29-FFD261E6BD92}" destId="{2B4AC205-F278-4267-A645-A46158F903A5}" srcOrd="0" destOrd="0" parTransId="{132BB2DC-C1D9-4345-A521-29518D043758}" sibTransId="{54FDD6EE-D33D-4D8F-9596-C5D6E877B973}"/>
     <dgm:cxn modelId="{8E370701-A51C-45E9-82BB-E4BAB29CCC84}" type="presOf" srcId="{2B4AC205-F278-4267-A645-A46158F903A5}" destId="{5F22E469-074D-44E1-A8DC-B5FB476A31D4}" srcOrd="0" destOrd="0" presId="urn:microsoft.com/office/officeart/2005/8/layout/list1"/>
     <dgm:cxn modelId="{3424D36E-8FCF-4353-BBBE-CFCC004A551E}" type="presOf" srcId="{DAF05602-B44A-4565-937E-0AEFEA98C313}" destId="{EE949018-FEFB-4731-8413-4B3003C502E6}" srcOrd="1" destOrd="0" presId="urn:microsoft.com/office/officeart/2005/8/layout/list1"/>
     <dgm:cxn modelId="{2466A188-1B97-4755-9772-593AB6C6DC7D}" type="presOf" srcId="{7A7AB06A-D9BD-4BBE-ACBE-85AEB219F24B}" destId="{CC3B6B73-5623-4F91-82BE-457FE9060B1F}" srcOrd="0" destOrd="1" presId="urn:microsoft.com/office/officeart/2005/8/layout/list1"/>
+    <dgm:cxn modelId="{35EE408A-056E-437F-8862-9F94828F4D1F}" srcId="{DAF05602-B44A-4565-937E-0AEFEA98C313}" destId="{7A7AB06A-D9BD-4BBE-ACBE-85AEB219F24B}" srcOrd="1" destOrd="0" parTransId="{A4435A96-2A56-4C25-B465-3DB55D050698}" sibTransId="{56844D41-47C0-4B49-8915-9CB51FE30350}"/>
     <dgm:cxn modelId="{DA4C6B80-A30A-4172-A51B-99F22CC2CD84}" srcId="{2B4AC205-F278-4267-A645-A46158F903A5}" destId="{35A56606-0784-4733-8220-0E67C38B76E5}" srcOrd="0" destOrd="0" parTransId="{5E4142AE-1CF2-44FE-A0A6-CA5A5A73197E}" sibTransId="{0CFDB5B6-38BD-4ACB-93F2-C488F9A166F7}"/>
-    <dgm:cxn modelId="{35EE408A-056E-437F-8862-9F94828F4D1F}" srcId="{DAF05602-B44A-4565-937E-0AEFEA98C313}" destId="{7A7AB06A-D9BD-4BBE-ACBE-85AEB219F24B}" srcOrd="1" destOrd="0" parTransId="{A4435A96-2A56-4C25-B465-3DB55D050698}" sibTransId="{56844D41-47C0-4B49-8915-9CB51FE30350}"/>
     <dgm:cxn modelId="{D9FA317F-D5CD-42C7-BAB4-0537037E4201}" type="presOf" srcId="{8F620628-3215-4D22-8D29-FFD261E6BD92}" destId="{C6B68DEA-6B45-4A49-ADCD-FB8AA9FD2EF5}" srcOrd="0" destOrd="0" presId="urn:microsoft.com/office/officeart/2005/8/layout/list1"/>
     <dgm:cxn modelId="{5E8E49E2-CB72-4D3D-8A23-63EC1709D90F}" type="presOf" srcId="{2714A5FC-BFC9-4D89-B4E8-57F4B387090A}" destId="{B297831F-348C-4F6D-B69D-1C53E1954396}" srcOrd="0" destOrd="0" presId="urn:microsoft.com/office/officeart/2005/8/layout/list1"/>
     <dgm:cxn modelId="{5DB8ADD0-A337-4DFB-A7CB-AF688A750DC9}" srcId="{2714A5FC-BFC9-4D89-B4E8-57F4B387090A}" destId="{CDF358C0-F6A3-48B0-9726-231B2080B966}" srcOrd="1" destOrd="0" parTransId="{835E66CF-6D8C-4806-85DF-E4B7A8B8ACFA}" sibTransId="{BE53485F-DE6C-4FC8-B43B-FFDB88AAFFC6}"/>
@@ -9633,11 +9628,7 @@
           </a:pPr>
           <a:r>
             <a:rPr lang="zh-CN" altLang="en-US" sz="2000" kern="1200" dirty="0" smtClean="0"/>
-            <a:t>基于出行方式 获得相应价值的虚拟货币奖励</a:t>
-          </a:r>
-          <a:r>
-            <a:rPr lang="zh-CN" altLang="en-US" sz="2000" kern="1200" dirty="0" smtClean="0"/>
-            <a:t>，鼓励绿色出行、提倡良好驾驶行为</a:t>
+            <a:t>基于出行方式 获得相应价值的虚拟货币奖励，鼓励绿色出行、提倡良好驾驶行为</a:t>
           </a:r>
           <a:endParaRPr lang="zh-CN" altLang="en-US" sz="2000" kern="1200" dirty="0"/>
         </a:p>
@@ -11817,11 +11808,7 @@
           </a:pPr>
           <a:r>
             <a:rPr lang="zh-CN" altLang="en-US" sz="2000" kern="1200" dirty="0" smtClean="0"/>
-            <a:t>用户使用虚拟货币购买兴趣点后，可付费升级为商业地产</a:t>
-          </a:r>
-          <a:r>
-            <a:rPr lang="zh-CN" altLang="en-US" sz="2000" kern="1200" dirty="0" smtClean="0"/>
-            <a:t>。</a:t>
+            <a:t>用户使用虚拟货币购买兴趣点后，可付费升级为商业地产。</a:t>
           </a:r>
           <a:r>
             <a:rPr lang="en-US" altLang="zh-CN" sz="2000" kern="1200" dirty="0" smtClean="0"/>
@@ -11832,11 +11819,7 @@
           </a:br>
           <a:r>
             <a:rPr lang="zh-CN" altLang="en-US" sz="2000" kern="1200" dirty="0" smtClean="0"/>
-            <a:t>商</a:t>
-          </a:r>
-          <a:r>
-            <a:rPr lang="zh-CN" altLang="en-US" sz="2000" kern="1200" dirty="0" smtClean="0"/>
-            <a:t>业地产提供基于</a:t>
+            <a:t>商业地产提供基于</a:t>
           </a:r>
           <a:r>
             <a:rPr lang="en-US" altLang="zh-CN" sz="2000" kern="1200" dirty="0" smtClean="0"/>
@@ -26877,7 +26860,7 @@
             <a:fld id="{0BDB3A38-D8C0-4E6A-88A0-30BEFC762995}" type="datetimeFigureOut">
               <a:rPr lang="en-US" smtClean="0"/>
               <a:pPr/>
-              <a:t>5/16/2018</a:t>
+              <a:t>5/21/2018</a:t>
             </a:fld>
             <a:endParaRPr lang="en-US"/>
           </a:p>
@@ -27052,7 +27035,7 @@
             <a:fld id="{0BDB3A38-D8C0-4E6A-88A0-30BEFC762995}" type="datetimeFigureOut">
               <a:rPr lang="en-US" smtClean="0"/>
               <a:pPr/>
-              <a:t>5/16/2018</a:t>
+              <a:t>5/21/2018</a:t>
             </a:fld>
             <a:endParaRPr lang="en-US"/>
           </a:p>
@@ -27237,7 +27220,7 @@
             <a:fld id="{0BDB3A38-D8C0-4E6A-88A0-30BEFC762995}" type="datetimeFigureOut">
               <a:rPr lang="en-US" smtClean="0"/>
               <a:pPr/>
-              <a:t>5/16/2018</a:t>
+              <a:t>5/21/2018</a:t>
             </a:fld>
             <a:endParaRPr lang="en-US"/>
           </a:p>
@@ -27412,7 +27395,7 @@
             <a:fld id="{0BDB3A38-D8C0-4E6A-88A0-30BEFC762995}" type="datetimeFigureOut">
               <a:rPr lang="en-US" smtClean="0"/>
               <a:pPr/>
-              <a:t>5/16/2018</a:t>
+              <a:t>5/21/2018</a:t>
             </a:fld>
             <a:endParaRPr lang="en-US"/>
           </a:p>
@@ -27663,7 +27646,7 @@
             <a:fld id="{0BDB3A38-D8C0-4E6A-88A0-30BEFC762995}" type="datetimeFigureOut">
               <a:rPr lang="en-US" smtClean="0"/>
               <a:pPr/>
-              <a:t>5/16/2018</a:t>
+              <a:t>5/21/2018</a:t>
             </a:fld>
             <a:endParaRPr lang="en-US"/>
           </a:p>
@@ -27900,7 +27883,7 @@
             <a:fld id="{0BDB3A38-D8C0-4E6A-88A0-30BEFC762995}" type="datetimeFigureOut">
               <a:rPr lang="en-US" smtClean="0"/>
               <a:pPr/>
-              <a:t>5/16/2018</a:t>
+              <a:t>5/21/2018</a:t>
             </a:fld>
             <a:endParaRPr lang="en-US"/>
           </a:p>
@@ -28272,7 +28255,7 @@
             <a:fld id="{0BDB3A38-D8C0-4E6A-88A0-30BEFC762995}" type="datetimeFigureOut">
               <a:rPr lang="en-US" smtClean="0"/>
               <a:pPr/>
-              <a:t>5/16/2018</a:t>
+              <a:t>5/21/2018</a:t>
             </a:fld>
             <a:endParaRPr lang="en-US"/>
           </a:p>
@@ -28395,7 +28378,7 @@
             <a:fld id="{0BDB3A38-D8C0-4E6A-88A0-30BEFC762995}" type="datetimeFigureOut">
               <a:rPr lang="en-US" smtClean="0"/>
               <a:pPr/>
-              <a:t>5/16/2018</a:t>
+              <a:t>5/21/2018</a:t>
             </a:fld>
             <a:endParaRPr lang="en-US"/>
           </a:p>
@@ -28495,7 +28478,7 @@
             <a:fld id="{0BDB3A38-D8C0-4E6A-88A0-30BEFC762995}" type="datetimeFigureOut">
               <a:rPr lang="en-US" smtClean="0"/>
               <a:pPr/>
-              <a:t>5/16/2018</a:t>
+              <a:t>5/21/2018</a:t>
             </a:fld>
             <a:endParaRPr lang="en-US"/>
           </a:p>
@@ -28777,7 +28760,7 @@
             <a:fld id="{0BDB3A38-D8C0-4E6A-88A0-30BEFC762995}" type="datetimeFigureOut">
               <a:rPr lang="en-US" smtClean="0"/>
               <a:pPr/>
-              <a:t>5/16/2018</a:t>
+              <a:t>5/21/2018</a:t>
             </a:fld>
             <a:endParaRPr lang="en-US"/>
           </a:p>
@@ -29035,7 +29018,7 @@
             <a:fld id="{0BDB3A38-D8C0-4E6A-88A0-30BEFC762995}" type="datetimeFigureOut">
               <a:rPr lang="en-US" smtClean="0"/>
               <a:pPr/>
-              <a:t>5/16/2018</a:t>
+              <a:t>5/21/2018</a:t>
             </a:fld>
             <a:endParaRPr lang="en-US"/>
           </a:p>
@@ -29253,7 +29236,7 @@
             <a:fld id="{0BDB3A38-D8C0-4E6A-88A0-30BEFC762995}" type="datetimeFigureOut">
               <a:rPr lang="en-US" smtClean="0"/>
               <a:pPr/>
-              <a:t>5/16/2018</a:t>
+              <a:t>5/21/2018</a:t>
             </a:fld>
             <a:endParaRPr lang="en-US"/>
           </a:p>
@@ -30580,7 +30563,7 @@
         <p:spPr>
           <a:xfrm>
             <a:off x="291946" y="2341814"/>
-            <a:ext cx="7232073" cy="923330"/>
+            <a:ext cx="7232073" cy="1477328"/>
           </a:xfrm>
           <a:prstGeom prst="rect">
             <a:avLst/>
@@ -30622,6 +30605,24 @@
             <a:endParaRPr lang="en-US" dirty="0" smtClean="0"/>
           </a:p>
           <a:p>
+            <a:r>
+              <a:rPr lang="en-US" dirty="0">
+                <a:hlinkClick r:id="rId8"/>
+              </a:rPr>
+              <a:t>https://dovu.io</a:t>
+            </a:r>
+            <a:r>
+              <a:rPr lang="en-US" dirty="0" smtClean="0">
+                <a:hlinkClick r:id="rId8"/>
+              </a:rPr>
+              <a:t>/</a:t>
+            </a:r>
+            <a:endParaRPr lang="en-US" dirty="0" smtClean="0"/>
+          </a:p>
+          <a:p>
+            <a:endParaRPr lang="en-US" dirty="0" smtClean="0"/>
+          </a:p>
+          <a:p>
             <a:endParaRPr lang="en-US" dirty="0"/>
           </a:p>
         </p:txBody>
@@ -30635,14 +30636,14 @@
           <p:nvPr/>
         </p:nvPicPr>
         <p:blipFill>
-          <a:blip r:embed="rId8"/>
+          <a:blip r:embed="rId9"/>
           <a:stretch>
             <a:fillRect/>
           </a:stretch>
         </p:blipFill>
         <p:spPr>
           <a:xfrm>
-            <a:off x="291947" y="3148550"/>
+            <a:off x="736646" y="3333456"/>
             <a:ext cx="3873654" cy="2221776"/>
           </a:xfrm>
           <a:prstGeom prst="rect">
@@ -30659,7 +30660,7 @@
           <p:nvPr/>
         </p:nvPicPr>
         <p:blipFill>
-          <a:blip r:embed="rId9"/>
+          <a:blip r:embed="rId10"/>
           <a:stretch>
             <a:fillRect/>
           </a:stretch>
@@ -30683,7 +30684,7 @@
           <p:nvPr/>
         </p:nvPicPr>
         <p:blipFill>
-          <a:blip r:embed="rId10"/>
+          <a:blip r:embed="rId11"/>
           <a:stretch>
             <a:fillRect/>
           </a:stretch>
@@ -30707,7 +30708,7 @@
           <p:nvPr/>
         </p:nvPicPr>
         <p:blipFill>
-          <a:blip r:embed="rId11"/>
+          <a:blip r:embed="rId12"/>
           <a:stretch>
             <a:fillRect/>
           </a:stretch>
@@ -30764,6 +30765,30 @@
           </a:p>
         </p:txBody>
       </p:sp>
+      <p:pic>
+        <p:nvPicPr>
+          <p:cNvPr id="11" name="Picture 10"/>
+          <p:cNvPicPr>
+            <a:picLocks noChangeAspect="1"/>
+          </p:cNvPicPr>
+          <p:nvPr/>
+        </p:nvPicPr>
+        <p:blipFill>
+          <a:blip r:embed="rId13"/>
+          <a:stretch>
+            <a:fillRect/>
+          </a:stretch>
+        </p:blipFill>
+        <p:spPr>
+          <a:xfrm>
+            <a:off x="6926976" y="540155"/>
+            <a:ext cx="5210175" cy="2562225"/>
+          </a:xfrm>
+          <a:prstGeom prst="rect">
+            <a:avLst/>
+          </a:prstGeom>
+        </p:spPr>
+      </p:pic>
     </p:spTree>
     <p:extLst>
       <p:ext uri="{BB962C8B-B14F-4D97-AF65-F5344CB8AC3E}">
@@ -32562,14 +32587,7 @@
                   <a:latin typeface="华文彩云" pitchFamily="2" charset="-122"/>
                   <a:ea typeface="华文彩云" pitchFamily="2" charset="-122"/>
                 </a:rPr>
-                <a:t>智能预</a:t>
-              </a:r>
-              <a:r>
-                <a:rPr lang="zh-CN" altLang="en-US" sz="2400" b="1" dirty="0" smtClean="0">
-                  <a:latin typeface="华文彩云" pitchFamily="2" charset="-122"/>
-                  <a:ea typeface="华文彩云" pitchFamily="2" charset="-122"/>
-                </a:rPr>
-                <a:t>测</a:t>
+                <a:t>智能预测</a:t>
               </a:r>
               <a:endParaRPr lang="zh-CN" altLang="en-US" sz="2400" b="1" dirty="0">
                 <a:latin typeface="华文彩云" pitchFamily="2" charset="-122"/>
@@ -34332,19 +34350,7 @@
                 <a:latin typeface="华康瘦金体W3(P)" pitchFamily="66" charset="-122"/>
                 <a:ea typeface="华康瘦金体W3(P)" pitchFamily="66" charset="-122"/>
               </a:rPr>
-              <a:t>里程会</a:t>
-            </a:r>
-            <a:r>
-              <a:rPr lang="zh-CN" altLang="en-US" sz="6000" dirty="0" smtClean="0">
-                <a:solidFill>
-                  <a:schemeClr val="accent4">
-                    <a:lumMod val="50000"/>
-                  </a:schemeClr>
-                </a:solidFill>
-                <a:latin typeface="华康瘦金体W3(P)" pitchFamily="66" charset="-122"/>
-                <a:ea typeface="华康瘦金体W3(P)" pitchFamily="66" charset="-122"/>
-              </a:rPr>
-              <a:t>员</a:t>
+              <a:t>里程会员</a:t>
             </a:r>
             <a:endParaRPr lang="en-US" altLang="zh-CN" sz="6000" dirty="0" smtClean="0">
               <a:solidFill>

--- a/XMonopoly.pptx
+++ b/XMonopoly.pptx
@@ -6704,8 +6704,8 @@
     <dgm:cxn modelId="{38C4E623-0C98-4A09-BF91-C955C2339793}" type="presOf" srcId="{69E631B9-A8B9-4585-AE19-7ACA442AD190}" destId="{B05CFF4A-18F6-4CDB-B177-473476C80081}" srcOrd="0" destOrd="0" presId="urn:microsoft.com/office/officeart/2005/8/layout/vList4"/>
     <dgm:cxn modelId="{D690BECF-1A63-4B4D-97A6-C3D3D786B7CC}" srcId="{2E1324B7-346D-4C46-BB9C-E53A4F2209AE}" destId="{A04E0FA4-4213-4771-85F9-ABB37AF7D366}" srcOrd="3" destOrd="0" parTransId="{CB34B4F1-D0E2-4B08-B709-713E9F1EF852}" sibTransId="{88C3C0C1-2506-42E2-835C-2C52CCDD076A}"/>
     <dgm:cxn modelId="{4585EC46-185E-4C89-BA08-4BCF512FB0EB}" type="presOf" srcId="{6D72AB07-A85D-477A-A60E-6B8C931677D0}" destId="{29FEA90D-7520-454F-A252-0B71175ABB20}" srcOrd="0" destOrd="5" presId="urn:microsoft.com/office/officeart/2005/8/layout/vList4"/>
+    <dgm:cxn modelId="{9B7D3895-B7F7-4870-A577-C90A729282EC}" type="presOf" srcId="{9BD52E67-F2AD-4BD6-A7BC-7F8801BE4F54}" destId="{952E8CDA-A5ED-4010-B3D5-588D63DCF1A1}" srcOrd="1" destOrd="2" presId="urn:microsoft.com/office/officeart/2005/8/layout/vList4"/>
     <dgm:cxn modelId="{D76F7725-DBFD-4406-9066-01EDB734E573}" type="presOf" srcId="{EE008329-8751-45E2-91F4-6C2E5BEC3FFA}" destId="{29FEA90D-7520-454F-A252-0B71175ABB20}" srcOrd="0" destOrd="0" presId="urn:microsoft.com/office/officeart/2005/8/layout/vList4"/>
-    <dgm:cxn modelId="{9B7D3895-B7F7-4870-A577-C90A729282EC}" type="presOf" srcId="{9BD52E67-F2AD-4BD6-A7BC-7F8801BE4F54}" destId="{952E8CDA-A5ED-4010-B3D5-588D63DCF1A1}" srcOrd="1" destOrd="2" presId="urn:microsoft.com/office/officeart/2005/8/layout/vList4"/>
     <dgm:cxn modelId="{F99C3466-43FD-4A75-BDDF-7A37630D1813}" type="presOf" srcId="{C6A96D6D-9AD5-4556-876A-EDA7616E26FF}" destId="{7ED3922E-72D0-420F-8A93-8BC94D26E7D5}" srcOrd="0" destOrd="0" presId="urn:microsoft.com/office/officeart/2005/8/layout/vList4"/>
     <dgm:cxn modelId="{2F7CCF89-55A0-4C40-A3D0-E34962ECF123}" srcId="{EE008329-8751-45E2-91F4-6C2E5BEC3FFA}" destId="{6D72AB07-A85D-477A-A60E-6B8C931677D0}" srcOrd="4" destOrd="0" parTransId="{999846CD-0CEA-468C-A595-32090591B6AC}" sibTransId="{A8717D57-F2DB-4E39-9C9A-6A6AF900009E}"/>
     <dgm:cxn modelId="{66BDBB1C-0F96-44D5-841A-9764BBEC0325}" type="presOf" srcId="{6D72AB07-A85D-477A-A60E-6B8C931677D0}" destId="{952E8CDA-A5ED-4010-B3D5-588D63DCF1A1}" srcOrd="1" destOrd="5" presId="urn:microsoft.com/office/officeart/2005/8/layout/vList4"/>
@@ -8376,26 +8376,26 @@
     </dgm:pt>
   </dgm:ptLst>
   <dgm:cxnLst>
+    <dgm:cxn modelId="{DA4C6B80-A30A-4172-A51B-99F22CC2CD84}" srcId="{2B4AC205-F278-4267-A645-A46158F903A5}" destId="{35A56606-0784-4733-8220-0E67C38B76E5}" srcOrd="0" destOrd="0" parTransId="{5E4142AE-1CF2-44FE-A0A6-CA5A5A73197E}" sibTransId="{0CFDB5B6-38BD-4ACB-93F2-C488F9A166F7}"/>
+    <dgm:cxn modelId="{ECB743CB-8253-4331-ACBF-642BCDC77362}" type="presOf" srcId="{5752FE59-AD51-464E-B9E9-0FD3C410FD82}" destId="{CC3B6B73-5623-4F91-82BE-457FE9060B1F}" srcOrd="0" destOrd="0" presId="urn:microsoft.com/office/officeart/2005/8/layout/list1"/>
+    <dgm:cxn modelId="{92499842-0229-4766-9977-CE50F834EC81}" type="presOf" srcId="{DAF05602-B44A-4565-937E-0AEFEA98C313}" destId="{AAE1245E-D111-4182-AE82-1EA2A7E0C0FC}" srcOrd="0" destOrd="0" presId="urn:microsoft.com/office/officeart/2005/8/layout/list1"/>
+    <dgm:cxn modelId="{74B712F8-F825-4B3F-9448-4AEAD598B4A2}" type="presOf" srcId="{B1133A5E-8CF7-4947-951B-764E11DBB2A2}" destId="{DD5822AE-706D-431D-B350-0F83EC966801}" srcOrd="0" destOrd="0" presId="urn:microsoft.com/office/officeart/2005/8/layout/list1"/>
+    <dgm:cxn modelId="{2466A188-1B97-4755-9772-593AB6C6DC7D}" type="presOf" srcId="{7A7AB06A-D9BD-4BBE-ACBE-85AEB219F24B}" destId="{CC3B6B73-5623-4F91-82BE-457FE9060B1F}" srcOrd="0" destOrd="1" presId="urn:microsoft.com/office/officeart/2005/8/layout/list1"/>
+    <dgm:cxn modelId="{A236947D-457E-4E48-96F1-D691BC8D4E8B}" srcId="{DAF05602-B44A-4565-937E-0AEFEA98C313}" destId="{5752FE59-AD51-464E-B9E9-0FD3C410FD82}" srcOrd="0" destOrd="0" parTransId="{E5F04AD7-E54F-46C2-B189-B0B655C65714}" sibTransId="{EFE10341-5EF3-4458-8D44-74F4853FBBA8}"/>
+    <dgm:cxn modelId="{B3F61404-7894-4A3E-8098-F435DBAA589F}" type="presOf" srcId="{CDF358C0-F6A3-48B0-9726-231B2080B966}" destId="{DD5822AE-706D-431D-B350-0F83EC966801}" srcOrd="0" destOrd="1" presId="urn:microsoft.com/office/officeart/2005/8/layout/list1"/>
+    <dgm:cxn modelId="{35EE408A-056E-437F-8862-9F94828F4D1F}" srcId="{DAF05602-B44A-4565-937E-0AEFEA98C313}" destId="{7A7AB06A-D9BD-4BBE-ACBE-85AEB219F24B}" srcOrd="1" destOrd="0" parTransId="{A4435A96-2A56-4C25-B465-3DB55D050698}" sibTransId="{56844D41-47C0-4B49-8915-9CB51FE30350}"/>
+    <dgm:cxn modelId="{D9FA317F-D5CD-42C7-BAB4-0537037E4201}" type="presOf" srcId="{8F620628-3215-4D22-8D29-FFD261E6BD92}" destId="{C6B68DEA-6B45-4A49-ADCD-FB8AA9FD2EF5}" srcOrd="0" destOrd="0" presId="urn:microsoft.com/office/officeart/2005/8/layout/list1"/>
+    <dgm:cxn modelId="{CA5EEA6E-59A9-4538-8E65-9C6FA1E7A3A5}" type="presOf" srcId="{35A56606-0784-4733-8220-0E67C38B76E5}" destId="{3C4C6247-3328-485A-9BA4-199EBA44104B}" srcOrd="0" destOrd="0" presId="urn:microsoft.com/office/officeart/2005/8/layout/list1"/>
+    <dgm:cxn modelId="{3424D36E-8FCF-4353-BBBE-CFCC004A551E}" type="presOf" srcId="{DAF05602-B44A-4565-937E-0AEFEA98C313}" destId="{EE949018-FEFB-4731-8413-4B3003C502E6}" srcOrd="1" destOrd="0" presId="urn:microsoft.com/office/officeart/2005/8/layout/list1"/>
+    <dgm:cxn modelId="{DAB4C4C4-F3A1-4549-AAE7-D4C9147E199C}" srcId="{8F620628-3215-4D22-8D29-FFD261E6BD92}" destId="{2714A5FC-BFC9-4D89-B4E8-57F4B387090A}" srcOrd="1" destOrd="0" parTransId="{2E5305D9-C9A9-4A59-AB39-ACDC88F8CBA3}" sibTransId="{1C0AC33B-C3BD-4E74-9E00-130C753B45B5}"/>
+    <dgm:cxn modelId="{5DB8ADD0-A337-4DFB-A7CB-AF688A750DC9}" srcId="{2714A5FC-BFC9-4D89-B4E8-57F4B387090A}" destId="{CDF358C0-F6A3-48B0-9726-231B2080B966}" srcOrd="1" destOrd="0" parTransId="{835E66CF-6D8C-4806-85DF-E4B7A8B8ACFA}" sibTransId="{BE53485F-DE6C-4FC8-B43B-FFDB88AAFFC6}"/>
+    <dgm:cxn modelId="{1CF29142-DB4B-4BFC-9324-B9FD3AA3A5CD}" srcId="{2714A5FC-BFC9-4D89-B4E8-57F4B387090A}" destId="{B1133A5E-8CF7-4947-951B-764E11DBB2A2}" srcOrd="0" destOrd="0" parTransId="{15CF3E8F-8E1E-409D-B8DC-79775D46DCED}" sibTransId="{0EAB2487-30D0-4AAD-9645-03476B149805}"/>
+    <dgm:cxn modelId="{5E8E49E2-CB72-4D3D-8A23-63EC1709D90F}" type="presOf" srcId="{2714A5FC-BFC9-4D89-B4E8-57F4B387090A}" destId="{B297831F-348C-4F6D-B69D-1C53E1954396}" srcOrd="0" destOrd="0" presId="urn:microsoft.com/office/officeart/2005/8/layout/list1"/>
+    <dgm:cxn modelId="{C7CFAA0C-3422-4CCC-A367-6018F2FFC679}" srcId="{8F620628-3215-4D22-8D29-FFD261E6BD92}" destId="{DAF05602-B44A-4565-937E-0AEFEA98C313}" srcOrd="2" destOrd="0" parTransId="{281F9FED-53D7-4432-9653-9C2B0F6B4D89}" sibTransId="{A9DBCD22-5545-4779-A891-3CF59A520FDA}"/>
+    <dgm:cxn modelId="{0D36D500-967B-47ED-93BC-31CB4E5E92F1}" type="presOf" srcId="{2B4AC205-F278-4267-A645-A46158F903A5}" destId="{1323F497-40F1-4F7C-8C86-7258A1512FEB}" srcOrd="1" destOrd="0" presId="urn:microsoft.com/office/officeart/2005/8/layout/list1"/>
+    <dgm:cxn modelId="{8E370701-A51C-45E9-82BB-E4BAB29CCC84}" type="presOf" srcId="{2B4AC205-F278-4267-A645-A46158F903A5}" destId="{5F22E469-074D-44E1-A8DC-B5FB476A31D4}" srcOrd="0" destOrd="0" presId="urn:microsoft.com/office/officeart/2005/8/layout/list1"/>
+    <dgm:cxn modelId="{C9504746-FA9D-4532-AF4F-0D28555B4023}" srcId="{8F620628-3215-4D22-8D29-FFD261E6BD92}" destId="{2B4AC205-F278-4267-A645-A46158F903A5}" srcOrd="0" destOrd="0" parTransId="{132BB2DC-C1D9-4345-A521-29518D043758}" sibTransId="{54FDD6EE-D33D-4D8F-9596-C5D6E877B973}"/>
     <dgm:cxn modelId="{46D9931D-5F1E-4C40-BA30-DACF706B4C53}" type="presOf" srcId="{2714A5FC-BFC9-4D89-B4E8-57F4B387090A}" destId="{2FC7D539-97FB-4C3B-BD47-C4CF31B1D9AD}" srcOrd="1" destOrd="0" presId="urn:microsoft.com/office/officeart/2005/8/layout/list1"/>
-    <dgm:cxn modelId="{92499842-0229-4766-9977-CE50F834EC81}" type="presOf" srcId="{DAF05602-B44A-4565-937E-0AEFEA98C313}" destId="{AAE1245E-D111-4182-AE82-1EA2A7E0C0FC}" srcOrd="0" destOrd="0" presId="urn:microsoft.com/office/officeart/2005/8/layout/list1"/>
-    <dgm:cxn modelId="{1CF29142-DB4B-4BFC-9324-B9FD3AA3A5CD}" srcId="{2714A5FC-BFC9-4D89-B4E8-57F4B387090A}" destId="{B1133A5E-8CF7-4947-951B-764E11DBB2A2}" srcOrd="0" destOrd="0" parTransId="{15CF3E8F-8E1E-409D-B8DC-79775D46DCED}" sibTransId="{0EAB2487-30D0-4AAD-9645-03476B149805}"/>
-    <dgm:cxn modelId="{74B712F8-F825-4B3F-9448-4AEAD598B4A2}" type="presOf" srcId="{B1133A5E-8CF7-4947-951B-764E11DBB2A2}" destId="{DD5822AE-706D-431D-B350-0F83EC966801}" srcOrd="0" destOrd="0" presId="urn:microsoft.com/office/officeart/2005/8/layout/list1"/>
-    <dgm:cxn modelId="{C9504746-FA9D-4532-AF4F-0D28555B4023}" srcId="{8F620628-3215-4D22-8D29-FFD261E6BD92}" destId="{2B4AC205-F278-4267-A645-A46158F903A5}" srcOrd="0" destOrd="0" parTransId="{132BB2DC-C1D9-4345-A521-29518D043758}" sibTransId="{54FDD6EE-D33D-4D8F-9596-C5D6E877B973}"/>
-    <dgm:cxn modelId="{8E370701-A51C-45E9-82BB-E4BAB29CCC84}" type="presOf" srcId="{2B4AC205-F278-4267-A645-A46158F903A5}" destId="{5F22E469-074D-44E1-A8DC-B5FB476A31D4}" srcOrd="0" destOrd="0" presId="urn:microsoft.com/office/officeart/2005/8/layout/list1"/>
-    <dgm:cxn modelId="{3424D36E-8FCF-4353-BBBE-CFCC004A551E}" type="presOf" srcId="{DAF05602-B44A-4565-937E-0AEFEA98C313}" destId="{EE949018-FEFB-4731-8413-4B3003C502E6}" srcOrd="1" destOrd="0" presId="urn:microsoft.com/office/officeart/2005/8/layout/list1"/>
-    <dgm:cxn modelId="{2466A188-1B97-4755-9772-593AB6C6DC7D}" type="presOf" srcId="{7A7AB06A-D9BD-4BBE-ACBE-85AEB219F24B}" destId="{CC3B6B73-5623-4F91-82BE-457FE9060B1F}" srcOrd="0" destOrd="1" presId="urn:microsoft.com/office/officeart/2005/8/layout/list1"/>
-    <dgm:cxn modelId="{35EE408A-056E-437F-8862-9F94828F4D1F}" srcId="{DAF05602-B44A-4565-937E-0AEFEA98C313}" destId="{7A7AB06A-D9BD-4BBE-ACBE-85AEB219F24B}" srcOrd="1" destOrd="0" parTransId="{A4435A96-2A56-4C25-B465-3DB55D050698}" sibTransId="{56844D41-47C0-4B49-8915-9CB51FE30350}"/>
-    <dgm:cxn modelId="{DA4C6B80-A30A-4172-A51B-99F22CC2CD84}" srcId="{2B4AC205-F278-4267-A645-A46158F903A5}" destId="{35A56606-0784-4733-8220-0E67C38B76E5}" srcOrd="0" destOrd="0" parTransId="{5E4142AE-1CF2-44FE-A0A6-CA5A5A73197E}" sibTransId="{0CFDB5B6-38BD-4ACB-93F2-C488F9A166F7}"/>
-    <dgm:cxn modelId="{D9FA317F-D5CD-42C7-BAB4-0537037E4201}" type="presOf" srcId="{8F620628-3215-4D22-8D29-FFD261E6BD92}" destId="{C6B68DEA-6B45-4A49-ADCD-FB8AA9FD2EF5}" srcOrd="0" destOrd="0" presId="urn:microsoft.com/office/officeart/2005/8/layout/list1"/>
-    <dgm:cxn modelId="{5E8E49E2-CB72-4D3D-8A23-63EC1709D90F}" type="presOf" srcId="{2714A5FC-BFC9-4D89-B4E8-57F4B387090A}" destId="{B297831F-348C-4F6D-B69D-1C53E1954396}" srcOrd="0" destOrd="0" presId="urn:microsoft.com/office/officeart/2005/8/layout/list1"/>
-    <dgm:cxn modelId="{5DB8ADD0-A337-4DFB-A7CB-AF688A750DC9}" srcId="{2714A5FC-BFC9-4D89-B4E8-57F4B387090A}" destId="{CDF358C0-F6A3-48B0-9726-231B2080B966}" srcOrd="1" destOrd="0" parTransId="{835E66CF-6D8C-4806-85DF-E4B7A8B8ACFA}" sibTransId="{BE53485F-DE6C-4FC8-B43B-FFDB88AAFFC6}"/>
-    <dgm:cxn modelId="{C7CFAA0C-3422-4CCC-A367-6018F2FFC679}" srcId="{8F620628-3215-4D22-8D29-FFD261E6BD92}" destId="{DAF05602-B44A-4565-937E-0AEFEA98C313}" srcOrd="2" destOrd="0" parTransId="{281F9FED-53D7-4432-9653-9C2B0F6B4D89}" sibTransId="{A9DBCD22-5545-4779-A891-3CF59A520FDA}"/>
-    <dgm:cxn modelId="{DAB4C4C4-F3A1-4549-AAE7-D4C9147E199C}" srcId="{8F620628-3215-4D22-8D29-FFD261E6BD92}" destId="{2714A5FC-BFC9-4D89-B4E8-57F4B387090A}" srcOrd="1" destOrd="0" parTransId="{2E5305D9-C9A9-4A59-AB39-ACDC88F8CBA3}" sibTransId="{1C0AC33B-C3BD-4E74-9E00-130C753B45B5}"/>
-    <dgm:cxn modelId="{0D36D500-967B-47ED-93BC-31CB4E5E92F1}" type="presOf" srcId="{2B4AC205-F278-4267-A645-A46158F903A5}" destId="{1323F497-40F1-4F7C-8C86-7258A1512FEB}" srcOrd="1" destOrd="0" presId="urn:microsoft.com/office/officeart/2005/8/layout/list1"/>
-    <dgm:cxn modelId="{ECB743CB-8253-4331-ACBF-642BCDC77362}" type="presOf" srcId="{5752FE59-AD51-464E-B9E9-0FD3C410FD82}" destId="{CC3B6B73-5623-4F91-82BE-457FE9060B1F}" srcOrd="0" destOrd="0" presId="urn:microsoft.com/office/officeart/2005/8/layout/list1"/>
-    <dgm:cxn modelId="{B3F61404-7894-4A3E-8098-F435DBAA589F}" type="presOf" srcId="{CDF358C0-F6A3-48B0-9726-231B2080B966}" destId="{DD5822AE-706D-431D-B350-0F83EC966801}" srcOrd="0" destOrd="1" presId="urn:microsoft.com/office/officeart/2005/8/layout/list1"/>
-    <dgm:cxn modelId="{CA5EEA6E-59A9-4538-8E65-9C6FA1E7A3A5}" type="presOf" srcId="{35A56606-0784-4733-8220-0E67C38B76E5}" destId="{3C4C6247-3328-485A-9BA4-199EBA44104B}" srcOrd="0" destOrd="0" presId="urn:microsoft.com/office/officeart/2005/8/layout/list1"/>
-    <dgm:cxn modelId="{A236947D-457E-4E48-96F1-D691BC8D4E8B}" srcId="{DAF05602-B44A-4565-937E-0AEFEA98C313}" destId="{5752FE59-AD51-464E-B9E9-0FD3C410FD82}" srcOrd="0" destOrd="0" parTransId="{E5F04AD7-E54F-46C2-B189-B0B655C65714}" sibTransId="{EFE10341-5EF3-4458-8D44-74F4853FBBA8}"/>
     <dgm:cxn modelId="{27432C42-4624-4419-BEB1-43D499B1B614}" type="presParOf" srcId="{C6B68DEA-6B45-4A49-ADCD-FB8AA9FD2EF5}" destId="{2FA97AD6-AAD4-49C7-96C0-0283890317AB}" srcOrd="0" destOrd="0" presId="urn:microsoft.com/office/officeart/2005/8/layout/list1"/>
     <dgm:cxn modelId="{06B96526-1717-4C22-9364-C79990E565DA}" type="presParOf" srcId="{2FA97AD6-AAD4-49C7-96C0-0283890317AB}" destId="{5F22E469-074D-44E1-A8DC-B5FB476A31D4}" srcOrd="0" destOrd="0" presId="urn:microsoft.com/office/officeart/2005/8/layout/list1"/>
     <dgm:cxn modelId="{DC23BB1F-EFCF-41FC-A4F4-961F874A4492}" type="presParOf" srcId="{2FA97AD6-AAD4-49C7-96C0-0283890317AB}" destId="{1323F497-40F1-4F7C-8C86-7258A1512FEB}" srcOrd="1" destOrd="0" presId="urn:microsoft.com/office/officeart/2005/8/layout/list1"/>
@@ -30643,8 +30643,8 @@
         </p:blipFill>
         <p:spPr>
           <a:xfrm>
-            <a:off x="736646" y="3333456"/>
-            <a:ext cx="3873654" cy="2221776"/>
+            <a:off x="345131" y="3357477"/>
+            <a:ext cx="2156939" cy="1998333"/>
           </a:xfrm>
           <a:prstGeom prst="rect">
             <a:avLst/>
@@ -30781,8 +30781,32 @@
         </p:blipFill>
         <p:spPr>
           <a:xfrm>
-            <a:off x="6926976" y="540155"/>
-            <a:ext cx="5210175" cy="2562225"/>
+            <a:off x="304368" y="5424477"/>
+            <a:ext cx="2724821" cy="1339994"/>
+          </a:xfrm>
+          <a:prstGeom prst="rect">
+            <a:avLst/>
+          </a:prstGeom>
+        </p:spPr>
+      </p:pic>
+      <p:pic>
+        <p:nvPicPr>
+          <p:cNvPr id="13" name="Picture 12"/>
+          <p:cNvPicPr>
+            <a:picLocks noChangeAspect="1"/>
+          </p:cNvPicPr>
+          <p:nvPr/>
+        </p:nvPicPr>
+        <p:blipFill>
+          <a:blip r:embed="rId14"/>
+          <a:stretch>
+            <a:fillRect/>
+          </a:stretch>
+        </p:blipFill>
+        <p:spPr>
+          <a:xfrm>
+            <a:off x="3131127" y="3148547"/>
+            <a:ext cx="1787012" cy="3688394"/>
           </a:xfrm>
           <a:prstGeom prst="rect">
             <a:avLst/>

--- a/XMonopoly.pptx
+++ b/XMonopoly.pptx
@@ -8,14 +8,14 @@
     <p:sldId id="256" r:id="rId2"/>
     <p:sldId id="262" r:id="rId3"/>
     <p:sldId id="263" r:id="rId4"/>
-    <p:sldId id="264" r:id="rId5"/>
-    <p:sldId id="265" r:id="rId6"/>
-    <p:sldId id="266" r:id="rId7"/>
-    <p:sldId id="257" r:id="rId8"/>
-    <p:sldId id="260" r:id="rId9"/>
-    <p:sldId id="267" r:id="rId10"/>
+    <p:sldId id="259" r:id="rId5"/>
+    <p:sldId id="264" r:id="rId6"/>
+    <p:sldId id="265" r:id="rId7"/>
+    <p:sldId id="266" r:id="rId8"/>
+    <p:sldId id="257" r:id="rId9"/>
+    <p:sldId id="260" r:id="rId10"/>
     <p:sldId id="268" r:id="rId11"/>
-    <p:sldId id="259" r:id="rId12"/>
+    <p:sldId id="267" r:id="rId12"/>
     <p:sldId id="258" r:id="rId13"/>
   </p:sldIdLst>
   <p:sldSz cx="12192000" cy="6858000"/>
@@ -5978,10 +5978,10 @@
         <a:lstStyle/>
         <a:p>
           <a:r>
-            <a:rPr lang="zh-CN" altLang="en-US" sz="2000" dirty="0" smtClean="0"/>
+            <a:rPr lang="zh-CN" altLang="en-US" sz="3200" b="1" dirty="0" smtClean="0"/>
             <a:t>基于出行方式 获得相应价值的虚拟货币奖励，鼓励绿色出行、提倡良好驾驶行为</a:t>
           </a:r>
-          <a:endParaRPr lang="zh-CN" altLang="en-US" sz="2000" dirty="0"/>
+          <a:endParaRPr lang="zh-CN" altLang="en-US" sz="3200" b="1" dirty="0"/>
         </a:p>
       </dgm:t>
     </dgm:pt>
@@ -6014,11 +6014,16 @@
         <a:bodyPr/>
         <a:lstStyle/>
         <a:p>
+          <a:pPr algn="ctr"/>
+          <a:endParaRPr lang="en-US" altLang="zh-CN" sz="2000" dirty="0" smtClean="0"/>
+        </a:p>
+        <a:p>
+          <a:pPr algn="l"/>
           <a:r>
-            <a:rPr lang="zh-CN" altLang="en-US" sz="2000" dirty="0" smtClean="0"/>
+            <a:rPr lang="zh-CN" altLang="en-US" sz="3200" b="1" dirty="0" smtClean="0"/>
             <a:t>基于出行路径 获得对相应兴趣点的操作权力，交易使用虚拟货币。</a:t>
           </a:r>
-          <a:endParaRPr lang="zh-CN" altLang="en-US" sz="2000" dirty="0"/>
+          <a:endParaRPr lang="zh-CN" altLang="en-US" sz="3200" b="1" dirty="0"/>
         </a:p>
       </dgm:t>
     </dgm:pt>
@@ -6044,7 +6049,7 @@
         </a:p>
       </dgm:t>
     </dgm:pt>
-    <dgm:pt modelId="{273E3FD1-F259-4CCD-A575-293F05CAED8A}">
+    <dgm:pt modelId="{2E1324B7-346D-4C46-BB9C-E53A4F2209AE}">
       <dgm:prSet phldrT="[文本]" custT="1"/>
       <dgm:spPr/>
       <dgm:t>
@@ -6052,92 +6057,18 @@
         <a:lstStyle/>
         <a:p>
           <a:r>
-            <a:rPr lang="zh-CN" altLang="en-US" sz="1400" dirty="0" smtClean="0"/>
-            <a:t>若目标兴趣点未被交易，则用户可以选择购买该兴趣点并支付默认价格。</a:t>
-          </a:r>
-          <a:endParaRPr lang="zh-CN" altLang="en-US" sz="1400" dirty="0"/>
-        </a:p>
-      </dgm:t>
-    </dgm:pt>
-    <dgm:pt modelId="{B8B78F23-23C8-4E4B-8662-A5DCFCC1A5F0}" type="parTrans" cxnId="{7B23C019-377E-43D1-AF8C-A681CE75950A}">
-      <dgm:prSet/>
-      <dgm:spPr/>
-      <dgm:t>
-        <a:bodyPr/>
-        <a:lstStyle/>
-        <a:p>
-          <a:endParaRPr lang="zh-CN" altLang="en-US"/>
-        </a:p>
-      </dgm:t>
-    </dgm:pt>
-    <dgm:pt modelId="{CE56F6E1-1F28-434B-B1EB-4250A67F6BC5}" type="sibTrans" cxnId="{7B23C019-377E-43D1-AF8C-A681CE75950A}">
-      <dgm:prSet/>
-      <dgm:spPr/>
-      <dgm:t>
-        <a:bodyPr/>
-        <a:lstStyle/>
-        <a:p>
-          <a:endParaRPr lang="zh-CN" altLang="en-US"/>
-        </a:p>
-      </dgm:t>
-    </dgm:pt>
-    <dgm:pt modelId="{9BD52E67-F2AD-4BD6-A7BC-7F8801BE4F54}">
-      <dgm:prSet phldrT="[文本]" custT="1"/>
-      <dgm:spPr/>
-      <dgm:t>
-        <a:bodyPr/>
-        <a:lstStyle/>
-        <a:p>
-          <a:r>
-            <a:rPr lang="zh-CN" altLang="en-US" sz="1400" dirty="0" smtClean="0"/>
-            <a:t>若目标兴趣点已被其他用户购买，则用户支付相应租金给业主。</a:t>
-          </a:r>
-          <a:endParaRPr lang="zh-CN" altLang="en-US" sz="1400" dirty="0"/>
-        </a:p>
-      </dgm:t>
-    </dgm:pt>
-    <dgm:pt modelId="{3C3BC3AC-1CE0-402F-9E5F-F167A1DF1129}" type="parTrans" cxnId="{DA4BC428-7941-48BE-8D56-FC4A892BC39B}">
-      <dgm:prSet/>
-      <dgm:spPr/>
-      <dgm:t>
-        <a:bodyPr/>
-        <a:lstStyle/>
-        <a:p>
-          <a:endParaRPr lang="zh-CN" altLang="en-US"/>
-        </a:p>
-      </dgm:t>
-    </dgm:pt>
-    <dgm:pt modelId="{5CB2614E-A79A-4566-AC0B-A42F8BC25DDB}" type="sibTrans" cxnId="{DA4BC428-7941-48BE-8D56-FC4A892BC39B}">
-      <dgm:prSet/>
-      <dgm:spPr/>
-      <dgm:t>
-        <a:bodyPr/>
-        <a:lstStyle/>
-        <a:p>
-          <a:endParaRPr lang="zh-CN" altLang="en-US"/>
-        </a:p>
-      </dgm:t>
-    </dgm:pt>
-    <dgm:pt modelId="{2E1324B7-346D-4C46-BB9C-E53A4F2209AE}">
-      <dgm:prSet phldrT="[文本]"/>
-      <dgm:spPr/>
-      <dgm:t>
-        <a:bodyPr/>
-        <a:lstStyle/>
-        <a:p>
-          <a:r>
-            <a:rPr lang="zh-CN" altLang="en-US" dirty="0" smtClean="0"/>
+            <a:rPr lang="zh-CN" altLang="en-US" sz="3200" b="1" dirty="0" smtClean="0"/>
             <a:t>基于所属兴趣点，进行内容发布，可以</a:t>
           </a:r>
           <a:r>
-            <a:rPr lang="en-US" altLang="zh-CN" dirty="0" smtClean="0"/>
+            <a:rPr lang="en-US" altLang="zh-CN" sz="3200" b="1" dirty="0" smtClean="0"/>
             <a:t>AR</a:t>
           </a:r>
           <a:r>
-            <a:rPr lang="zh-CN" altLang="en-US" dirty="0" smtClean="0"/>
+            <a:rPr lang="zh-CN" altLang="en-US" sz="3200" b="1" dirty="0" smtClean="0"/>
             <a:t>呈现。</a:t>
           </a:r>
-          <a:endParaRPr lang="zh-CN" altLang="en-US" dirty="0"/>
+          <a:endParaRPr lang="zh-CN" altLang="en-US" sz="3200" b="1" dirty="0"/>
         </a:p>
       </dgm:t>
     </dgm:pt>
@@ -6163,88 +6094,6 @@
         </a:p>
       </dgm:t>
     </dgm:pt>
-    <dgm:pt modelId="{10542D9E-4E75-4663-A739-D7305D3BA214}">
-      <dgm:prSet phldrT="[文本]"/>
-      <dgm:spPr/>
-      <dgm:t>
-        <a:bodyPr/>
-        <a:lstStyle/>
-        <a:p>
-          <a:r>
-            <a:rPr lang="zh-CN" altLang="en-US" dirty="0" smtClean="0"/>
-            <a:t>用户购买获得兴趣点后，可自定义兴趣点呈现内容。</a:t>
-          </a:r>
-          <a:endParaRPr lang="zh-CN" altLang="en-US" dirty="0"/>
-        </a:p>
-      </dgm:t>
-    </dgm:pt>
-    <dgm:pt modelId="{C9CFC89C-E03D-428E-A1C5-4E2DA4E9838F}" type="parTrans" cxnId="{8AD7F0A0-F8B0-4640-B4A0-D4D64396B636}">
-      <dgm:prSet/>
-      <dgm:spPr/>
-      <dgm:t>
-        <a:bodyPr/>
-        <a:lstStyle/>
-        <a:p>
-          <a:endParaRPr lang="zh-CN" altLang="en-US"/>
-        </a:p>
-      </dgm:t>
-    </dgm:pt>
-    <dgm:pt modelId="{66EC02FE-FAC0-47D9-BAD4-B9248F2C5EEC}" type="sibTrans" cxnId="{8AD7F0A0-F8B0-4640-B4A0-D4D64396B636}">
-      <dgm:prSet/>
-      <dgm:spPr/>
-      <dgm:t>
-        <a:bodyPr/>
-        <a:lstStyle/>
-        <a:p>
-          <a:endParaRPr lang="zh-CN" altLang="en-US"/>
-        </a:p>
-      </dgm:t>
-    </dgm:pt>
-    <dgm:pt modelId="{E18339C9-1FEC-4EA0-8836-B6D82A0C8A6D}">
-      <dgm:prSet phldrT="[文本]"/>
-      <dgm:spPr/>
-      <dgm:t>
-        <a:bodyPr/>
-        <a:lstStyle/>
-        <a:p>
-          <a:r>
-            <a:rPr lang="zh-CN" altLang="en-US" dirty="0" smtClean="0"/>
-            <a:t>用户以实景模式（摄像头）浏览周围兴趣点时，内容以</a:t>
-          </a:r>
-          <a:r>
-            <a:rPr lang="en-US" altLang="zh-CN" dirty="0" smtClean="0"/>
-            <a:t>AR</a:t>
-          </a:r>
-          <a:r>
-            <a:rPr lang="zh-CN" altLang="en-US" dirty="0" smtClean="0"/>
-            <a:t>方式呈现。</a:t>
-          </a:r>
-          <a:endParaRPr lang="zh-CN" altLang="en-US" dirty="0"/>
-        </a:p>
-      </dgm:t>
-    </dgm:pt>
-    <dgm:pt modelId="{008295D1-06BE-4718-A3E2-F52FEE6A8A4A}" type="parTrans" cxnId="{EFB38EC5-8014-4F55-80F5-6E940E57ED49}">
-      <dgm:prSet/>
-      <dgm:spPr/>
-      <dgm:t>
-        <a:bodyPr/>
-        <a:lstStyle/>
-        <a:p>
-          <a:endParaRPr lang="zh-CN" altLang="en-US"/>
-        </a:p>
-      </dgm:t>
-    </dgm:pt>
-    <dgm:pt modelId="{64E09B9C-70F9-4A2F-898C-58B8E3979039}" type="sibTrans" cxnId="{EFB38EC5-8014-4F55-80F5-6E940E57ED49}">
-      <dgm:prSet/>
-      <dgm:spPr/>
-      <dgm:t>
-        <a:bodyPr/>
-        <a:lstStyle/>
-        <a:p>
-          <a:endParaRPr lang="zh-CN" altLang="en-US"/>
-        </a:p>
-      </dgm:t>
-    </dgm:pt>
     <dgm:pt modelId="{6D72AB07-A85D-477A-A60E-6B8C931677D0}">
       <dgm:prSet phldrT="[文本]"/>
       <dgm:spPr/>
@@ -6252,6 +6101,7 @@
         <a:bodyPr/>
         <a:lstStyle/>
         <a:p>
+          <a:pPr algn="ctr"/>
           <a:endParaRPr lang="zh-CN" altLang="en-US" sz="1400" dirty="0"/>
         </a:p>
       </dgm:t>
@@ -6278,88 +6128,6 @@
         </a:p>
       </dgm:t>
     </dgm:pt>
-    <dgm:pt modelId="{AEA7BC68-6A2E-4446-9934-51ECFA4057BD}">
-      <dgm:prSet phldrT="[文本]" custT="1"/>
-      <dgm:spPr/>
-      <dgm:t>
-        <a:bodyPr/>
-        <a:lstStyle/>
-        <a:p>
-          <a:r>
-            <a:rPr lang="zh-CN" altLang="en-US" sz="1400" dirty="0" smtClean="0"/>
-            <a:t>若目标兴趣点为自己已购买的，则用户可以选择升级，升级后租金增加。</a:t>
-          </a:r>
-          <a:endParaRPr lang="zh-CN" altLang="en-US" sz="1400" dirty="0"/>
-        </a:p>
-      </dgm:t>
-    </dgm:pt>
-    <dgm:pt modelId="{71200B45-C0B6-4003-A78F-590F43AAB0B6}" type="parTrans" cxnId="{DC71B006-73ED-4A1C-8517-112BC70DDF6D}">
-      <dgm:prSet/>
-      <dgm:spPr/>
-      <dgm:t>
-        <a:bodyPr/>
-        <a:lstStyle/>
-        <a:p>
-          <a:endParaRPr lang="zh-CN" altLang="en-US"/>
-        </a:p>
-      </dgm:t>
-    </dgm:pt>
-    <dgm:pt modelId="{8A437532-B9FB-424D-AFAB-B4158607E103}" type="sibTrans" cxnId="{DC71B006-73ED-4A1C-8517-112BC70DDF6D}">
-      <dgm:prSet/>
-      <dgm:spPr/>
-      <dgm:t>
-        <a:bodyPr/>
-        <a:lstStyle/>
-        <a:p>
-          <a:endParaRPr lang="zh-CN" altLang="en-US"/>
-        </a:p>
-      </dgm:t>
-    </dgm:pt>
-    <dgm:pt modelId="{1A1BDA66-BFB9-4A40-BA70-C78B082541AD}">
-      <dgm:prSet phldrT="[文本]" custT="1"/>
-      <dgm:spPr/>
-      <dgm:t>
-        <a:bodyPr/>
-        <a:lstStyle/>
-        <a:p>
-          <a:r>
-            <a:rPr lang="zh-CN" altLang="en-US" sz="1400" dirty="0" smtClean="0"/>
-            <a:t>业主可以选择对目标</a:t>
-          </a:r>
-          <a:r>
-            <a:rPr lang="en-US" altLang="zh-CN" sz="1400" dirty="0" smtClean="0"/>
-            <a:t>POI</a:t>
-          </a:r>
-          <a:r>
-            <a:rPr lang="zh-CN" altLang="en-US" sz="1400" dirty="0" smtClean="0"/>
-            <a:t>进行公开拍卖。</a:t>
-          </a:r>
-          <a:endParaRPr lang="zh-CN" altLang="en-US" sz="1400" dirty="0"/>
-        </a:p>
-      </dgm:t>
-    </dgm:pt>
-    <dgm:pt modelId="{16207803-DD8A-4682-BF04-6F339D683DDD}" type="parTrans" cxnId="{A973A36A-1137-4E95-A287-042C8E833118}">
-      <dgm:prSet/>
-      <dgm:spPr/>
-      <dgm:t>
-        <a:bodyPr/>
-        <a:lstStyle/>
-        <a:p>
-          <a:endParaRPr lang="zh-CN" altLang="en-US"/>
-        </a:p>
-      </dgm:t>
-    </dgm:pt>
-    <dgm:pt modelId="{16E9E237-4CE0-4AD0-8E6E-B6086CB4E224}" type="sibTrans" cxnId="{A973A36A-1137-4E95-A287-042C8E833118}">
-      <dgm:prSet/>
-      <dgm:spPr/>
-      <dgm:t>
-        <a:bodyPr/>
-        <a:lstStyle/>
-        <a:p>
-          <a:endParaRPr lang="zh-CN" altLang="en-US"/>
-        </a:p>
-      </dgm:t>
-    </dgm:pt>
     <dgm:pt modelId="{A04E0FA4-4213-4771-85F9-ABB37AF7D366}">
       <dgm:prSet phldrT="[文本]"/>
       <dgm:spPr/>
@@ -6367,7 +6135,7 @@
         <a:bodyPr/>
         <a:lstStyle/>
         <a:p>
-          <a:endParaRPr lang="zh-CN" altLang="en-US" dirty="0"/>
+          <a:endParaRPr lang="zh-CN" altLang="en-US" sz="2700" dirty="0"/>
         </a:p>
       </dgm:t>
     </dgm:pt>
@@ -6383,153 +6151,6 @@
       </dgm:t>
     </dgm:pt>
     <dgm:pt modelId="{88C3C0C1-2506-42E2-835C-2C52CCDD076A}" type="sibTrans" cxnId="{D690BECF-1A63-4B4D-97A6-C3D3D786B7CC}">
-      <dgm:prSet/>
-      <dgm:spPr/>
-      <dgm:t>
-        <a:bodyPr/>
-        <a:lstStyle/>
-        <a:p>
-          <a:endParaRPr lang="zh-CN" altLang="en-US"/>
-        </a:p>
-      </dgm:t>
-    </dgm:pt>
-    <dgm:pt modelId="{06B8DC09-6408-4EB7-962E-A92F341E53A1}">
-      <dgm:prSet phldrT="[文本]"/>
-      <dgm:spPr/>
-      <dgm:t>
-        <a:bodyPr/>
-        <a:lstStyle/>
-        <a:p>
-          <a:r>
-            <a:rPr lang="zh-CN" altLang="en-US" dirty="0" smtClean="0"/>
-            <a:t>用户可以选择将兴趣点转化为商用地产，则获得更丰富的内容呈现方式，或发起活动。</a:t>
-          </a:r>
-          <a:endParaRPr lang="zh-CN" altLang="en-US" dirty="0"/>
-        </a:p>
-      </dgm:t>
-    </dgm:pt>
-    <dgm:pt modelId="{A3C2D689-1B50-436D-A329-F5AC71529464}" type="parTrans" cxnId="{11EACCA7-500A-4D43-AF8D-1946D167E246}">
-      <dgm:prSet/>
-      <dgm:spPr/>
-      <dgm:t>
-        <a:bodyPr/>
-        <a:lstStyle/>
-        <a:p>
-          <a:endParaRPr lang="zh-CN" altLang="en-US"/>
-        </a:p>
-      </dgm:t>
-    </dgm:pt>
-    <dgm:pt modelId="{4C8717D3-0C8D-4FD7-BDDA-F9B1E4C6575B}" type="sibTrans" cxnId="{11EACCA7-500A-4D43-AF8D-1946D167E246}">
-      <dgm:prSet/>
-      <dgm:spPr/>
-      <dgm:t>
-        <a:bodyPr/>
-        <a:lstStyle/>
-        <a:p>
-          <a:endParaRPr lang="zh-CN" altLang="en-US"/>
-        </a:p>
-      </dgm:t>
-    </dgm:pt>
-    <dgm:pt modelId="{B2B73E3D-ABE5-4757-9B6E-05A18AB5321D}">
-      <dgm:prSet phldrT="[文本]" custT="1"/>
-      <dgm:spPr/>
-      <dgm:t>
-        <a:bodyPr/>
-        <a:lstStyle/>
-        <a:p>
-          <a:r>
-            <a:rPr lang="zh-CN" altLang="en-US" sz="1600" dirty="0" smtClean="0"/>
-            <a:t>发布事件、虚拟道具、任务等，对达成者奖励不定量货币或虚拟道具</a:t>
-          </a:r>
-          <a:endParaRPr lang="zh-CN" altLang="en-US" sz="1400" dirty="0"/>
-        </a:p>
-      </dgm:t>
-    </dgm:pt>
-    <dgm:pt modelId="{5362871A-8F71-4F95-9364-8492EEF4AFB9}" type="parTrans" cxnId="{EFE1CDF6-88ED-445C-B45E-C5DDA322A330}">
-      <dgm:prSet/>
-      <dgm:spPr/>
-      <dgm:t>
-        <a:bodyPr/>
-        <a:lstStyle/>
-        <a:p>
-          <a:endParaRPr lang="en-US"/>
-        </a:p>
-      </dgm:t>
-    </dgm:pt>
-    <dgm:pt modelId="{6D0FEB0C-0CBD-49A3-B270-A15CDFF884C9}" type="sibTrans" cxnId="{EFE1CDF6-88ED-445C-B45E-C5DDA322A330}">
-      <dgm:prSet/>
-      <dgm:spPr/>
-      <dgm:t>
-        <a:bodyPr/>
-        <a:lstStyle/>
-        <a:p>
-          <a:endParaRPr lang="en-US"/>
-        </a:p>
-      </dgm:t>
-    </dgm:pt>
-    <dgm:pt modelId="{5F3FFD2C-2E7A-4B3E-92FA-AEB72A61D199}">
-      <dgm:prSet phldrT="[文本]" custT="1"/>
-      <dgm:spPr/>
-      <dgm:t>
-        <a:bodyPr/>
-        <a:lstStyle/>
-        <a:p>
-          <a:r>
-            <a:rPr lang="zh-CN" altLang="en-US" sz="1600" dirty="0" smtClean="0"/>
-            <a:t>多种方式接入包括 步行</a:t>
-          </a:r>
-          <a:r>
-            <a:rPr lang="en-US" altLang="zh-CN" sz="1600" dirty="0" smtClean="0"/>
-            <a:t>/</a:t>
-          </a:r>
-          <a:r>
-            <a:rPr lang="zh-CN" altLang="en-US" sz="1600" dirty="0" smtClean="0"/>
-            <a:t>单车</a:t>
-          </a:r>
-          <a:r>
-            <a:rPr lang="en-US" altLang="zh-CN" sz="1600" dirty="0" smtClean="0"/>
-            <a:t>/</a:t>
-          </a:r>
-          <a:r>
-            <a:rPr lang="zh-CN" altLang="en-US" sz="1600" dirty="0" smtClean="0"/>
-            <a:t>公车电动车</a:t>
-          </a:r>
-          <a:r>
-            <a:rPr lang="en-US" altLang="zh-CN" sz="1600" dirty="0" smtClean="0"/>
-            <a:t>/</a:t>
-          </a:r>
-          <a:r>
-            <a:rPr lang="zh-CN" altLang="en-US" sz="1600" dirty="0" smtClean="0"/>
-            <a:t>汽车</a:t>
-          </a:r>
-          <a:r>
-            <a:rPr lang="en-US" altLang="zh-CN" sz="1600" dirty="0" smtClean="0"/>
-            <a:t>/</a:t>
-          </a:r>
-          <a:r>
-            <a:rPr lang="zh-CN" altLang="en-US" sz="1600" dirty="0" smtClean="0"/>
-            <a:t>飞机等全出方式，根据不同规则奖励虚拟货币</a:t>
-          </a:r>
-          <a:r>
-            <a:rPr lang="en-US" altLang="zh-CN" sz="1600" dirty="0" smtClean="0"/>
-            <a:t>	</a:t>
-          </a:r>
-          <a:endParaRPr lang="zh-CN" altLang="en-US" sz="1600" dirty="0"/>
-        </a:p>
-      </dgm:t>
-    </dgm:pt>
-    <dgm:pt modelId="{35A2B8F2-A1DA-4D51-B996-D807D65EF333}" type="sibTrans" cxnId="{41F71BB2-BFEC-4BDA-9DCE-B1BA8721C707}">
-      <dgm:prSet/>
-      <dgm:spPr/>
-      <dgm:t>
-        <a:bodyPr/>
-        <a:lstStyle/>
-        <a:p>
-          <a:endParaRPr lang="zh-CN" altLang="en-US"/>
-        </a:p>
-      </dgm:t>
-    </dgm:pt>
-    <dgm:pt modelId="{17564BA8-482D-435A-8BB6-B7B7D12022D9}" type="parTrans" cxnId="{41F71BB2-BFEC-4BDA-9DCE-B1BA8721C707}">
       <dgm:prSet/>
       <dgm:spPr/>
       <dgm:t>
@@ -6668,49 +6289,22 @@
     </dgm:pt>
   </dgm:ptLst>
   <dgm:cxnLst>
-    <dgm:cxn modelId="{C6FEF7D4-CA6E-47B1-AE65-58917B324353}" type="presOf" srcId="{10542D9E-4E75-4663-A739-D7305D3BA214}" destId="{46EF5102-036E-44C5-AE43-13C04B72DCC9}" srcOrd="0" destOrd="1" presId="urn:microsoft.com/office/officeart/2005/8/layout/vList4"/>
-    <dgm:cxn modelId="{D2A8D1C9-3F5F-490E-B711-9F74485B1D5C}" type="presOf" srcId="{10542D9E-4E75-4663-A739-D7305D3BA214}" destId="{8B193182-CC30-49F4-877F-D40122E81E97}" srcOrd="1" destOrd="1" presId="urn:microsoft.com/office/officeart/2005/8/layout/vList4"/>
-    <dgm:cxn modelId="{7786B21C-4F45-4D2D-A50B-FD6EEE7CEF59}" type="presOf" srcId="{AEA7BC68-6A2E-4446-9934-51ECFA4057BD}" destId="{29FEA90D-7520-454F-A252-0B71175ABB20}" srcOrd="0" destOrd="3" presId="urn:microsoft.com/office/officeart/2005/8/layout/vList4"/>
-    <dgm:cxn modelId="{A321CCD5-9306-4259-BC0D-1DFDE8211589}" type="presOf" srcId="{273E3FD1-F259-4CCD-A575-293F05CAED8A}" destId="{952E8CDA-A5ED-4010-B3D5-588D63DCF1A1}" srcOrd="1" destOrd="1" presId="urn:microsoft.com/office/officeart/2005/8/layout/vList4"/>
-    <dgm:cxn modelId="{A973A36A-1137-4E95-A287-042C8E833118}" srcId="{EE008329-8751-45E2-91F4-6C2E5BEC3FFA}" destId="{1A1BDA66-BFB9-4A40-BA70-C78B082541AD}" srcOrd="3" destOrd="0" parTransId="{16207803-DD8A-4682-BF04-6F339D683DDD}" sibTransId="{16E9E237-4CE0-4AD0-8E6E-B6086CB4E224}"/>
-    <dgm:cxn modelId="{A28E069A-B6C1-4D07-83CE-98F0183D462D}" type="presOf" srcId="{A04E0FA4-4213-4771-85F9-ABB37AF7D366}" destId="{8B193182-CC30-49F4-877F-D40122E81E97}" srcOrd="1" destOrd="4" presId="urn:microsoft.com/office/officeart/2005/8/layout/vList4"/>
-    <dgm:cxn modelId="{403FA1BF-9AFB-4EF5-B9F5-18762A82FA04}" type="presOf" srcId="{B2B73E3D-ABE5-4757-9B6E-05A18AB5321D}" destId="{7ED3922E-72D0-420F-8A93-8BC94D26E7D5}" srcOrd="0" destOrd="2" presId="urn:microsoft.com/office/officeart/2005/8/layout/vList4"/>
-    <dgm:cxn modelId="{DC71B006-73ED-4A1C-8517-112BC70DDF6D}" srcId="{EE008329-8751-45E2-91F4-6C2E5BEC3FFA}" destId="{AEA7BC68-6A2E-4446-9934-51ECFA4057BD}" srcOrd="2" destOrd="0" parTransId="{71200B45-C0B6-4003-A78F-590F43AAB0B6}" sibTransId="{8A437532-B9FB-424D-AFAB-B4158607E103}"/>
-    <dgm:cxn modelId="{CC9D109C-8889-4D7C-B55A-23CCFCADA5B2}" type="presOf" srcId="{E18339C9-1FEC-4EA0-8836-B6D82A0C8A6D}" destId="{8B193182-CC30-49F4-877F-D40122E81E97}" srcOrd="1" destOrd="2" presId="urn:microsoft.com/office/officeart/2005/8/layout/vList4"/>
-    <dgm:cxn modelId="{6E23CA6C-DB94-4E4D-A1B9-157BCF197C58}" type="presOf" srcId="{9BD52E67-F2AD-4BD6-A7BC-7F8801BE4F54}" destId="{29FEA90D-7520-454F-A252-0B71175ABB20}" srcOrd="0" destOrd="2" presId="urn:microsoft.com/office/officeart/2005/8/layout/vList4"/>
-    <dgm:cxn modelId="{141642D7-27F4-4ED3-8F3D-32707B03CAB9}" type="presOf" srcId="{1A1BDA66-BFB9-4A40-BA70-C78B082541AD}" destId="{952E8CDA-A5ED-4010-B3D5-588D63DCF1A1}" srcOrd="1" destOrd="4" presId="urn:microsoft.com/office/officeart/2005/8/layout/vList4"/>
-    <dgm:cxn modelId="{6486926A-4464-4F99-A8E7-04291E6B0ED7}" type="presOf" srcId="{B2B73E3D-ABE5-4757-9B6E-05A18AB5321D}" destId="{97BA8463-9AB1-454D-A214-5758FB450AE7}" srcOrd="1" destOrd="2" presId="urn:microsoft.com/office/officeart/2005/8/layout/vList4"/>
+    <dgm:cxn modelId="{9DEDCB1F-E771-4AF3-840A-53B1C4D71954}" type="presOf" srcId="{2E1324B7-346D-4C46-BB9C-E53A4F2209AE}" destId="{8B193182-CC30-49F4-877F-D40122E81E97}" srcOrd="1" destOrd="0" presId="urn:microsoft.com/office/officeart/2005/8/layout/vList4"/>
+    <dgm:cxn modelId="{F99C3466-43FD-4A75-BDDF-7A37630D1813}" type="presOf" srcId="{C6A96D6D-9AD5-4556-876A-EDA7616E26FF}" destId="{7ED3922E-72D0-420F-8A93-8BC94D26E7D5}" srcOrd="0" destOrd="0" presId="urn:microsoft.com/office/officeart/2005/8/layout/vList4"/>
+    <dgm:cxn modelId="{4585EC46-185E-4C89-BA08-4BCF512FB0EB}" type="presOf" srcId="{6D72AB07-A85D-477A-A60E-6B8C931677D0}" destId="{29FEA90D-7520-454F-A252-0B71175ABB20}" srcOrd="0" destOrd="1" presId="urn:microsoft.com/office/officeart/2005/8/layout/vList4"/>
+    <dgm:cxn modelId="{BB601731-E7EB-447A-80EB-729CF741775F}" type="presOf" srcId="{C6A96D6D-9AD5-4556-876A-EDA7616E26FF}" destId="{97BA8463-9AB1-454D-A214-5758FB450AE7}" srcOrd="1" destOrd="0" presId="urn:microsoft.com/office/officeart/2005/8/layout/vList4"/>
+    <dgm:cxn modelId="{8C10E33A-174B-40DF-BF8E-D2D1B3D1F9B4}" srcId="{69E631B9-A8B9-4585-AE19-7ACA442AD190}" destId="{C6A96D6D-9AD5-4556-876A-EDA7616E26FF}" srcOrd="0" destOrd="0" parTransId="{9C50807A-70A6-43BE-8645-320A892DC1AC}" sibTransId="{9D67B467-B670-48C0-80ED-1310EE789A6F}"/>
+    <dgm:cxn modelId="{F1304044-F5A9-4278-9428-5CC72872F641}" type="presOf" srcId="{EE008329-8751-45E2-91F4-6C2E5BEC3FFA}" destId="{952E8CDA-A5ED-4010-B3D5-588D63DCF1A1}" srcOrd="1" destOrd="0" presId="urn:microsoft.com/office/officeart/2005/8/layout/vList4"/>
+    <dgm:cxn modelId="{9D9CB715-5ABC-49F3-A056-7915CB3F8D46}" type="presOf" srcId="{A04E0FA4-4213-4771-85F9-ABB37AF7D366}" destId="{46EF5102-036E-44C5-AE43-13C04B72DCC9}" srcOrd="0" destOrd="1" presId="urn:microsoft.com/office/officeart/2005/8/layout/vList4"/>
+    <dgm:cxn modelId="{2F7CCF89-55A0-4C40-A3D0-E34962ECF123}" srcId="{EE008329-8751-45E2-91F4-6C2E5BEC3FFA}" destId="{6D72AB07-A85D-477A-A60E-6B8C931677D0}" srcOrd="0" destOrd="0" parTransId="{999846CD-0CEA-468C-A595-32090591B6AC}" sibTransId="{A8717D57-F2DB-4E39-9C9A-6A6AF900009E}"/>
+    <dgm:cxn modelId="{A28E069A-B6C1-4D07-83CE-98F0183D462D}" type="presOf" srcId="{A04E0FA4-4213-4771-85F9-ABB37AF7D366}" destId="{8B193182-CC30-49F4-877F-D40122E81E97}" srcOrd="1" destOrd="1" presId="urn:microsoft.com/office/officeart/2005/8/layout/vList4"/>
+    <dgm:cxn modelId="{66BDBB1C-0F96-44D5-841A-9764BBEC0325}" type="presOf" srcId="{6D72AB07-A85D-477A-A60E-6B8C931677D0}" destId="{952E8CDA-A5ED-4010-B3D5-588D63DCF1A1}" srcOrd="1" destOrd="1" presId="urn:microsoft.com/office/officeart/2005/8/layout/vList4"/>
+    <dgm:cxn modelId="{D690BECF-1A63-4B4D-97A6-C3D3D786B7CC}" srcId="{2E1324B7-346D-4C46-BB9C-E53A4F2209AE}" destId="{A04E0FA4-4213-4771-85F9-ABB37AF7D366}" srcOrd="0" destOrd="0" parTransId="{CB34B4F1-D0E2-4B08-B709-713E9F1EF852}" sibTransId="{88C3C0C1-2506-42E2-835C-2C52CCDD076A}"/>
+    <dgm:cxn modelId="{D76F7725-DBFD-4406-9066-01EDB734E573}" type="presOf" srcId="{EE008329-8751-45E2-91F4-6C2E5BEC3FFA}" destId="{29FEA90D-7520-454F-A252-0B71175ABB20}" srcOrd="0" destOrd="0" presId="urn:microsoft.com/office/officeart/2005/8/layout/vList4"/>
     <dgm:cxn modelId="{4EB21299-C92D-49BF-82BE-ED41C90D15DB}" type="presOf" srcId="{2E1324B7-346D-4C46-BB9C-E53A4F2209AE}" destId="{46EF5102-036E-44C5-AE43-13C04B72DCC9}" srcOrd="0" destOrd="0" presId="urn:microsoft.com/office/officeart/2005/8/layout/vList4"/>
-    <dgm:cxn modelId="{8C10E33A-174B-40DF-BF8E-D2D1B3D1F9B4}" srcId="{69E631B9-A8B9-4585-AE19-7ACA442AD190}" destId="{C6A96D6D-9AD5-4556-876A-EDA7616E26FF}" srcOrd="0" destOrd="0" parTransId="{9C50807A-70A6-43BE-8645-320A892DC1AC}" sibTransId="{9D67B467-B670-48C0-80ED-1310EE789A6F}"/>
-    <dgm:cxn modelId="{EFE1CDF6-88ED-445C-B45E-C5DDA322A330}" srcId="{C6A96D6D-9AD5-4556-876A-EDA7616E26FF}" destId="{B2B73E3D-ABE5-4757-9B6E-05A18AB5321D}" srcOrd="1" destOrd="0" parTransId="{5362871A-8F71-4F95-9364-8492EEF4AFB9}" sibTransId="{6D0FEB0C-0CBD-49A3-B270-A15CDFF884C9}"/>
-    <dgm:cxn modelId="{41F71BB2-BFEC-4BDA-9DCE-B1BA8721C707}" srcId="{C6A96D6D-9AD5-4556-876A-EDA7616E26FF}" destId="{5F3FFD2C-2E7A-4B3E-92FA-AEB72A61D199}" srcOrd="0" destOrd="0" parTransId="{17564BA8-482D-435A-8BB6-B7B7D12022D9}" sibTransId="{35A2B8F2-A1DA-4D51-B996-D807D65EF333}"/>
     <dgm:cxn modelId="{1D32B42A-2A27-4319-802E-4B9A5D685F99}" srcId="{69E631B9-A8B9-4585-AE19-7ACA442AD190}" destId="{2E1324B7-346D-4C46-BB9C-E53A4F2209AE}" srcOrd="2" destOrd="0" parTransId="{CB7A83D6-F928-4A35-BAC2-1280AA9FBED1}" sibTransId="{CE87445A-BB43-49F1-A2D2-9A831052727B}"/>
-    <dgm:cxn modelId="{8AD7F0A0-F8B0-4640-B4A0-D4D64396B636}" srcId="{2E1324B7-346D-4C46-BB9C-E53A4F2209AE}" destId="{10542D9E-4E75-4663-A739-D7305D3BA214}" srcOrd="0" destOrd="0" parTransId="{C9CFC89C-E03D-428E-A1C5-4E2DA4E9838F}" sibTransId="{66EC02FE-FAC0-47D9-BAD4-B9248F2C5EEC}"/>
-    <dgm:cxn modelId="{BB601731-E7EB-447A-80EB-729CF741775F}" type="presOf" srcId="{C6A96D6D-9AD5-4556-876A-EDA7616E26FF}" destId="{97BA8463-9AB1-454D-A214-5758FB450AE7}" srcOrd="1" destOrd="0" presId="urn:microsoft.com/office/officeart/2005/8/layout/vList4"/>
-    <dgm:cxn modelId="{00A7CB69-FF5F-4BBF-BD3D-C971BEC3FF73}" type="presOf" srcId="{06B8DC09-6408-4EB7-962E-A92F341E53A1}" destId="{46EF5102-036E-44C5-AE43-13C04B72DCC9}" srcOrd="0" destOrd="3" presId="urn:microsoft.com/office/officeart/2005/8/layout/vList4"/>
     <dgm:cxn modelId="{10135EC0-D683-4B90-B68F-4B9F5CC3BD6F}" srcId="{69E631B9-A8B9-4585-AE19-7ACA442AD190}" destId="{EE008329-8751-45E2-91F4-6C2E5BEC3FFA}" srcOrd="1" destOrd="0" parTransId="{4F87B264-73CC-49E5-8808-D69ECEFD5974}" sibTransId="{362E439D-1361-46B4-94E5-9D244623E592}"/>
-    <dgm:cxn modelId="{DA4BC428-7941-48BE-8D56-FC4A892BC39B}" srcId="{EE008329-8751-45E2-91F4-6C2E5BEC3FFA}" destId="{9BD52E67-F2AD-4BD6-A7BC-7F8801BE4F54}" srcOrd="1" destOrd="0" parTransId="{3C3BC3AC-1CE0-402F-9E5F-F167A1DF1129}" sibTransId="{5CB2614E-A79A-4566-AC0B-A42F8BC25DDB}"/>
-    <dgm:cxn modelId="{EFB38EC5-8014-4F55-80F5-6E940E57ED49}" srcId="{2E1324B7-346D-4C46-BB9C-E53A4F2209AE}" destId="{E18339C9-1FEC-4EA0-8836-B6D82A0C8A6D}" srcOrd="1" destOrd="0" parTransId="{008295D1-06BE-4718-A3E2-F52FEE6A8A4A}" sibTransId="{64E09B9C-70F9-4A2F-898C-58B8E3979039}"/>
-    <dgm:cxn modelId="{7B23C019-377E-43D1-AF8C-A681CE75950A}" srcId="{EE008329-8751-45E2-91F4-6C2E5BEC3FFA}" destId="{273E3FD1-F259-4CCD-A575-293F05CAED8A}" srcOrd="0" destOrd="0" parTransId="{B8B78F23-23C8-4E4B-8662-A5DCFCC1A5F0}" sibTransId="{CE56F6E1-1F28-434B-B1EB-4250A67F6BC5}"/>
-    <dgm:cxn modelId="{4C72FD21-C282-4A9E-95B0-34BFCD083AC2}" type="presOf" srcId="{AEA7BC68-6A2E-4446-9934-51ECFA4057BD}" destId="{952E8CDA-A5ED-4010-B3D5-588D63DCF1A1}" srcOrd="1" destOrd="3" presId="urn:microsoft.com/office/officeart/2005/8/layout/vList4"/>
-    <dgm:cxn modelId="{F1304044-F5A9-4278-9428-5CC72872F641}" type="presOf" srcId="{EE008329-8751-45E2-91F4-6C2E5BEC3FFA}" destId="{952E8CDA-A5ED-4010-B3D5-588D63DCF1A1}" srcOrd="1" destOrd="0" presId="urn:microsoft.com/office/officeart/2005/8/layout/vList4"/>
-    <dgm:cxn modelId="{449EE9EA-EB77-4ED5-AAB5-A19E0CC4DD8F}" type="presOf" srcId="{5F3FFD2C-2E7A-4B3E-92FA-AEB72A61D199}" destId="{7ED3922E-72D0-420F-8A93-8BC94D26E7D5}" srcOrd="0" destOrd="1" presId="urn:microsoft.com/office/officeart/2005/8/layout/vList4"/>
-    <dgm:cxn modelId="{9DEDCB1F-E771-4AF3-840A-53B1C4D71954}" type="presOf" srcId="{2E1324B7-346D-4C46-BB9C-E53A4F2209AE}" destId="{8B193182-CC30-49F4-877F-D40122E81E97}" srcOrd="1" destOrd="0" presId="urn:microsoft.com/office/officeart/2005/8/layout/vList4"/>
-    <dgm:cxn modelId="{EBD13B97-6161-4465-A083-283B9D281062}" type="presOf" srcId="{273E3FD1-F259-4CCD-A575-293F05CAED8A}" destId="{29FEA90D-7520-454F-A252-0B71175ABB20}" srcOrd="0" destOrd="1" presId="urn:microsoft.com/office/officeart/2005/8/layout/vList4"/>
-    <dgm:cxn modelId="{11EACCA7-500A-4D43-AF8D-1946D167E246}" srcId="{2E1324B7-346D-4C46-BB9C-E53A4F2209AE}" destId="{06B8DC09-6408-4EB7-962E-A92F341E53A1}" srcOrd="2" destOrd="0" parTransId="{A3C2D689-1B50-436D-A329-F5AC71529464}" sibTransId="{4C8717D3-0C8D-4FD7-BDDA-F9B1E4C6575B}"/>
-    <dgm:cxn modelId="{6E34F868-6E63-4772-B99A-83774E7458A3}" type="presOf" srcId="{5F3FFD2C-2E7A-4B3E-92FA-AEB72A61D199}" destId="{97BA8463-9AB1-454D-A214-5758FB450AE7}" srcOrd="1" destOrd="1" presId="urn:microsoft.com/office/officeart/2005/8/layout/vList4"/>
-    <dgm:cxn modelId="{0CA3249F-448C-4F39-BB02-65E9D3D172A4}" type="presOf" srcId="{1A1BDA66-BFB9-4A40-BA70-C78B082541AD}" destId="{29FEA90D-7520-454F-A252-0B71175ABB20}" srcOrd="0" destOrd="4" presId="urn:microsoft.com/office/officeart/2005/8/layout/vList4"/>
-    <dgm:cxn modelId="{F1A92560-191B-4CBA-99C9-9DD5409D67FA}" type="presOf" srcId="{E18339C9-1FEC-4EA0-8836-B6D82A0C8A6D}" destId="{46EF5102-036E-44C5-AE43-13C04B72DCC9}" srcOrd="0" destOrd="2" presId="urn:microsoft.com/office/officeart/2005/8/layout/vList4"/>
     <dgm:cxn modelId="{38C4E623-0C98-4A09-BF91-C955C2339793}" type="presOf" srcId="{69E631B9-A8B9-4585-AE19-7ACA442AD190}" destId="{B05CFF4A-18F6-4CDB-B177-473476C80081}" srcOrd="0" destOrd="0" presId="urn:microsoft.com/office/officeart/2005/8/layout/vList4"/>
-    <dgm:cxn modelId="{D690BECF-1A63-4B4D-97A6-C3D3D786B7CC}" srcId="{2E1324B7-346D-4C46-BB9C-E53A4F2209AE}" destId="{A04E0FA4-4213-4771-85F9-ABB37AF7D366}" srcOrd="3" destOrd="0" parTransId="{CB34B4F1-D0E2-4B08-B709-713E9F1EF852}" sibTransId="{88C3C0C1-2506-42E2-835C-2C52CCDD076A}"/>
-    <dgm:cxn modelId="{4585EC46-185E-4C89-BA08-4BCF512FB0EB}" type="presOf" srcId="{6D72AB07-A85D-477A-A60E-6B8C931677D0}" destId="{29FEA90D-7520-454F-A252-0B71175ABB20}" srcOrd="0" destOrd="5" presId="urn:microsoft.com/office/officeart/2005/8/layout/vList4"/>
-    <dgm:cxn modelId="{9B7D3895-B7F7-4870-A577-C90A729282EC}" type="presOf" srcId="{9BD52E67-F2AD-4BD6-A7BC-7F8801BE4F54}" destId="{952E8CDA-A5ED-4010-B3D5-588D63DCF1A1}" srcOrd="1" destOrd="2" presId="urn:microsoft.com/office/officeart/2005/8/layout/vList4"/>
-    <dgm:cxn modelId="{D76F7725-DBFD-4406-9066-01EDB734E573}" type="presOf" srcId="{EE008329-8751-45E2-91F4-6C2E5BEC3FFA}" destId="{29FEA90D-7520-454F-A252-0B71175ABB20}" srcOrd="0" destOrd="0" presId="urn:microsoft.com/office/officeart/2005/8/layout/vList4"/>
-    <dgm:cxn modelId="{F99C3466-43FD-4A75-BDDF-7A37630D1813}" type="presOf" srcId="{C6A96D6D-9AD5-4556-876A-EDA7616E26FF}" destId="{7ED3922E-72D0-420F-8A93-8BC94D26E7D5}" srcOrd="0" destOrd="0" presId="urn:microsoft.com/office/officeart/2005/8/layout/vList4"/>
-    <dgm:cxn modelId="{2F7CCF89-55A0-4C40-A3D0-E34962ECF123}" srcId="{EE008329-8751-45E2-91F4-6C2E5BEC3FFA}" destId="{6D72AB07-A85D-477A-A60E-6B8C931677D0}" srcOrd="4" destOrd="0" parTransId="{999846CD-0CEA-468C-A595-32090591B6AC}" sibTransId="{A8717D57-F2DB-4E39-9C9A-6A6AF900009E}"/>
-    <dgm:cxn modelId="{66BDBB1C-0F96-44D5-841A-9764BBEC0325}" type="presOf" srcId="{6D72AB07-A85D-477A-A60E-6B8C931677D0}" destId="{952E8CDA-A5ED-4010-B3D5-588D63DCF1A1}" srcOrd="1" destOrd="5" presId="urn:microsoft.com/office/officeart/2005/8/layout/vList4"/>
-    <dgm:cxn modelId="{9D9CB715-5ABC-49F3-A056-7915CB3F8D46}" type="presOf" srcId="{A04E0FA4-4213-4771-85F9-ABB37AF7D366}" destId="{46EF5102-036E-44C5-AE43-13C04B72DCC9}" srcOrd="0" destOrd="4" presId="urn:microsoft.com/office/officeart/2005/8/layout/vList4"/>
-    <dgm:cxn modelId="{FB54C3E9-ED29-4590-99E9-C591AD928189}" type="presOf" srcId="{06B8DC09-6408-4EB7-962E-A92F341E53A1}" destId="{8B193182-CC30-49F4-877F-D40122E81E97}" srcOrd="1" destOrd="3" presId="urn:microsoft.com/office/officeart/2005/8/layout/vList4"/>
     <dgm:cxn modelId="{08BE029A-E6D0-4956-BC68-F6A3AB824DAD}" type="presParOf" srcId="{B05CFF4A-18F6-4CDB-B177-473476C80081}" destId="{300686B7-0C66-4535-B370-BBABC83C18F5}" srcOrd="0" destOrd="0" presId="urn:microsoft.com/office/officeart/2005/8/layout/vList4"/>
     <dgm:cxn modelId="{754E3598-8055-42EA-AF84-CD0CD9EBDF51}" type="presParOf" srcId="{300686B7-0C66-4535-B370-BBABC83C18F5}" destId="{7ED3922E-72D0-420F-8A93-8BC94D26E7D5}" srcOrd="0" destOrd="0" presId="urn:microsoft.com/office/officeart/2005/8/layout/vList4"/>
     <dgm:cxn modelId="{8797463F-5CDF-448F-896C-DB602DC28655}" type="presParOf" srcId="{300686B7-0C66-4535-B370-BBABC83C18F5}" destId="{28EB2CED-DBD8-41F8-BA69-532B9C80AC31}" srcOrd="1" destOrd="0" presId="urn:microsoft.com/office/officeart/2005/8/layout/vList4"/>
@@ -6987,7 +6581,7 @@
         <a:bodyPr/>
         <a:lstStyle/>
         <a:p>
-          <a:endParaRPr lang="en-US" sz="2000" dirty="0"/>
+          <a:endParaRPr lang="en-US" sz="1600" dirty="0"/>
         </a:p>
       </dgm:t>
     </dgm:pt>
@@ -7021,10 +6615,10 @@
         <a:lstStyle/>
         <a:p>
           <a:r>
-            <a:rPr lang="zh-CN" altLang="en-US" sz="2000" dirty="0" smtClean="0"/>
+            <a:rPr lang="zh-CN" altLang="en-US" sz="1600" dirty="0" smtClean="0"/>
             <a:t>兴趣点虚拟价值</a:t>
           </a:r>
-          <a:endParaRPr lang="en-US" sz="2000" dirty="0"/>
+          <a:endParaRPr lang="en-US" sz="1600" dirty="0"/>
         </a:p>
       </dgm:t>
     </dgm:pt>
@@ -7058,10 +6652,10 @@
         <a:lstStyle/>
         <a:p>
           <a:r>
-            <a:rPr lang="zh-CN" altLang="en-US" sz="2000" dirty="0" smtClean="0"/>
+            <a:rPr lang="zh-CN" altLang="en-US" sz="1600" dirty="0" smtClean="0"/>
             <a:t>兴趣点所属人</a:t>
           </a:r>
-          <a:endParaRPr lang="en-US" sz="2000" dirty="0"/>
+          <a:endParaRPr lang="en-US" sz="1600" dirty="0"/>
         </a:p>
       </dgm:t>
     </dgm:pt>
@@ -7095,10 +6689,10 @@
         <a:lstStyle/>
         <a:p>
           <a:r>
-            <a:rPr lang="zh-CN" altLang="en-US" sz="2000" dirty="0" smtClean="0"/>
+            <a:rPr lang="zh-CN" altLang="en-US" sz="1600" dirty="0" smtClean="0"/>
             <a:t>自定义兴趣点描述</a:t>
           </a:r>
-          <a:endParaRPr lang="en-US" sz="2000" dirty="0"/>
+          <a:endParaRPr lang="en-US" sz="1600" dirty="0"/>
         </a:p>
       </dgm:t>
     </dgm:pt>
@@ -7225,6 +6819,43 @@
       </dgm:t>
     </dgm:pt>
     <dgm:pt modelId="{9DA3428A-61F2-4285-9CE4-05ECB172FAD9}" type="sibTrans" cxnId="{47B3923A-A197-4540-B837-B65F046167BB}">
+      <dgm:prSet/>
+      <dgm:spPr/>
+      <dgm:t>
+        <a:bodyPr/>
+        <a:lstStyle/>
+        <a:p>
+          <a:endParaRPr lang="en-US"/>
+        </a:p>
+      </dgm:t>
+    </dgm:pt>
+    <dgm:pt modelId="{DB0B36C3-4B77-4CE6-9B8C-07E4B1BD89FD}">
+      <dgm:prSet phldrT="[Text]" custT="1"/>
+      <dgm:spPr/>
+      <dgm:t>
+        <a:bodyPr/>
+        <a:lstStyle/>
+        <a:p>
+          <a:r>
+            <a:rPr lang="zh-CN" altLang="en-US" sz="1600" dirty="0" smtClean="0"/>
+            <a:t>兴趣点题图与模型</a:t>
+          </a:r>
+          <a:endParaRPr lang="en-US" sz="1600" dirty="0"/>
+        </a:p>
+      </dgm:t>
+    </dgm:pt>
+    <dgm:pt modelId="{81242605-C3DF-46EA-9C3A-71F76876772A}" type="parTrans" cxnId="{EA13EB81-68B5-4DE5-A090-09F92051E363}">
+      <dgm:prSet/>
+      <dgm:spPr/>
+      <dgm:t>
+        <a:bodyPr/>
+        <a:lstStyle/>
+        <a:p>
+          <a:endParaRPr lang="en-US"/>
+        </a:p>
+      </dgm:t>
+    </dgm:pt>
+    <dgm:pt modelId="{F47EC26B-678E-4948-9E79-0F5030BC3FB6}" type="sibTrans" cxnId="{EA13EB81-68B5-4DE5-A090-09F92051E363}">
       <dgm:prSet/>
       <dgm:spPr/>
       <dgm:t>
@@ -7407,25 +7038,27 @@
   <dgm:cxnLst>
     <dgm:cxn modelId="{2B824380-31FF-4F8F-8862-021F3C9B4F51}" type="presOf" srcId="{F48C9C8D-C3ED-47B2-99AD-9AE9DACF44F9}" destId="{A407FD42-DB61-4336-9C45-ADECE9D8C5B3}" srcOrd="0" destOrd="2" presId="urn:microsoft.com/office/officeart/2005/8/layout/target3"/>
     <dgm:cxn modelId="{BA7A688B-1BCE-4B44-A4EB-006986CF10DB}" type="presOf" srcId="{E3610EB1-198D-4131-BFB4-23BC7D8950FD}" destId="{525A266D-6C03-4010-B019-60D45E468F22}" srcOrd="0" destOrd="0" presId="urn:microsoft.com/office/officeart/2005/8/layout/target3"/>
+    <dgm:cxn modelId="{EA13EB81-68B5-4DE5-A090-09F92051E363}" srcId="{D5DB38D0-64AE-4AF6-991E-053F8832D152}" destId="{DB0B36C3-4B77-4CE6-9B8C-07E4B1BD89FD}" srcOrd="1" destOrd="0" parTransId="{81242605-C3DF-46EA-9C3A-71F76876772A}" sibTransId="{F47EC26B-678E-4948-9E79-0F5030BC3FB6}"/>
     <dgm:cxn modelId="{F559F72C-482B-4A4D-B27F-BF9C9C719787}" type="presOf" srcId="{B7478153-00B2-4EAB-B72F-1E0A43C3FFC8}" destId="{608AB08A-D8F9-47DF-9B3A-A1190DA10BE9}" srcOrd="0" destOrd="0" presId="urn:microsoft.com/office/officeart/2005/8/layout/target3"/>
     <dgm:cxn modelId="{C325BABA-281A-4770-B346-4B1B7E0E2C1F}" srcId="{3BD91BFD-DCFA-41F1-BCD1-50265A70B50F}" destId="{CAC61FBE-0A96-4BF2-A157-81D588D3F15F}" srcOrd="1" destOrd="0" parTransId="{82124D13-577A-49C2-9AE1-61FFD34490C6}" sibTransId="{40E17471-9DEE-4C11-9382-000B224466A4}"/>
     <dgm:cxn modelId="{B8407D21-A0E2-41CC-94EB-D8635026DF55}" type="presOf" srcId="{108F8ACF-34A3-4414-B1E2-732648306D13}" destId="{525A266D-6C03-4010-B019-60D45E468F22}" srcOrd="0" destOrd="1" presId="urn:microsoft.com/office/officeart/2005/8/layout/target3"/>
-    <dgm:cxn modelId="{F0276823-ABDD-43BC-88FB-A785502ED3E4}" srcId="{D5DB38D0-64AE-4AF6-991E-053F8832D152}" destId="{6DC5D298-AB63-4EB0-A75A-979872E09C96}" srcOrd="2" destOrd="0" parTransId="{6844D8A6-BAB1-463E-910B-A79469CBE345}" sibTransId="{7E63F7B4-C0EC-45C6-9638-5CB09BC3AD02}"/>
-    <dgm:cxn modelId="{8D8ADA0D-61B7-460A-8E6C-EBAF2BEE7390}" type="presOf" srcId="{6DC5D298-AB63-4EB0-A75A-979872E09C96}" destId="{858664CD-A37F-4533-A402-0500771A29C9}" srcOrd="0" destOrd="2" presId="urn:microsoft.com/office/officeart/2005/8/layout/target3"/>
-    <dgm:cxn modelId="{3AC7A142-49E3-4DC0-AA68-1FAC7BED6FDE}" type="presOf" srcId="{2DD2FE17-EDA4-4439-8A12-DA2AE3B2789F}" destId="{858664CD-A37F-4533-A402-0500771A29C9}" srcOrd="0" destOrd="1" presId="urn:microsoft.com/office/officeart/2005/8/layout/target3"/>
+    <dgm:cxn modelId="{F0276823-ABDD-43BC-88FB-A785502ED3E4}" srcId="{D5DB38D0-64AE-4AF6-991E-053F8832D152}" destId="{6DC5D298-AB63-4EB0-A75A-979872E09C96}" srcOrd="3" destOrd="0" parTransId="{6844D8A6-BAB1-463E-910B-A79469CBE345}" sibTransId="{7E63F7B4-C0EC-45C6-9638-5CB09BC3AD02}"/>
+    <dgm:cxn modelId="{8D8ADA0D-61B7-460A-8E6C-EBAF2BEE7390}" type="presOf" srcId="{6DC5D298-AB63-4EB0-A75A-979872E09C96}" destId="{858664CD-A37F-4533-A402-0500771A29C9}" srcOrd="0" destOrd="3" presId="urn:microsoft.com/office/officeart/2005/8/layout/target3"/>
+    <dgm:cxn modelId="{3AC7A142-49E3-4DC0-AA68-1FAC7BED6FDE}" type="presOf" srcId="{2DD2FE17-EDA4-4439-8A12-DA2AE3B2789F}" destId="{858664CD-A37F-4533-A402-0500771A29C9}" srcOrd="0" destOrd="2" presId="urn:microsoft.com/office/officeart/2005/8/layout/target3"/>
     <dgm:cxn modelId="{7996D8E9-5E21-441F-82C2-5B626543AE03}" type="presOf" srcId="{B7478153-00B2-4EAB-B72F-1E0A43C3FFC8}" destId="{2CC44D37-531D-445E-8750-AE950054747F}" srcOrd="1" destOrd="0" presId="urn:microsoft.com/office/officeart/2005/8/layout/target3"/>
     <dgm:cxn modelId="{A08814C6-84AD-486B-841D-89BF0072B571}" srcId="{D5DB38D0-64AE-4AF6-991E-053F8832D152}" destId="{1A0AFA38-4A38-468A-8B35-870ED38D4885}" srcOrd="0" destOrd="0" parTransId="{B9A823F0-AC6D-4B97-87BB-837B3BD6A4AF}" sibTransId="{6E44152B-F861-4BD1-8579-101EC7581701}"/>
     <dgm:cxn modelId="{57999E0A-A584-4654-B349-87AFDBB8B262}" type="presOf" srcId="{688F9120-3224-44F6-A500-73D9D4DAC274}" destId="{A407FD42-DB61-4336-9C45-ADECE9D8C5B3}" srcOrd="0" destOrd="0" presId="urn:microsoft.com/office/officeart/2005/8/layout/target3"/>
-    <dgm:cxn modelId="{DEABE596-F991-448B-A08C-4C9C3D376F25}" type="presOf" srcId="{43054706-05D9-4692-9851-BF737231B7EF}" destId="{858664CD-A37F-4533-A402-0500771A29C9}" srcOrd="0" destOrd="3" presId="urn:microsoft.com/office/officeart/2005/8/layout/target3"/>
-    <dgm:cxn modelId="{8EFB2181-2B3D-4DF5-BE22-CED89B5A7368}" srcId="{D5DB38D0-64AE-4AF6-991E-053F8832D152}" destId="{2DD2FE17-EDA4-4439-8A12-DA2AE3B2789F}" srcOrd="1" destOrd="0" parTransId="{0AE67C81-B4B4-4CE0-BA1D-91B785ADA36B}" sibTransId="{53D90E84-4393-418F-8F12-D0D445D30159}"/>
+    <dgm:cxn modelId="{DEABE596-F991-448B-A08C-4C9C3D376F25}" type="presOf" srcId="{43054706-05D9-4692-9851-BF737231B7EF}" destId="{858664CD-A37F-4533-A402-0500771A29C9}" srcOrd="0" destOrd="4" presId="urn:microsoft.com/office/officeart/2005/8/layout/target3"/>
+    <dgm:cxn modelId="{8EFB2181-2B3D-4DF5-BE22-CED89B5A7368}" srcId="{D5DB38D0-64AE-4AF6-991E-053F8832D152}" destId="{2DD2FE17-EDA4-4439-8A12-DA2AE3B2789F}" srcOrd="2" destOrd="0" parTransId="{0AE67C81-B4B4-4CE0-BA1D-91B785ADA36B}" sibTransId="{53D90E84-4393-418F-8F12-D0D445D30159}"/>
     <dgm:cxn modelId="{3C185A85-53D1-4538-B0CF-D9EB9B086D81}" srcId="{3D00679F-FCCB-4E50-AEBE-FD0183998C72}" destId="{D5DB38D0-64AE-4AF6-991E-053F8832D152}" srcOrd="2" destOrd="0" parTransId="{7AC9E166-BEEF-4254-9B0F-6686A3BE7D64}" sibTransId="{43FDB5E3-614B-41F7-BD04-B6AEF5D00EEA}"/>
     <dgm:cxn modelId="{35B5DBCC-4BB3-4FDD-A348-09188CD5AFD8}" srcId="{3D00679F-FCCB-4E50-AEBE-FD0183998C72}" destId="{3BD91BFD-DCFA-41F1-BCD1-50265A70B50F}" srcOrd="1" destOrd="0" parTransId="{23CB9516-C931-4C5D-9981-4E21B7A4086C}" sibTransId="{D1A2F81C-4F7B-446E-AF91-1D983A2D0D97}"/>
-    <dgm:cxn modelId="{30519BD6-55FA-41FA-A265-03536792BC62}" srcId="{D5DB38D0-64AE-4AF6-991E-053F8832D152}" destId="{43054706-05D9-4692-9851-BF737231B7EF}" srcOrd="3" destOrd="0" parTransId="{3C2A5769-9C31-4515-9251-CA1435E861B0}" sibTransId="{FAA7B672-5C70-488C-A256-0900B1B56B2B}"/>
+    <dgm:cxn modelId="{30519BD6-55FA-41FA-A265-03536792BC62}" srcId="{D5DB38D0-64AE-4AF6-991E-053F8832D152}" destId="{43054706-05D9-4692-9851-BF737231B7EF}" srcOrd="4" destOrd="0" parTransId="{3C2A5769-9C31-4515-9251-CA1435E861B0}" sibTransId="{FAA7B672-5C70-488C-A256-0900B1B56B2B}"/>
     <dgm:cxn modelId="{E2235D97-8762-4A7A-8A4E-B951C005CF77}" type="presOf" srcId="{CAC61FBE-0A96-4BF2-A157-81D588D3F15F}" destId="{A407FD42-DB61-4336-9C45-ADECE9D8C5B3}" srcOrd="0" destOrd="1" presId="urn:microsoft.com/office/officeart/2005/8/layout/target3"/>
     <dgm:cxn modelId="{FDC44F35-2EF2-465A-AC5D-AF9F0AF2A663}" srcId="{3D00679F-FCCB-4E50-AEBE-FD0183998C72}" destId="{B7478153-00B2-4EAB-B72F-1E0A43C3FFC8}" srcOrd="0" destOrd="0" parTransId="{4C556467-2B84-49E2-A857-75F131C6106D}" sibTransId="{F4EFBAB9-988F-488C-8C6F-6C931D2D5066}"/>
     <dgm:cxn modelId="{01521E51-FEF4-46A1-95D2-72A0DDE5D5B9}" type="presOf" srcId="{3BD91BFD-DCFA-41F1-BCD1-50265A70B50F}" destId="{589F5905-5AB4-4151-ACA3-9331CCDE93BE}" srcOrd="1" destOrd="0" presId="urn:microsoft.com/office/officeart/2005/8/layout/target3"/>
     <dgm:cxn modelId="{C0C93D62-F93D-440E-ADBA-E0DA000052D9}" srcId="{B7478153-00B2-4EAB-B72F-1E0A43C3FFC8}" destId="{108F8ACF-34A3-4414-B1E2-732648306D13}" srcOrd="1" destOrd="0" parTransId="{44F4EA76-CCC8-414F-A708-2E4136723574}" sibTransId="{E7DBAD5D-3D3A-4179-BAD2-C753E9A43D56}"/>
     <dgm:cxn modelId="{D6319952-5556-4E01-B958-8DCE244E11B2}" type="presOf" srcId="{1A0AFA38-4A38-468A-8B35-870ED38D4885}" destId="{858664CD-A37F-4533-A402-0500771A29C9}" srcOrd="0" destOrd="0" presId="urn:microsoft.com/office/officeart/2005/8/layout/target3"/>
+    <dgm:cxn modelId="{8B66A399-6A65-4E87-9CBC-FAE39B53318F}" type="presOf" srcId="{DB0B36C3-4B77-4CE6-9B8C-07E4B1BD89FD}" destId="{858664CD-A37F-4533-A402-0500771A29C9}" srcOrd="0" destOrd="1" presId="urn:microsoft.com/office/officeart/2005/8/layout/target3"/>
     <dgm:cxn modelId="{47B3923A-A197-4540-B837-B65F046167BB}" srcId="{3BD91BFD-DCFA-41F1-BCD1-50265A70B50F}" destId="{F48C9C8D-C3ED-47B2-99AD-9AE9DACF44F9}" srcOrd="2" destOrd="0" parTransId="{3D262D99-FA31-4130-AE59-B082A0DCA62D}" sibTransId="{9DA3428A-61F2-4285-9CE4-05ECB172FAD9}"/>
     <dgm:cxn modelId="{FBB97930-7595-4927-8426-7A00137B6AC2}" type="presOf" srcId="{D5DB38D0-64AE-4AF6-991E-053F8832D152}" destId="{C139EDCB-D57F-477B-B130-C5CDEC4546DF}" srcOrd="1" destOrd="0" presId="urn:microsoft.com/office/officeart/2005/8/layout/target3"/>
     <dgm:cxn modelId="{8815758D-F93E-42F9-8A29-BC8BCF1382AE}" srcId="{B7478153-00B2-4EAB-B72F-1E0A43C3FFC8}" destId="{E3610EB1-198D-4131-BFB4-23BC7D8950FD}" srcOrd="0" destOrd="0" parTransId="{97C4221B-21D0-400E-B0F3-8EF68FDDB160}" sibTransId="{C8010D6D-F2C9-4642-BF52-47CE00CBD79E}"/>
@@ -9610,12 +9243,12 @@
         </a:fontRef>
       </dsp:style>
       <dsp:txBody>
-        <a:bodyPr spcFirstLastPara="0" vert="horz" wrap="square" lIns="76200" tIns="76200" rIns="76200" bIns="76200" numCol="1" spcCol="1270" anchor="t" anchorCtr="0">
+        <a:bodyPr spcFirstLastPara="0" vert="horz" wrap="square" lIns="121920" tIns="121920" rIns="121920" bIns="121920" numCol="1" spcCol="1270" anchor="ctr" anchorCtr="0">
           <a:noAutofit/>
         </a:bodyPr>
         <a:lstStyle/>
         <a:p>
-          <a:pPr lvl="0" algn="l" defTabSz="889000">
+          <a:pPr lvl="0" algn="l" defTabSz="1422400">
             <a:lnSpc>
               <a:spcPct val="90000"/>
             </a:lnSpc>
@@ -9627,84 +9260,10 @@
             </a:spcAft>
           </a:pPr>
           <a:r>
-            <a:rPr lang="zh-CN" altLang="en-US" sz="2000" kern="1200" dirty="0" smtClean="0"/>
+            <a:rPr lang="zh-CN" altLang="en-US" sz="3200" b="1" kern="1200" dirty="0" smtClean="0"/>
             <a:t>基于出行方式 获得相应价值的虚拟货币奖励，鼓励绿色出行、提倡良好驾驶行为</a:t>
           </a:r>
-          <a:endParaRPr lang="zh-CN" altLang="en-US" sz="2000" kern="1200" dirty="0"/>
-        </a:p>
-        <a:p>
-          <a:pPr marL="171450" lvl="1" indent="-171450" algn="l" defTabSz="711200">
-            <a:lnSpc>
-              <a:spcPct val="90000"/>
-            </a:lnSpc>
-            <a:spcBef>
-              <a:spcPct val="0"/>
-            </a:spcBef>
-            <a:spcAft>
-              <a:spcPct val="15000"/>
-            </a:spcAft>
-            <a:buChar char="••"/>
-          </a:pPr>
-          <a:r>
-            <a:rPr lang="zh-CN" altLang="en-US" sz="1600" kern="1200" dirty="0" smtClean="0"/>
-            <a:t>多种方式接入包括 步行</a:t>
-          </a:r>
-          <a:r>
-            <a:rPr lang="en-US" altLang="zh-CN" sz="1600" kern="1200" dirty="0" smtClean="0"/>
-            <a:t>/</a:t>
-          </a:r>
-          <a:r>
-            <a:rPr lang="zh-CN" altLang="en-US" sz="1600" kern="1200" dirty="0" smtClean="0"/>
-            <a:t>单车</a:t>
-          </a:r>
-          <a:r>
-            <a:rPr lang="en-US" altLang="zh-CN" sz="1600" kern="1200" dirty="0" smtClean="0"/>
-            <a:t>/</a:t>
-          </a:r>
-          <a:r>
-            <a:rPr lang="zh-CN" altLang="en-US" sz="1600" kern="1200" dirty="0" smtClean="0"/>
-            <a:t>公车电动车</a:t>
-          </a:r>
-          <a:r>
-            <a:rPr lang="en-US" altLang="zh-CN" sz="1600" kern="1200" dirty="0" smtClean="0"/>
-            <a:t>/</a:t>
-          </a:r>
-          <a:r>
-            <a:rPr lang="zh-CN" altLang="en-US" sz="1600" kern="1200" dirty="0" smtClean="0"/>
-            <a:t>汽车</a:t>
-          </a:r>
-          <a:r>
-            <a:rPr lang="en-US" altLang="zh-CN" sz="1600" kern="1200" dirty="0" smtClean="0"/>
-            <a:t>/</a:t>
-          </a:r>
-          <a:r>
-            <a:rPr lang="zh-CN" altLang="en-US" sz="1600" kern="1200" dirty="0" smtClean="0"/>
-            <a:t>飞机等全出方式，根据不同规则奖励虚拟货币</a:t>
-          </a:r>
-          <a:r>
-            <a:rPr lang="en-US" altLang="zh-CN" sz="1600" kern="1200" dirty="0" smtClean="0"/>
-            <a:t>	</a:t>
-          </a:r>
-          <a:endParaRPr lang="zh-CN" altLang="en-US" sz="1600" kern="1200" dirty="0"/>
-        </a:p>
-        <a:p>
-          <a:pPr marL="171450" lvl="1" indent="-171450" algn="l" defTabSz="711200">
-            <a:lnSpc>
-              <a:spcPct val="90000"/>
-            </a:lnSpc>
-            <a:spcBef>
-              <a:spcPct val="0"/>
-            </a:spcBef>
-            <a:spcAft>
-              <a:spcPct val="15000"/>
-            </a:spcAft>
-            <a:buChar char="••"/>
-          </a:pPr>
-          <a:r>
-            <a:rPr lang="zh-CN" altLang="en-US" sz="1600" kern="1200" dirty="0" smtClean="0"/>
-            <a:t>发布事件、虚拟道具、任务等，对达成者奖励不定量货币或虚拟道具</a:t>
-          </a:r>
-          <a:endParaRPr lang="zh-CN" altLang="en-US" sz="1400" kern="1200" dirty="0"/>
+          <a:endParaRPr lang="zh-CN" altLang="en-US" sz="3200" b="1" kern="1200" dirty="0"/>
         </a:p>
       </dsp:txBody>
       <dsp:txXfrm>
@@ -9820,6 +9379,20 @@
         </a:bodyPr>
         <a:lstStyle/>
         <a:p>
+          <a:pPr lvl="0" algn="ctr" defTabSz="889000">
+            <a:lnSpc>
+              <a:spcPct val="90000"/>
+            </a:lnSpc>
+            <a:spcBef>
+              <a:spcPct val="0"/>
+            </a:spcBef>
+            <a:spcAft>
+              <a:spcPct val="35000"/>
+            </a:spcAft>
+          </a:pPr>
+          <a:endParaRPr lang="en-US" altLang="zh-CN" sz="2000" kern="1200" dirty="0" smtClean="0"/>
+        </a:p>
+        <a:p>
           <a:pPr lvl="0" algn="l" defTabSz="889000">
             <a:lnSpc>
               <a:spcPct val="90000"/>
@@ -9832,97 +9405,13 @@
             </a:spcAft>
           </a:pPr>
           <a:r>
-            <a:rPr lang="zh-CN" altLang="en-US" sz="2000" kern="1200" dirty="0" smtClean="0"/>
+            <a:rPr lang="zh-CN" altLang="en-US" sz="3200" b="1" kern="1200" dirty="0" smtClean="0"/>
             <a:t>基于出行路径 获得对相应兴趣点的操作权力，交易使用虚拟货币。</a:t>
           </a:r>
-          <a:endParaRPr lang="zh-CN" altLang="en-US" sz="2000" kern="1200" dirty="0"/>
+          <a:endParaRPr lang="zh-CN" altLang="en-US" sz="3200" b="1" kern="1200" dirty="0"/>
         </a:p>
         <a:p>
-          <a:pPr marL="114300" lvl="1" indent="-114300" algn="l" defTabSz="622300">
-            <a:lnSpc>
-              <a:spcPct val="90000"/>
-            </a:lnSpc>
-            <a:spcBef>
-              <a:spcPct val="0"/>
-            </a:spcBef>
-            <a:spcAft>
-              <a:spcPct val="15000"/>
-            </a:spcAft>
-            <a:buChar char="••"/>
-          </a:pPr>
-          <a:r>
-            <a:rPr lang="zh-CN" altLang="en-US" sz="1400" kern="1200" dirty="0" smtClean="0"/>
-            <a:t>若目标兴趣点未被交易，则用户可以选择购买该兴趣点并支付默认价格。</a:t>
-          </a:r>
-          <a:endParaRPr lang="zh-CN" altLang="en-US" sz="1400" kern="1200" dirty="0"/>
-        </a:p>
-        <a:p>
-          <a:pPr marL="114300" lvl="1" indent="-114300" algn="l" defTabSz="622300">
-            <a:lnSpc>
-              <a:spcPct val="90000"/>
-            </a:lnSpc>
-            <a:spcBef>
-              <a:spcPct val="0"/>
-            </a:spcBef>
-            <a:spcAft>
-              <a:spcPct val="15000"/>
-            </a:spcAft>
-            <a:buChar char="••"/>
-          </a:pPr>
-          <a:r>
-            <a:rPr lang="zh-CN" altLang="en-US" sz="1400" kern="1200" dirty="0" smtClean="0"/>
-            <a:t>若目标兴趣点已被其他用户购买，则用户支付相应租金给业主。</a:t>
-          </a:r>
-          <a:endParaRPr lang="zh-CN" altLang="en-US" sz="1400" kern="1200" dirty="0"/>
-        </a:p>
-        <a:p>
-          <a:pPr marL="114300" lvl="1" indent="-114300" algn="l" defTabSz="622300">
-            <a:lnSpc>
-              <a:spcPct val="90000"/>
-            </a:lnSpc>
-            <a:spcBef>
-              <a:spcPct val="0"/>
-            </a:spcBef>
-            <a:spcAft>
-              <a:spcPct val="15000"/>
-            </a:spcAft>
-            <a:buChar char="••"/>
-          </a:pPr>
-          <a:r>
-            <a:rPr lang="zh-CN" altLang="en-US" sz="1400" kern="1200" dirty="0" smtClean="0"/>
-            <a:t>若目标兴趣点为自己已购买的，则用户可以选择升级，升级后租金增加。</a:t>
-          </a:r>
-          <a:endParaRPr lang="zh-CN" altLang="en-US" sz="1400" kern="1200" dirty="0"/>
-        </a:p>
-        <a:p>
-          <a:pPr marL="114300" lvl="1" indent="-114300" algn="l" defTabSz="622300">
-            <a:lnSpc>
-              <a:spcPct val="90000"/>
-            </a:lnSpc>
-            <a:spcBef>
-              <a:spcPct val="0"/>
-            </a:spcBef>
-            <a:spcAft>
-              <a:spcPct val="15000"/>
-            </a:spcAft>
-            <a:buChar char="••"/>
-          </a:pPr>
-          <a:r>
-            <a:rPr lang="zh-CN" altLang="en-US" sz="1400" kern="1200" dirty="0" smtClean="0"/>
-            <a:t>业主可以选择对目标</a:t>
-          </a:r>
-          <a:r>
-            <a:rPr lang="en-US" altLang="zh-CN" sz="1400" kern="1200" dirty="0" smtClean="0"/>
-            <a:t>POI</a:t>
-          </a:r>
-          <a:r>
-            <a:rPr lang="zh-CN" altLang="en-US" sz="1400" kern="1200" dirty="0" smtClean="0"/>
-            <a:t>进行公开拍卖。</a:t>
-          </a:r>
-          <a:endParaRPr lang="zh-CN" altLang="en-US" sz="1400" kern="1200" dirty="0"/>
-        </a:p>
-        <a:p>
-          <a:pPr marL="114300" lvl="1" indent="-114300" algn="l" defTabSz="622300">
+          <a:pPr marL="114300" lvl="1" indent="-114300" algn="ctr" defTabSz="622300">
             <a:lnSpc>
               <a:spcPct val="90000"/>
             </a:lnSpc>
@@ -10045,12 +9534,12 @@
         </a:fontRef>
       </dsp:style>
       <dsp:txBody>
-        <a:bodyPr spcFirstLastPara="0" vert="horz" wrap="square" lIns="68580" tIns="68580" rIns="68580" bIns="68580" numCol="1" spcCol="1270" anchor="t" anchorCtr="0">
+        <a:bodyPr spcFirstLastPara="0" vert="horz" wrap="square" lIns="121920" tIns="121920" rIns="121920" bIns="121920" numCol="1" spcCol="1270" anchor="t" anchorCtr="0">
           <a:noAutofit/>
         </a:bodyPr>
         <a:lstStyle/>
         <a:p>
-          <a:pPr lvl="0" algn="l" defTabSz="800100">
+          <a:pPr lvl="0" algn="l" defTabSz="1422400">
             <a:lnSpc>
               <a:spcPct val="90000"/>
             </a:lnSpc>
@@ -10062,21 +9551,21 @@
             </a:spcAft>
           </a:pPr>
           <a:r>
-            <a:rPr lang="zh-CN" altLang="en-US" sz="1800" kern="1200" dirty="0" smtClean="0"/>
+            <a:rPr lang="zh-CN" altLang="en-US" sz="3200" b="1" kern="1200" dirty="0" smtClean="0"/>
             <a:t>基于所属兴趣点，进行内容发布，可以</a:t>
           </a:r>
           <a:r>
-            <a:rPr lang="en-US" altLang="zh-CN" sz="1800" kern="1200" dirty="0" smtClean="0"/>
+            <a:rPr lang="en-US" altLang="zh-CN" sz="3200" b="1" kern="1200" dirty="0" smtClean="0"/>
             <a:t>AR</a:t>
           </a:r>
           <a:r>
-            <a:rPr lang="zh-CN" altLang="en-US" sz="1800" kern="1200" dirty="0" smtClean="0"/>
+            <a:rPr lang="zh-CN" altLang="en-US" sz="3200" b="1" kern="1200" dirty="0" smtClean="0"/>
             <a:t>呈现。</a:t>
           </a:r>
-          <a:endParaRPr lang="zh-CN" altLang="en-US" sz="1800" kern="1200" dirty="0"/>
+          <a:endParaRPr lang="zh-CN" altLang="en-US" sz="3200" b="1" kern="1200" dirty="0"/>
         </a:p>
         <a:p>
-          <a:pPr marL="114300" lvl="1" indent="-114300" algn="l" defTabSz="622300">
+          <a:pPr marL="228600" lvl="1" indent="-228600" algn="l" defTabSz="1200150">
             <a:lnSpc>
               <a:spcPct val="90000"/>
             </a:lnSpc>
@@ -10088,72 +9577,7 @@
             </a:spcAft>
             <a:buChar char="••"/>
           </a:pPr>
-          <a:r>
-            <a:rPr lang="zh-CN" altLang="en-US" sz="1400" kern="1200" dirty="0" smtClean="0"/>
-            <a:t>用户购买获得兴趣点后，可自定义兴趣点呈现内容。</a:t>
-          </a:r>
-          <a:endParaRPr lang="zh-CN" altLang="en-US" sz="1400" kern="1200" dirty="0"/>
-        </a:p>
-        <a:p>
-          <a:pPr marL="114300" lvl="1" indent="-114300" algn="l" defTabSz="622300">
-            <a:lnSpc>
-              <a:spcPct val="90000"/>
-            </a:lnSpc>
-            <a:spcBef>
-              <a:spcPct val="0"/>
-            </a:spcBef>
-            <a:spcAft>
-              <a:spcPct val="15000"/>
-            </a:spcAft>
-            <a:buChar char="••"/>
-          </a:pPr>
-          <a:r>
-            <a:rPr lang="zh-CN" altLang="en-US" sz="1400" kern="1200" dirty="0" smtClean="0"/>
-            <a:t>用户以实景模式（摄像头）浏览周围兴趣点时，内容以</a:t>
-          </a:r>
-          <a:r>
-            <a:rPr lang="en-US" altLang="zh-CN" sz="1400" kern="1200" dirty="0" smtClean="0"/>
-            <a:t>AR</a:t>
-          </a:r>
-          <a:r>
-            <a:rPr lang="zh-CN" altLang="en-US" sz="1400" kern="1200" dirty="0" smtClean="0"/>
-            <a:t>方式呈现。</a:t>
-          </a:r>
-          <a:endParaRPr lang="zh-CN" altLang="en-US" sz="1400" kern="1200" dirty="0"/>
-        </a:p>
-        <a:p>
-          <a:pPr marL="114300" lvl="1" indent="-114300" algn="l" defTabSz="622300">
-            <a:lnSpc>
-              <a:spcPct val="90000"/>
-            </a:lnSpc>
-            <a:spcBef>
-              <a:spcPct val="0"/>
-            </a:spcBef>
-            <a:spcAft>
-              <a:spcPct val="15000"/>
-            </a:spcAft>
-            <a:buChar char="••"/>
-          </a:pPr>
-          <a:r>
-            <a:rPr lang="zh-CN" altLang="en-US" sz="1400" kern="1200" dirty="0" smtClean="0"/>
-            <a:t>用户可以选择将兴趣点转化为商用地产，则获得更丰富的内容呈现方式，或发起活动。</a:t>
-          </a:r>
-          <a:endParaRPr lang="zh-CN" altLang="en-US" sz="1400" kern="1200" dirty="0"/>
-        </a:p>
-        <a:p>
-          <a:pPr marL="114300" lvl="1" indent="-114300" algn="l" defTabSz="622300">
-            <a:lnSpc>
-              <a:spcPct val="90000"/>
-            </a:lnSpc>
-            <a:spcBef>
-              <a:spcPct val="0"/>
-            </a:spcBef>
-            <a:spcAft>
-              <a:spcPct val="15000"/>
-            </a:spcAft>
-            <a:buChar char="••"/>
-          </a:pPr>
-          <a:endParaRPr lang="zh-CN" altLang="en-US" sz="1400" kern="1200" dirty="0"/>
+          <a:endParaRPr lang="zh-CN" altLang="en-US" sz="2700" kern="1200" dirty="0"/>
         </a:p>
       </dsp:txBody>
       <dsp:txXfrm>
@@ -11016,7 +10440,7 @@
         </a:bodyPr>
         <a:lstStyle/>
         <a:p>
-          <a:pPr marL="228600" lvl="1" indent="-228600" algn="l" defTabSz="889000">
+          <a:pPr marL="171450" lvl="1" indent="-171450" algn="l" defTabSz="711200">
             <a:lnSpc>
               <a:spcPct val="90000"/>
             </a:lnSpc>
@@ -11028,10 +10452,10 @@
             </a:spcAft>
             <a:buChar char="••"/>
           </a:pPr>
-          <a:endParaRPr lang="en-US" sz="2000" kern="1200" dirty="0"/>
+          <a:endParaRPr lang="en-US" sz="1600" kern="1200" dirty="0"/>
         </a:p>
         <a:p>
-          <a:pPr marL="228600" lvl="1" indent="-228600" algn="l" defTabSz="889000">
+          <a:pPr marL="171450" lvl="1" indent="-171450" algn="l" defTabSz="711200">
             <a:lnSpc>
               <a:spcPct val="90000"/>
             </a:lnSpc>
@@ -11044,13 +10468,13 @@
             <a:buChar char="••"/>
           </a:pPr>
           <a:r>
-            <a:rPr lang="zh-CN" altLang="en-US" sz="2000" kern="1200" dirty="0" smtClean="0"/>
-            <a:t>兴趣点虚拟价值</a:t>
+            <a:rPr lang="zh-CN" altLang="en-US" sz="1600" kern="1200" dirty="0" smtClean="0"/>
+            <a:t>兴趣点题图与模型</a:t>
           </a:r>
-          <a:endParaRPr lang="en-US" sz="2000" kern="1200" dirty="0"/>
+          <a:endParaRPr lang="en-US" sz="1600" kern="1200" dirty="0"/>
         </a:p>
         <a:p>
-          <a:pPr marL="228600" lvl="1" indent="-228600" algn="l" defTabSz="889000">
+          <a:pPr marL="171450" lvl="1" indent="-171450" algn="l" defTabSz="711200">
             <a:lnSpc>
               <a:spcPct val="90000"/>
             </a:lnSpc>
@@ -11063,13 +10487,13 @@
             <a:buChar char="••"/>
           </a:pPr>
           <a:r>
-            <a:rPr lang="zh-CN" altLang="en-US" sz="2000" kern="1200" dirty="0" smtClean="0"/>
-            <a:t>兴趣点所属人</a:t>
+            <a:rPr lang="zh-CN" altLang="en-US" sz="1600" kern="1200" dirty="0" smtClean="0"/>
+            <a:t>兴趣点虚拟价值</a:t>
           </a:r>
-          <a:endParaRPr lang="en-US" sz="2000" kern="1200" dirty="0"/>
+          <a:endParaRPr lang="en-US" sz="1600" kern="1200" dirty="0"/>
         </a:p>
         <a:p>
-          <a:pPr marL="228600" lvl="1" indent="-228600" algn="l" defTabSz="889000">
+          <a:pPr marL="171450" lvl="1" indent="-171450" algn="l" defTabSz="711200">
             <a:lnSpc>
               <a:spcPct val="90000"/>
             </a:lnSpc>
@@ -11082,10 +10506,29 @@
             <a:buChar char="••"/>
           </a:pPr>
           <a:r>
-            <a:rPr lang="zh-CN" altLang="en-US" sz="2000" kern="1200" dirty="0" smtClean="0"/>
+            <a:rPr lang="zh-CN" altLang="en-US" sz="1600" kern="1200" dirty="0" smtClean="0"/>
+            <a:t>兴趣点所属人</a:t>
+          </a:r>
+          <a:endParaRPr lang="en-US" sz="1600" kern="1200" dirty="0"/>
+        </a:p>
+        <a:p>
+          <a:pPr marL="171450" lvl="1" indent="-171450" algn="l" defTabSz="711200">
+            <a:lnSpc>
+              <a:spcPct val="90000"/>
+            </a:lnSpc>
+            <a:spcBef>
+              <a:spcPct val="0"/>
+            </a:spcBef>
+            <a:spcAft>
+              <a:spcPct val="15000"/>
+            </a:spcAft>
+            <a:buChar char="••"/>
+          </a:pPr>
+          <a:r>
+            <a:rPr lang="zh-CN" altLang="en-US" sz="1600" kern="1200" dirty="0" smtClean="0"/>
             <a:t>自定义兴趣点描述</a:t>
           </a:r>
-          <a:endParaRPr lang="en-US" sz="2000" kern="1200" dirty="0"/>
+          <a:endParaRPr lang="en-US" sz="1600" kern="1200" dirty="0"/>
         </a:p>
       </dsp:txBody>
       <dsp:txXfrm>
@@ -26860,7 +26303,7 @@
             <a:fld id="{0BDB3A38-D8C0-4E6A-88A0-30BEFC762995}" type="datetimeFigureOut">
               <a:rPr lang="en-US" smtClean="0"/>
               <a:pPr/>
-              <a:t>5/21/2018</a:t>
+              <a:t>5/24/2018</a:t>
             </a:fld>
             <a:endParaRPr lang="en-US"/>
           </a:p>
@@ -27035,7 +26478,7 @@
             <a:fld id="{0BDB3A38-D8C0-4E6A-88A0-30BEFC762995}" type="datetimeFigureOut">
               <a:rPr lang="en-US" smtClean="0"/>
               <a:pPr/>
-              <a:t>5/21/2018</a:t>
+              <a:t>5/24/2018</a:t>
             </a:fld>
             <a:endParaRPr lang="en-US"/>
           </a:p>
@@ -27220,7 +26663,7 @@
             <a:fld id="{0BDB3A38-D8C0-4E6A-88A0-30BEFC762995}" type="datetimeFigureOut">
               <a:rPr lang="en-US" smtClean="0"/>
               <a:pPr/>
-              <a:t>5/21/2018</a:t>
+              <a:t>5/24/2018</a:t>
             </a:fld>
             <a:endParaRPr lang="en-US"/>
           </a:p>
@@ -27395,7 +26838,7 @@
             <a:fld id="{0BDB3A38-D8C0-4E6A-88A0-30BEFC762995}" type="datetimeFigureOut">
               <a:rPr lang="en-US" smtClean="0"/>
               <a:pPr/>
-              <a:t>5/21/2018</a:t>
+              <a:t>5/24/2018</a:t>
             </a:fld>
             <a:endParaRPr lang="en-US"/>
           </a:p>
@@ -27646,7 +27089,7 @@
             <a:fld id="{0BDB3A38-D8C0-4E6A-88A0-30BEFC762995}" type="datetimeFigureOut">
               <a:rPr lang="en-US" smtClean="0"/>
               <a:pPr/>
-              <a:t>5/21/2018</a:t>
+              <a:t>5/24/2018</a:t>
             </a:fld>
             <a:endParaRPr lang="en-US"/>
           </a:p>
@@ -27883,7 +27326,7 @@
             <a:fld id="{0BDB3A38-D8C0-4E6A-88A0-30BEFC762995}" type="datetimeFigureOut">
               <a:rPr lang="en-US" smtClean="0"/>
               <a:pPr/>
-              <a:t>5/21/2018</a:t>
+              <a:t>5/24/2018</a:t>
             </a:fld>
             <a:endParaRPr lang="en-US"/>
           </a:p>
@@ -28255,7 +27698,7 @@
             <a:fld id="{0BDB3A38-D8C0-4E6A-88A0-30BEFC762995}" type="datetimeFigureOut">
               <a:rPr lang="en-US" smtClean="0"/>
               <a:pPr/>
-              <a:t>5/21/2018</a:t>
+              <a:t>5/24/2018</a:t>
             </a:fld>
             <a:endParaRPr lang="en-US"/>
           </a:p>
@@ -28378,7 +27821,7 @@
             <a:fld id="{0BDB3A38-D8C0-4E6A-88A0-30BEFC762995}" type="datetimeFigureOut">
               <a:rPr lang="en-US" smtClean="0"/>
               <a:pPr/>
-              <a:t>5/21/2018</a:t>
+              <a:t>5/24/2018</a:t>
             </a:fld>
             <a:endParaRPr lang="en-US"/>
           </a:p>
@@ -28478,7 +27921,7 @@
             <a:fld id="{0BDB3A38-D8C0-4E6A-88A0-30BEFC762995}" type="datetimeFigureOut">
               <a:rPr lang="en-US" smtClean="0"/>
               <a:pPr/>
-              <a:t>5/21/2018</a:t>
+              <a:t>5/24/2018</a:t>
             </a:fld>
             <a:endParaRPr lang="en-US"/>
           </a:p>
@@ -28760,7 +28203,7 @@
             <a:fld id="{0BDB3A38-D8C0-4E6A-88A0-30BEFC762995}" type="datetimeFigureOut">
               <a:rPr lang="en-US" smtClean="0"/>
               <a:pPr/>
-              <a:t>5/21/2018</a:t>
+              <a:t>5/24/2018</a:t>
             </a:fld>
             <a:endParaRPr lang="en-US"/>
           </a:p>
@@ -29018,7 +28461,7 @@
             <a:fld id="{0BDB3A38-D8C0-4E6A-88A0-30BEFC762995}" type="datetimeFigureOut">
               <a:rPr lang="en-US" smtClean="0"/>
               <a:pPr/>
-              <a:t>5/21/2018</a:t>
+              <a:t>5/24/2018</a:t>
             </a:fld>
             <a:endParaRPr lang="en-US"/>
           </a:p>
@@ -29236,7 +28679,7 @@
             <a:fld id="{0BDB3A38-D8C0-4E6A-88A0-30BEFC762995}" type="datetimeFigureOut">
               <a:rPr lang="en-US" smtClean="0"/>
               <a:pPr/>
-              <a:t>5/21/2018</a:t>
+              <a:t>5/24/2018</a:t>
             </a:fld>
             <a:endParaRPr lang="en-US"/>
           </a:p>
@@ -29720,7 +29163,7 @@
         </p:nvSpPr>
         <p:spPr>
           <a:xfrm>
-            <a:off x="6075106" y="2919045"/>
+            <a:off x="6181874" y="2919045"/>
             <a:ext cx="4628063" cy="840153"/>
           </a:xfrm>
         </p:spPr>
@@ -29758,7 +29201,7 @@
         </p:nvSpPr>
         <p:spPr>
           <a:xfrm>
-            <a:off x="4607170" y="1289538"/>
+            <a:off x="5161352" y="1299559"/>
             <a:ext cx="5864561" cy="1323439"/>
           </a:xfrm>
           <a:prstGeom prst="rect">
@@ -29800,7 +29243,7 @@
         </p:nvSpPr>
         <p:spPr>
           <a:xfrm>
-            <a:off x="7477208" y="4127500"/>
+            <a:off x="7560335" y="3932401"/>
             <a:ext cx="2723823" cy="369332"/>
           </a:xfrm>
           <a:prstGeom prst="rect">
@@ -29925,7 +29368,7 @@
                 <a:latin typeface="华文行楷" pitchFamily="2" charset="-122"/>
                 <a:ea typeface="华文行楷" pitchFamily="2" charset="-122"/>
               </a:rPr>
-              <a:t>智行大富翁的团队如何组成？</a:t>
+              <a:t>智行大富翁的团队</a:t>
             </a:r>
             <a:endParaRPr lang="en-US" sz="4000" dirty="0">
               <a:solidFill>
@@ -29937,6 +29380,39 @@
           </a:p>
         </p:txBody>
       </p:sp>
+      <p:pic>
+        <p:nvPicPr>
+          <p:cNvPr id="3" name="Picture 2"/>
+          <p:cNvPicPr>
+            <a:picLocks noChangeAspect="1" noChangeArrowheads="1"/>
+          </p:cNvPicPr>
+          <p:nvPr/>
+        </p:nvPicPr>
+        <p:blipFill>
+          <a:blip r:embed="rId2"/>
+          <a:srcRect/>
+          <a:stretch>
+            <a:fillRect/>
+          </a:stretch>
+        </p:blipFill>
+        <p:spPr bwMode="auto">
+          <a:xfrm>
+            <a:off x="11612953" y="0"/>
+            <a:ext cx="579047" cy="597878"/>
+          </a:xfrm>
+          <a:prstGeom prst="rect">
+            <a:avLst/>
+          </a:prstGeom>
+          <a:noFill/>
+          <a:ln w="9525">
+            <a:noFill/>
+            <a:miter lim="800000"/>
+            <a:headEnd/>
+            <a:tailEnd/>
+          </a:ln>
+          <a:effectLst/>
+        </p:spPr>
+      </p:pic>
     </p:spTree>
     <p:extLst>
       <p:ext uri="{BB962C8B-B14F-4D97-AF65-F5344CB8AC3E}">
@@ -30096,108 +29572,7 @@
       </p:grpSpPr>
       <p:sp>
         <p:nvSpPr>
-          <p:cNvPr id="5" name="TextBox 4"/>
-          <p:cNvSpPr txBox="1"/>
-          <p:nvPr/>
-        </p:nvSpPr>
-        <p:spPr>
-          <a:xfrm>
-            <a:off x="288893" y="1087011"/>
-            <a:ext cx="6511637" cy="6740307"/>
-          </a:xfrm>
-          <a:prstGeom prst="rect">
-            <a:avLst/>
-          </a:prstGeom>
-          <a:noFill/>
-        </p:spPr>
-        <p:txBody>
-          <a:bodyPr wrap="square" rtlCol="0">
-            <a:spAutoFit/>
-          </a:bodyPr>
-          <a:lstStyle/>
-          <a:p>
-            <a:r>
-              <a:rPr lang="zh-CN" altLang="en-US" sz="2400" dirty="0" smtClean="0"/>
-              <a:t>货币奖励</a:t>
-            </a:r>
-            <a:endParaRPr lang="en-US" altLang="zh-CN" sz="2400" dirty="0" smtClean="0"/>
-          </a:p>
-          <a:p>
-            <a:endParaRPr lang="en-US" altLang="zh-CN" sz="2400" dirty="0"/>
-          </a:p>
-          <a:p>
-            <a:endParaRPr lang="en-US" altLang="zh-CN" sz="2400" dirty="0" smtClean="0"/>
-          </a:p>
-          <a:p>
-            <a:r>
-              <a:rPr lang="zh-CN" altLang="en-US" sz="2400" dirty="0" smtClean="0"/>
-              <a:t>地产操作</a:t>
-            </a:r>
-            <a:endParaRPr lang="en-US" altLang="zh-CN" sz="2400" dirty="0" smtClean="0"/>
-          </a:p>
-          <a:p>
-            <a:endParaRPr lang="en-US" altLang="zh-CN" sz="2400" dirty="0"/>
-          </a:p>
-          <a:p>
-            <a:endParaRPr lang="en-US" altLang="zh-CN" sz="2400" dirty="0" smtClean="0"/>
-          </a:p>
-          <a:p>
-            <a:r>
-              <a:rPr lang="zh-CN" altLang="en-US" sz="2400" dirty="0"/>
-              <a:t>内</a:t>
-            </a:r>
-            <a:r>
-              <a:rPr lang="zh-CN" altLang="en-US" sz="2400" dirty="0" smtClean="0"/>
-              <a:t>容发布</a:t>
-            </a:r>
-            <a:endParaRPr lang="en-US" altLang="zh-CN" sz="2400" dirty="0" smtClean="0"/>
-          </a:p>
-          <a:p>
-            <a:endParaRPr lang="en-US" altLang="zh-CN" sz="2400" dirty="0"/>
-          </a:p>
-          <a:p>
-            <a:endParaRPr lang="en-US" altLang="zh-CN" sz="2400" dirty="0" smtClean="0"/>
-          </a:p>
-          <a:p>
-            <a:r>
-              <a:rPr lang="zh-CN" altLang="en-US" sz="2400" dirty="0"/>
-              <a:t>道具</a:t>
-            </a:r>
-            <a:endParaRPr lang="en-US" altLang="zh-CN" sz="2400" dirty="0"/>
-          </a:p>
-          <a:p>
-            <a:endParaRPr lang="en-US" altLang="zh-CN" sz="2400" dirty="0" smtClean="0"/>
-          </a:p>
-          <a:p>
-            <a:endParaRPr lang="en-US" altLang="zh-CN" sz="2400" dirty="0"/>
-          </a:p>
-          <a:p>
-            <a:r>
-              <a:rPr lang="zh-CN" altLang="en-US" sz="2400" dirty="0" smtClean="0"/>
-              <a:t>事件</a:t>
-            </a:r>
-            <a:endParaRPr lang="en-US" altLang="zh-CN" sz="2400" dirty="0"/>
-          </a:p>
-          <a:p>
-            <a:endParaRPr lang="en-US" altLang="zh-CN" sz="2400" dirty="0"/>
-          </a:p>
-          <a:p>
-            <a:endParaRPr lang="en-US" altLang="zh-CN" sz="2400" dirty="0"/>
-          </a:p>
-          <a:p>
-            <a:endParaRPr lang="en-US" altLang="zh-CN" sz="2400" dirty="0" smtClean="0"/>
-          </a:p>
-          <a:p>
-            <a:endParaRPr lang="en-US" sz="2400" dirty="0"/>
-          </a:p>
-          <a:p>
-            <a:endParaRPr lang="en-US" sz="2400" dirty="0"/>
-          </a:p>
-        </p:txBody>
-      </p:sp>
-      <p:sp>
-        <p:nvSpPr>
-          <p:cNvPr id="9" name="TextBox 8"/>
+          <p:cNvPr id="6" name="TextBox 5"/>
           <p:cNvSpPr txBox="1"/>
           <p:nvPr/>
         </p:nvSpPr>
@@ -30225,7 +29600,7 @@
                 <a:latin typeface="华文行楷" pitchFamily="2" charset="-122"/>
                 <a:ea typeface="华文行楷" pitchFamily="2" charset="-122"/>
               </a:rPr>
-              <a:t>智行大富翁的具体游戏细则和场景展示</a:t>
+              <a:t>智行大富翁的未来展望有那些？</a:t>
             </a:r>
             <a:endParaRPr lang="en-US" sz="4000" dirty="0">
               <a:solidFill>
@@ -30237,10 +29612,119 @@
           </a:p>
         </p:txBody>
       </p:sp>
+      <p:sp>
+        <p:nvSpPr>
+          <p:cNvPr id="3" name="矩形 2"/>
+          <p:cNvSpPr/>
+          <p:nvPr/>
+        </p:nvSpPr>
+        <p:spPr>
+          <a:xfrm>
+            <a:off x="1790700" y="1063536"/>
+            <a:ext cx="8394700" cy="1938992"/>
+          </a:xfrm>
+          <a:prstGeom prst="rect">
+            <a:avLst/>
+          </a:prstGeom>
+        </p:spPr>
+        <p:txBody>
+          <a:bodyPr wrap="square">
+            <a:spAutoFit/>
+          </a:bodyPr>
+          <a:lstStyle/>
+          <a:p>
+            <a:pPr>
+              <a:buFont typeface="Wingdings" pitchFamily="2" charset="2"/>
+              <a:buChar char="Ø"/>
+            </a:pPr>
+            <a:r>
+              <a:rPr lang="zh-CN" altLang="en-US" sz="6000" dirty="0" smtClean="0">
+                <a:solidFill>
+                  <a:schemeClr val="accent4">
+                    <a:lumMod val="50000"/>
+                  </a:schemeClr>
+                </a:solidFill>
+                <a:latin typeface="华康瘦金体W3(P)" pitchFamily="66" charset="-122"/>
+                <a:ea typeface="华康瘦金体W3(P)" pitchFamily="66" charset="-122"/>
+              </a:rPr>
+              <a:t>里程会员</a:t>
+            </a:r>
+            <a:endParaRPr lang="en-US" altLang="zh-CN" sz="6000" dirty="0" smtClean="0">
+              <a:solidFill>
+                <a:schemeClr val="accent4">
+                  <a:lumMod val="50000"/>
+                </a:schemeClr>
+              </a:solidFill>
+              <a:latin typeface="华康瘦金体W3(P)" pitchFamily="66" charset="-122"/>
+              <a:ea typeface="华康瘦金体W3(P)" pitchFamily="66" charset="-122"/>
+            </a:endParaRPr>
+          </a:p>
+          <a:p>
+            <a:pPr>
+              <a:buFont typeface="Wingdings" pitchFamily="2" charset="2"/>
+              <a:buChar char="Ø"/>
+            </a:pPr>
+            <a:r>
+              <a:rPr lang="zh-CN" altLang="en-US" sz="6000" dirty="0" smtClean="0">
+                <a:solidFill>
+                  <a:schemeClr val="accent4">
+                    <a:lumMod val="50000"/>
+                  </a:schemeClr>
+                </a:solidFill>
+                <a:latin typeface="华康瘦金体W3(P)" pitchFamily="66" charset="-122"/>
+                <a:ea typeface="华康瘦金体W3(P)" pitchFamily="66" charset="-122"/>
+              </a:rPr>
+              <a:t>区块链化</a:t>
+            </a:r>
+            <a:endParaRPr lang="zh-CN" altLang="en-US" sz="6000" dirty="0">
+              <a:solidFill>
+                <a:schemeClr val="accent4">
+                  <a:lumMod val="50000"/>
+                </a:schemeClr>
+              </a:solidFill>
+              <a:latin typeface="华康瘦金体W3(P)" pitchFamily="66" charset="-122"/>
+              <a:ea typeface="华康瘦金体W3(P)" pitchFamily="66" charset="-122"/>
+            </a:endParaRPr>
+          </a:p>
+        </p:txBody>
+      </p:sp>
+      <p:pic>
+        <p:nvPicPr>
+          <p:cNvPr id="4" name="Picture 2"/>
+          <p:cNvPicPr>
+            <a:picLocks noChangeAspect="1" noChangeArrowheads="1"/>
+          </p:cNvPicPr>
+          <p:nvPr/>
+        </p:nvPicPr>
+        <p:blipFill>
+          <a:blip r:embed="rId2"/>
+          <a:srcRect/>
+          <a:stretch>
+            <a:fillRect/>
+          </a:stretch>
+        </p:blipFill>
+        <p:spPr bwMode="auto">
+          <a:xfrm>
+            <a:off x="11612953" y="0"/>
+            <a:ext cx="579047" cy="597878"/>
+          </a:xfrm>
+          <a:prstGeom prst="rect">
+            <a:avLst/>
+          </a:prstGeom>
+          <a:noFill/>
+          <a:ln w="9525">
+            <a:noFill/>
+            <a:miter lim="800000"/>
+            <a:headEnd/>
+            <a:tailEnd/>
+          </a:ln>
+          <a:effectLst/>
+        </p:spPr>
+      </p:pic>
     </p:spTree>
     <p:extLst>
       <p:ext uri="{BB962C8B-B14F-4D97-AF65-F5344CB8AC3E}">
-        <p14:creationId xmlns:p14="http://schemas.microsoft.com/office/powerpoint/2010/main" val="2953755258"/>
+        <p14:creationId xmlns:p14="http://schemas.microsoft.com/office/powerpoint/2010/main" val="2763687999"/>
       </p:ext>
     </p:extLst>
   </p:cSld>
@@ -30284,7 +29768,7 @@
                                           </p:stCondLst>
                                         </p:cTn>
                                         <p:tgtEl>
-                                          <p:spTgt spid="9"/>
+                                          <p:spTgt spid="6"/>
                                         </p:tgtEl>
                                         <p:attrNameLst>
                                           <p:attrName>style.visibility</p:attrName>
@@ -30298,7 +29782,7 @@
                                       <p:cBhvr additive="base">
                                         <p:cTn id="7" dur="500" fill="hold"/>
                                         <p:tgtEl>
-                                          <p:spTgt spid="9"/>
+                                          <p:spTgt spid="6"/>
                                         </p:tgtEl>
                                         <p:attrNameLst>
                                           <p:attrName>ppt_x</p:attrName>
@@ -30321,7 +29805,7 @@
                                       <p:cBhvr additive="base">
                                         <p:cTn id="8" dur="500" fill="hold"/>
                                         <p:tgtEl>
-                                          <p:spTgt spid="9"/>
+                                          <p:spTgt spid="6"/>
                                         </p:tgtEl>
                                         <p:attrNameLst>
                                           <p:attrName>ppt_y</p:attrName>
@@ -30340,6 +29824,59 @@
                                         </p:tav>
                                       </p:tavLst>
                                     </p:anim>
+                                  </p:childTnLst>
+                                </p:cTn>
+                              </p:par>
+                            </p:childTnLst>
+                          </p:cTn>
+                        </p:par>
+                      </p:childTnLst>
+                    </p:cTn>
+                  </p:par>
+                  <p:par>
+                    <p:cTn id="9" fill="hold">
+                      <p:stCondLst>
+                        <p:cond delay="indefinite"/>
+                      </p:stCondLst>
+                      <p:childTnLst>
+                        <p:par>
+                          <p:cTn id="10" fill="hold">
+                            <p:stCondLst>
+                              <p:cond delay="0"/>
+                            </p:stCondLst>
+                            <p:childTnLst>
+                              <p:par>
+                                <p:cTn id="11" presetID="22" presetClass="entr" presetSubtype="4" fill="hold" grpId="0" nodeType="clickEffect">
+                                  <p:stCondLst>
+                                    <p:cond delay="0"/>
+                                  </p:stCondLst>
+                                  <p:childTnLst>
+                                    <p:set>
+                                      <p:cBhvr>
+                                        <p:cTn id="12" dur="1" fill="hold">
+                                          <p:stCondLst>
+                                            <p:cond delay="0"/>
+                                          </p:stCondLst>
+                                        </p:cTn>
+                                        <p:tgtEl>
+                                          <p:spTgt spid="3"/>
+                                        </p:tgtEl>
+                                        <p:attrNameLst>
+                                          <p:attrName>style.visibility</p:attrName>
+                                        </p:attrNameLst>
+                                      </p:cBhvr>
+                                      <p:to>
+                                        <p:strVal val="visible"/>
+                                      </p:to>
+                                    </p:set>
+                                    <p:animEffect transition="in" filter="wipe(down)">
+                                      <p:cBhvr>
+                                        <p:cTn id="13" dur="500"/>
+                                        <p:tgtEl>
+                                          <p:spTgt spid="3"/>
+                                        </p:tgtEl>
+                                      </p:cBhvr>
+                                    </p:animEffect>
                                   </p:childTnLst>
                                 </p:cTn>
                               </p:par>
@@ -30371,7 +29908,8 @@
       </p:par>
     </p:tnLst>
     <p:bldLst>
-      <p:bldP spid="9" grpId="0"/>
+      <p:bldP spid="6" grpId="0"/>
+      <p:bldP spid="3" grpId="0"/>
     </p:bldLst>
   </p:timing>
 </p:sld>
@@ -30813,6 +30351,39 @@
           </a:prstGeom>
         </p:spPr>
       </p:pic>
+      <p:pic>
+        <p:nvPicPr>
+          <p:cNvPr id="14" name="Picture 2"/>
+          <p:cNvPicPr>
+            <a:picLocks noChangeAspect="1" noChangeArrowheads="1"/>
+          </p:cNvPicPr>
+          <p:nvPr/>
+        </p:nvPicPr>
+        <p:blipFill>
+          <a:blip r:embed="rId15"/>
+          <a:srcRect/>
+          <a:stretch>
+            <a:fillRect/>
+          </a:stretch>
+        </p:blipFill>
+        <p:spPr bwMode="auto">
+          <a:xfrm>
+            <a:off x="11612953" y="0"/>
+            <a:ext cx="579047" cy="597878"/>
+          </a:xfrm>
+          <a:prstGeom prst="rect">
+            <a:avLst/>
+          </a:prstGeom>
+          <a:noFill/>
+          <a:ln w="9525">
+            <a:noFill/>
+            <a:miter lim="800000"/>
+            <a:headEnd/>
+            <a:tailEnd/>
+          </a:ln>
+          <a:effectLst/>
+        </p:spPr>
+      </p:pic>
     </p:spTree>
     <p:extLst>
       <p:ext uri="{BB962C8B-B14F-4D97-AF65-F5344CB8AC3E}">
@@ -30829,126 +30400,9 @@
   <p:timing>
     <p:tnLst>
       <p:par>
-        <p:cTn id="1" dur="indefinite" restart="never" nodeType="tmRoot">
-          <p:childTnLst>
-            <p:seq concurrent="1" nextAc="seek">
-              <p:cTn id="2" dur="indefinite" nodeType="mainSeq">
-                <p:childTnLst>
-                  <p:par>
-                    <p:cTn id="3" fill="hold">
-                      <p:stCondLst>
-                        <p:cond delay="indefinite"/>
-                      </p:stCondLst>
-                      <p:childTnLst>
-                        <p:par>
-                          <p:cTn id="4" fill="hold">
-                            <p:stCondLst>
-                              <p:cond delay="0"/>
-                            </p:stCondLst>
-                            <p:childTnLst>
-                              <p:par>
-                                <p:cTn id="5" presetID="2" presetClass="entr" presetSubtype="8" fill="hold" grpId="0" nodeType="clickEffect">
-                                  <p:stCondLst>
-                                    <p:cond delay="0"/>
-                                  </p:stCondLst>
-                                  <p:childTnLst>
-                                    <p:set>
-                                      <p:cBhvr>
-                                        <p:cTn id="6" dur="1" fill="hold">
-                                          <p:stCondLst>
-                                            <p:cond delay="0"/>
-                                          </p:stCondLst>
-                                        </p:cTn>
-                                        <p:tgtEl>
-                                          <p:spTgt spid="12"/>
-                                        </p:tgtEl>
-                                        <p:attrNameLst>
-                                          <p:attrName>style.visibility</p:attrName>
-                                        </p:attrNameLst>
-                                      </p:cBhvr>
-                                      <p:to>
-                                        <p:strVal val="visible"/>
-                                      </p:to>
-                                    </p:set>
-                                    <p:anim calcmode="lin" valueType="num">
-                                      <p:cBhvr additive="base">
-                                        <p:cTn id="7" dur="500" fill="hold"/>
-                                        <p:tgtEl>
-                                          <p:spTgt spid="12"/>
-                                        </p:tgtEl>
-                                        <p:attrNameLst>
-                                          <p:attrName>ppt_x</p:attrName>
-                                        </p:attrNameLst>
-                                      </p:cBhvr>
-                                      <p:tavLst>
-                                        <p:tav tm="0">
-                                          <p:val>
-                                            <p:strVal val="0-#ppt_w/2"/>
-                                          </p:val>
-                                        </p:tav>
-                                        <p:tav tm="100000">
-                                          <p:val>
-                                            <p:strVal val="#ppt_x"/>
-                                          </p:val>
-                                        </p:tav>
-                                      </p:tavLst>
-                                    </p:anim>
-                                    <p:anim calcmode="lin" valueType="num">
-                                      <p:cBhvr additive="base">
-                                        <p:cTn id="8" dur="500" fill="hold"/>
-                                        <p:tgtEl>
-                                          <p:spTgt spid="12"/>
-                                        </p:tgtEl>
-                                        <p:attrNameLst>
-                                          <p:attrName>ppt_y</p:attrName>
-                                        </p:attrNameLst>
-                                      </p:cBhvr>
-                                      <p:tavLst>
-                                        <p:tav tm="0">
-                                          <p:val>
-                                            <p:strVal val="#ppt_y"/>
-                                          </p:val>
-                                        </p:tav>
-                                        <p:tav tm="100000">
-                                          <p:val>
-                                            <p:strVal val="#ppt_y"/>
-                                          </p:val>
-                                        </p:tav>
-                                      </p:tavLst>
-                                    </p:anim>
-                                  </p:childTnLst>
-                                </p:cTn>
-                              </p:par>
-                            </p:childTnLst>
-                          </p:cTn>
-                        </p:par>
-                      </p:childTnLst>
-                    </p:cTn>
-                  </p:par>
-                </p:childTnLst>
-              </p:cTn>
-              <p:prevCondLst>
-                <p:cond evt="onPrev" delay="0">
-                  <p:tgtEl>
-                    <p:sldTgt/>
-                  </p:tgtEl>
-                </p:cond>
-              </p:prevCondLst>
-              <p:nextCondLst>
-                <p:cond evt="onNext" delay="0">
-                  <p:tgtEl>
-                    <p:sldTgt/>
-                  </p:tgtEl>
-                </p:cond>
-              </p:nextCondLst>
-            </p:seq>
-          </p:childTnLst>
-        </p:cTn>
+        <p:cTn id="1" dur="indefinite" restart="never" nodeType="tmRoot"/>
       </p:par>
     </p:tnLst>
-    <p:bldLst>
-      <p:bldP spid="12" grpId="0"/>
-    </p:bldLst>
   </p:timing>
 </p:sld>
 </file>
@@ -31351,7 +30805,7 @@
               <p:nvPr>
                 <p:extLst>
                   <p:ext uri="{D42A27DB-BD31-4B8C-83A1-F6EECF244321}">
-                    <p14:modId xmlns:p14="http://schemas.microsoft.com/office/powerpoint/2010/main" val="1156082709"/>
+                    <p14:modId xmlns:p14="http://schemas.microsoft.com/office/powerpoint/2010/main" val="3606027114"/>
                   </p:ext>
                 </p:extLst>
               </p:nvPr>
@@ -31689,6 +31143,376 @@
       </p:grpSpPr>
       <p:sp>
         <p:nvSpPr>
+          <p:cNvPr id="9" name="TextBox 8"/>
+          <p:cNvSpPr txBox="1"/>
+          <p:nvPr/>
+        </p:nvSpPr>
+        <p:spPr>
+          <a:xfrm>
+            <a:off x="191911" y="180621"/>
+            <a:ext cx="11311467" cy="707886"/>
+          </a:xfrm>
+          <a:prstGeom prst="rect">
+            <a:avLst/>
+          </a:prstGeom>
+          <a:noFill/>
+        </p:spPr>
+        <p:txBody>
+          <a:bodyPr wrap="square" rtlCol="0">
+            <a:spAutoFit/>
+          </a:bodyPr>
+          <a:lstStyle/>
+          <a:p>
+            <a:r>
+              <a:rPr lang="zh-CN" altLang="en-US" sz="4000" dirty="0" smtClean="0">
+                <a:solidFill>
+                  <a:srgbClr val="0070C0"/>
+                </a:solidFill>
+                <a:latin typeface="华文行楷" pitchFamily="2" charset="-122"/>
+                <a:ea typeface="华文行楷" pitchFamily="2" charset="-122"/>
+              </a:rPr>
+              <a:t>智行大富翁的游戏架构</a:t>
+            </a:r>
+            <a:endParaRPr lang="en-US" sz="4000" dirty="0">
+              <a:solidFill>
+                <a:srgbClr val="0070C0"/>
+              </a:solidFill>
+              <a:latin typeface="华文行楷" pitchFamily="2" charset="-122"/>
+              <a:ea typeface="华文行楷" pitchFamily="2" charset="-122"/>
+            </a:endParaRPr>
+          </a:p>
+        </p:txBody>
+      </p:sp>
+      <p:pic>
+        <p:nvPicPr>
+          <p:cNvPr id="4" name="Picture 2"/>
+          <p:cNvPicPr>
+            <a:picLocks noChangeAspect="1" noChangeArrowheads="1"/>
+          </p:cNvPicPr>
+          <p:nvPr/>
+        </p:nvPicPr>
+        <p:blipFill>
+          <a:blip r:embed="rId3"/>
+          <a:srcRect/>
+          <a:stretch>
+            <a:fillRect/>
+          </a:stretch>
+        </p:blipFill>
+        <p:spPr bwMode="auto">
+          <a:xfrm>
+            <a:off x="11612953" y="0"/>
+            <a:ext cx="579047" cy="597878"/>
+          </a:xfrm>
+          <a:prstGeom prst="rect">
+            <a:avLst/>
+          </a:prstGeom>
+          <a:noFill/>
+          <a:ln w="9525">
+            <a:noFill/>
+            <a:miter lim="800000"/>
+            <a:headEnd/>
+            <a:tailEnd/>
+          </a:ln>
+          <a:effectLst/>
+        </p:spPr>
+      </p:pic>
+      <p:graphicFrame>
+        <p:nvGraphicFramePr>
+          <p:cNvPr id="2" name="Object 1"/>
+          <p:cNvGraphicFramePr>
+            <a:graphicFrameLocks noChangeAspect="1"/>
+          </p:cNvGraphicFramePr>
+          <p:nvPr>
+            <p:extLst>
+              <p:ext uri="{D42A27DB-BD31-4B8C-83A1-F6EECF244321}">
+                <p14:modId xmlns:p14="http://schemas.microsoft.com/office/powerpoint/2010/main" val="36390696"/>
+              </p:ext>
+            </p:extLst>
+          </p:nvPr>
+        </p:nvGraphicFramePr>
+        <p:xfrm>
+          <a:off x="8005816" y="2281006"/>
+          <a:ext cx="914400" cy="771525"/>
+        </p:xfrm>
+        <a:graphic>
+          <a:graphicData uri="http://schemas.openxmlformats.org/presentationml/2006/ole">
+            <mc:AlternateContent xmlns:mc="http://schemas.openxmlformats.org/markup-compatibility/2006">
+              <mc:Choice xmlns:v="urn:schemas-microsoft-com:vml" Requires="v">
+                <p:oleObj spid="_x0000_s1038" name="Acrobat Document" showAsIcon="1" r:id="rId4" imgW="914400" imgH="771480" progId="AcroExch.Document.DC">
+                  <p:embed/>
+                </p:oleObj>
+              </mc:Choice>
+              <mc:Fallback>
+                <p:oleObj name="Acrobat Document" showAsIcon="1" r:id="rId4" imgW="914400" imgH="771480" progId="AcroExch.Document.DC">
+                  <p:embed/>
+                  <p:pic>
+                    <p:nvPicPr>
+                      <p:cNvPr id="0" name=""/>
+                      <p:cNvPicPr/>
+                      <p:nvPr/>
+                    </p:nvPicPr>
+                    <p:blipFill>
+                      <a:blip r:embed="rId5"/>
+                      <a:stretch>
+                        <a:fillRect/>
+                      </a:stretch>
+                    </p:blipFill>
+                    <p:spPr>
+                      <a:xfrm>
+                        <a:off x="8005816" y="2281006"/>
+                        <a:ext cx="914400" cy="771525"/>
+                      </a:xfrm>
+                      <a:prstGeom prst="rect">
+                        <a:avLst/>
+                      </a:prstGeom>
+                    </p:spPr>
+                  </p:pic>
+                </p:oleObj>
+              </mc:Fallback>
+            </mc:AlternateContent>
+          </a:graphicData>
+        </a:graphic>
+      </p:graphicFrame>
+      <p:graphicFrame>
+        <p:nvGraphicFramePr>
+          <p:cNvPr id="3" name="Object 2"/>
+          <p:cNvGraphicFramePr>
+            <a:graphicFrameLocks noChangeAspect="1"/>
+          </p:cNvGraphicFramePr>
+          <p:nvPr>
+            <p:extLst>
+              <p:ext uri="{D42A27DB-BD31-4B8C-83A1-F6EECF244321}">
+                <p14:modId xmlns:p14="http://schemas.microsoft.com/office/powerpoint/2010/main" val="3441868971"/>
+              </p:ext>
+            </p:extLst>
+          </p:nvPr>
+        </p:nvGraphicFramePr>
+        <p:xfrm>
+          <a:off x="8029420" y="1198994"/>
+          <a:ext cx="914400" cy="771525"/>
+        </p:xfrm>
+        <a:graphic>
+          <a:graphicData uri="http://schemas.openxmlformats.org/presentationml/2006/ole">
+            <mc:AlternateContent xmlns:mc="http://schemas.openxmlformats.org/markup-compatibility/2006">
+              <mc:Choice xmlns:v="urn:schemas-microsoft-com:vml" Requires="v">
+                <p:oleObj spid="_x0000_s1039" name="Packager Shell Object" showAsIcon="1" r:id="rId6" imgW="914400" imgH="771480" progId="Package">
+                  <p:embed/>
+                </p:oleObj>
+              </mc:Choice>
+              <mc:Fallback>
+                <p:oleObj name="Packager Shell Object" showAsIcon="1" r:id="rId6" imgW="914400" imgH="771480" progId="Package">
+                  <p:embed/>
+                  <p:pic>
+                    <p:nvPicPr>
+                      <p:cNvPr id="0" name=""/>
+                      <p:cNvPicPr/>
+                      <p:nvPr/>
+                    </p:nvPicPr>
+                    <p:blipFill>
+                      <a:blip r:embed="rId7"/>
+                      <a:stretch>
+                        <a:fillRect/>
+                      </a:stretch>
+                    </p:blipFill>
+                    <p:spPr>
+                      <a:xfrm>
+                        <a:off x="8029420" y="1198994"/>
+                        <a:ext cx="914400" cy="771525"/>
+                      </a:xfrm>
+                      <a:prstGeom prst="rect">
+                        <a:avLst/>
+                      </a:prstGeom>
+                    </p:spPr>
+                  </p:pic>
+                </p:oleObj>
+              </mc:Fallback>
+            </mc:AlternateContent>
+          </a:graphicData>
+        </a:graphic>
+      </p:graphicFrame>
+      <p:pic>
+        <p:nvPicPr>
+          <p:cNvPr id="6" name="Picture 5"/>
+          <p:cNvPicPr>
+            <a:picLocks noChangeAspect="1"/>
+          </p:cNvPicPr>
+          <p:nvPr/>
+        </p:nvPicPr>
+        <p:blipFill>
+          <a:blip r:embed="rId8"/>
+          <a:stretch>
+            <a:fillRect/>
+          </a:stretch>
+        </p:blipFill>
+        <p:spPr>
+          <a:xfrm>
+            <a:off x="334241" y="1000125"/>
+            <a:ext cx="7810500" cy="5857875"/>
+          </a:xfrm>
+          <a:prstGeom prst="rect">
+            <a:avLst/>
+          </a:prstGeom>
+        </p:spPr>
+      </p:pic>
+    </p:spTree>
+    <p:extLst>
+      <p:ext uri="{BB962C8B-B14F-4D97-AF65-F5344CB8AC3E}">
+        <p14:creationId xmlns:p14="http://schemas.microsoft.com/office/powerpoint/2010/main" val="2953755258"/>
+      </p:ext>
+    </p:extLst>
+  </p:cSld>
+  <p:clrMapOvr>
+    <a:masterClrMapping/>
+  </p:clrMapOvr>
+  <p:transition spd="slow">
+    <p:push dir="u"/>
+  </p:transition>
+  <p:timing>
+    <p:tnLst>
+      <p:par>
+        <p:cTn id="1" dur="indefinite" restart="never" nodeType="tmRoot">
+          <p:childTnLst>
+            <p:seq concurrent="1" nextAc="seek">
+              <p:cTn id="2" dur="indefinite" nodeType="mainSeq">
+                <p:childTnLst>
+                  <p:par>
+                    <p:cTn id="3" fill="hold">
+                      <p:stCondLst>
+                        <p:cond delay="indefinite"/>
+                      </p:stCondLst>
+                      <p:childTnLst>
+                        <p:par>
+                          <p:cTn id="4" fill="hold">
+                            <p:stCondLst>
+                              <p:cond delay="0"/>
+                            </p:stCondLst>
+                            <p:childTnLst>
+                              <p:par>
+                                <p:cTn id="5" presetID="2" presetClass="entr" presetSubtype="8" fill="hold" grpId="0" nodeType="clickEffect">
+                                  <p:stCondLst>
+                                    <p:cond delay="0"/>
+                                  </p:stCondLst>
+                                  <p:childTnLst>
+                                    <p:set>
+                                      <p:cBhvr>
+                                        <p:cTn id="6" dur="1" fill="hold">
+                                          <p:stCondLst>
+                                            <p:cond delay="0"/>
+                                          </p:stCondLst>
+                                        </p:cTn>
+                                        <p:tgtEl>
+                                          <p:spTgt spid="9"/>
+                                        </p:tgtEl>
+                                        <p:attrNameLst>
+                                          <p:attrName>style.visibility</p:attrName>
+                                        </p:attrNameLst>
+                                      </p:cBhvr>
+                                      <p:to>
+                                        <p:strVal val="visible"/>
+                                      </p:to>
+                                    </p:set>
+                                    <p:anim calcmode="lin" valueType="num">
+                                      <p:cBhvr additive="base">
+                                        <p:cTn id="7" dur="500" fill="hold"/>
+                                        <p:tgtEl>
+                                          <p:spTgt spid="9"/>
+                                        </p:tgtEl>
+                                        <p:attrNameLst>
+                                          <p:attrName>ppt_x</p:attrName>
+                                        </p:attrNameLst>
+                                      </p:cBhvr>
+                                      <p:tavLst>
+                                        <p:tav tm="0">
+                                          <p:val>
+                                            <p:strVal val="0-#ppt_w/2"/>
+                                          </p:val>
+                                        </p:tav>
+                                        <p:tav tm="100000">
+                                          <p:val>
+                                            <p:strVal val="#ppt_x"/>
+                                          </p:val>
+                                        </p:tav>
+                                      </p:tavLst>
+                                    </p:anim>
+                                    <p:anim calcmode="lin" valueType="num">
+                                      <p:cBhvr additive="base">
+                                        <p:cTn id="8" dur="500" fill="hold"/>
+                                        <p:tgtEl>
+                                          <p:spTgt spid="9"/>
+                                        </p:tgtEl>
+                                        <p:attrNameLst>
+                                          <p:attrName>ppt_y</p:attrName>
+                                        </p:attrNameLst>
+                                      </p:cBhvr>
+                                      <p:tavLst>
+                                        <p:tav tm="0">
+                                          <p:val>
+                                            <p:strVal val="#ppt_y"/>
+                                          </p:val>
+                                        </p:tav>
+                                        <p:tav tm="100000">
+                                          <p:val>
+                                            <p:strVal val="#ppt_y"/>
+                                          </p:val>
+                                        </p:tav>
+                                      </p:tavLst>
+                                    </p:anim>
+                                  </p:childTnLst>
+                                </p:cTn>
+                              </p:par>
+                            </p:childTnLst>
+                          </p:cTn>
+                        </p:par>
+                      </p:childTnLst>
+                    </p:cTn>
+                  </p:par>
+                </p:childTnLst>
+              </p:cTn>
+              <p:prevCondLst>
+                <p:cond evt="onPrev" delay="0">
+                  <p:tgtEl>
+                    <p:sldTgt/>
+                  </p:tgtEl>
+                </p:cond>
+              </p:prevCondLst>
+              <p:nextCondLst>
+                <p:cond evt="onNext" delay="0">
+                  <p:tgtEl>
+                    <p:sldTgt/>
+                  </p:tgtEl>
+                </p:cond>
+              </p:nextCondLst>
+            </p:seq>
+          </p:childTnLst>
+        </p:cTn>
+      </p:par>
+    </p:tnLst>
+    <p:bldLst>
+      <p:bldP spid="9" grpId="0"/>
+    </p:bldLst>
+  </p:timing>
+</p:sld>
+</file>
+
+<file path=ppt/slides/slide5.xml><?xml version="1.0" encoding="utf-8"?>
+<p:sld xmlns:a="http://schemas.openxmlformats.org/drawingml/2006/main" xmlns:r="http://schemas.openxmlformats.org/officeDocument/2006/relationships" xmlns:p="http://schemas.openxmlformats.org/presentationml/2006/main">
+  <p:cSld>
+    <p:spTree>
+      <p:nvGrpSpPr>
+        <p:cNvPr id="1" name=""/>
+        <p:cNvGrpSpPr/>
+        <p:nvPr/>
+      </p:nvGrpSpPr>
+      <p:grpSpPr>
+        <a:xfrm>
+          <a:off x="0" y="0"/>
+          <a:ext cx="0" cy="0"/>
+          <a:chOff x="0" y="0"/>
+          <a:chExt cx="0" cy="0"/>
+        </a:xfrm>
+      </p:grpSpPr>
+      <p:sp>
+        <p:nvSpPr>
           <p:cNvPr id="4" name="TextBox 3"/>
           <p:cNvSpPr txBox="1"/>
           <p:nvPr/>
@@ -31769,7 +31593,7 @@
           <p:nvPr>
             <p:extLst>
               <p:ext uri="{D42A27DB-BD31-4B8C-83A1-F6EECF244321}">
-                <p14:modId xmlns:p14="http://schemas.microsoft.com/office/powerpoint/2010/main" val="3769490263"/>
+                <p14:modId xmlns:p14="http://schemas.microsoft.com/office/powerpoint/2010/main" val="1395161828"/>
               </p:ext>
             </p:extLst>
           </p:nvPr>
@@ -32013,7 +31837,7 @@
 </p:sld>
 </file>
 
-<file path=ppt/slides/slide5.xml><?xml version="1.0" encoding="utf-8"?>
+<file path=ppt/slides/slide6.xml><?xml version="1.0" encoding="utf-8"?>
 <p:sld xmlns:a="http://schemas.openxmlformats.org/drawingml/2006/main" xmlns:r="http://schemas.openxmlformats.org/officeDocument/2006/relationships" xmlns:p="http://schemas.openxmlformats.org/presentationml/2006/main">
   <p:cSld>
     <p:spTree>
@@ -32983,7 +32807,7 @@
 </p:sld>
 </file>
 
-<file path=ppt/slides/slide6.xml><?xml version="1.0" encoding="utf-8"?>
+<file path=ppt/slides/slide7.xml><?xml version="1.0" encoding="utf-8"?>
 <p:sld xmlns:a="http://schemas.openxmlformats.org/drawingml/2006/main" xmlns:r="http://schemas.openxmlformats.org/officeDocument/2006/relationships" xmlns:p="http://schemas.openxmlformats.org/presentationml/2006/main">
   <p:cSld>
     <p:spTree>
@@ -33350,6 +33174,39 @@
           </p:sp>
         </p:grpSp>
       </p:grpSp>
+      <p:pic>
+        <p:nvPicPr>
+          <p:cNvPr id="11" name="Picture 2"/>
+          <p:cNvPicPr>
+            <a:picLocks noChangeAspect="1" noChangeArrowheads="1"/>
+          </p:cNvPicPr>
+          <p:nvPr/>
+        </p:nvPicPr>
+        <p:blipFill>
+          <a:blip r:embed="rId7"/>
+          <a:srcRect/>
+          <a:stretch>
+            <a:fillRect/>
+          </a:stretch>
+        </p:blipFill>
+        <p:spPr bwMode="auto">
+          <a:xfrm>
+            <a:off x="11612953" y="0"/>
+            <a:ext cx="579047" cy="597878"/>
+          </a:xfrm>
+          <a:prstGeom prst="rect">
+            <a:avLst/>
+          </a:prstGeom>
+          <a:noFill/>
+          <a:ln w="9525">
+            <a:noFill/>
+            <a:miter lim="800000"/>
+            <a:headEnd/>
+            <a:tailEnd/>
+          </a:ln>
+          <a:effectLst/>
+        </p:spPr>
+      </p:pic>
     </p:spTree>
     <p:extLst>
       <p:ext uri="{BB962C8B-B14F-4D97-AF65-F5344CB8AC3E}">
@@ -33543,7 +33400,7 @@
 </p:sld>
 </file>
 
-<file path=ppt/slides/slide7.xml><?xml version="1.0" encoding="utf-8"?>
+<file path=ppt/slides/slide8.xml><?xml version="1.0" encoding="utf-8"?>
 <p:sld xmlns:a="http://schemas.openxmlformats.org/drawingml/2006/main" xmlns:r="http://schemas.openxmlformats.org/officeDocument/2006/relationships" xmlns:p="http://schemas.openxmlformats.org/presentationml/2006/main">
   <p:cSld>
     <p:spTree>
@@ -33705,6 +33562,39 @@
           </a:p>
         </p:txBody>
       </p:sp>
+      <p:pic>
+        <p:nvPicPr>
+          <p:cNvPr id="5" name="Picture 2"/>
+          <p:cNvPicPr>
+            <a:picLocks noChangeAspect="1" noChangeArrowheads="1"/>
+          </p:cNvPicPr>
+          <p:nvPr/>
+        </p:nvPicPr>
+        <p:blipFill>
+          <a:blip r:embed="rId7"/>
+          <a:srcRect/>
+          <a:stretch>
+            <a:fillRect/>
+          </a:stretch>
+        </p:blipFill>
+        <p:spPr bwMode="auto">
+          <a:xfrm>
+            <a:off x="11612953" y="0"/>
+            <a:ext cx="579047" cy="597878"/>
+          </a:xfrm>
+          <a:prstGeom prst="rect">
+            <a:avLst/>
+          </a:prstGeom>
+          <a:noFill/>
+          <a:ln w="9525">
+            <a:noFill/>
+            <a:miter lim="800000"/>
+            <a:headEnd/>
+            <a:tailEnd/>
+          </a:ln>
+          <a:effectLst/>
+        </p:spPr>
+      </p:pic>
     </p:spTree>
     <p:extLst>
       <p:ext uri="{BB962C8B-B14F-4D97-AF65-F5344CB8AC3E}">
@@ -33955,7 +33845,7 @@
 </p:sld>
 </file>
 
-<file path=ppt/slides/slide8.xml><?xml version="1.0" encoding="utf-8"?>
+<file path=ppt/slides/slide9.xml><?xml version="1.0" encoding="utf-8"?>
 <p:sld xmlns:a="http://schemas.openxmlformats.org/drawingml/2006/main" xmlns:r="http://schemas.openxmlformats.org/officeDocument/2006/relationships" xmlns:p="http://schemas.openxmlformats.org/presentationml/2006/main">
   <p:cSld>
     <p:spTree>
@@ -34030,6 +33920,39 @@
           </a:graphicData>
         </a:graphic>
       </p:graphicFrame>
+      <p:pic>
+        <p:nvPicPr>
+          <p:cNvPr id="4" name="Picture 2"/>
+          <p:cNvPicPr>
+            <a:picLocks noChangeAspect="1" noChangeArrowheads="1"/>
+          </p:cNvPicPr>
+          <p:nvPr/>
+        </p:nvPicPr>
+        <p:blipFill>
+          <a:blip r:embed="rId7"/>
+          <a:srcRect/>
+          <a:stretch>
+            <a:fillRect/>
+          </a:stretch>
+        </p:blipFill>
+        <p:spPr bwMode="auto">
+          <a:xfrm>
+            <a:off x="11612953" y="0"/>
+            <a:ext cx="579047" cy="597878"/>
+          </a:xfrm>
+          <a:prstGeom prst="rect">
+            <a:avLst/>
+          </a:prstGeom>
+          <a:noFill/>
+          <a:ln w="9525">
+            <a:noFill/>
+            <a:miter lim="800000"/>
+            <a:headEnd/>
+            <a:tailEnd/>
+          </a:ln>
+          <a:effectLst/>
+        </p:spPr>
+      </p:pic>
     </p:spTree>
     <p:extLst>
       <p:ext uri="{BB962C8B-B14F-4D97-AF65-F5344CB8AC3E}">
@@ -34221,389 +34144,6 @@
       <p:bldGraphic spid="7" grpId="0">
         <p:bldAsOne/>
       </p:bldGraphic>
-    </p:bldLst>
-  </p:timing>
-</p:sld>
-</file>
-
-<file path=ppt/slides/slide9.xml><?xml version="1.0" encoding="utf-8"?>
-<p:sld xmlns:a="http://schemas.openxmlformats.org/drawingml/2006/main" xmlns:r="http://schemas.openxmlformats.org/officeDocument/2006/relationships" xmlns:p="http://schemas.openxmlformats.org/presentationml/2006/main">
-  <p:cSld>
-    <p:spTree>
-      <p:nvGrpSpPr>
-        <p:cNvPr id="1" name=""/>
-        <p:cNvGrpSpPr/>
-        <p:nvPr/>
-      </p:nvGrpSpPr>
-      <p:grpSpPr>
-        <a:xfrm>
-          <a:off x="0" y="0"/>
-          <a:ext cx="0" cy="0"/>
-          <a:chOff x="0" y="0"/>
-          <a:chExt cx="0" cy="0"/>
-        </a:xfrm>
-      </p:grpSpPr>
-      <p:sp>
-        <p:nvSpPr>
-          <p:cNvPr id="6" name="TextBox 5"/>
-          <p:cNvSpPr txBox="1"/>
-          <p:nvPr/>
-        </p:nvSpPr>
-        <p:spPr>
-          <a:xfrm>
-            <a:off x="191911" y="180621"/>
-            <a:ext cx="11311467" cy="707886"/>
-          </a:xfrm>
-          <a:prstGeom prst="rect">
-            <a:avLst/>
-          </a:prstGeom>
-          <a:noFill/>
-        </p:spPr>
-        <p:txBody>
-          <a:bodyPr wrap="square" rtlCol="0">
-            <a:spAutoFit/>
-          </a:bodyPr>
-          <a:lstStyle/>
-          <a:p>
-            <a:r>
-              <a:rPr lang="zh-CN" altLang="en-US" sz="4000" dirty="0" smtClean="0">
-                <a:solidFill>
-                  <a:srgbClr val="0070C0"/>
-                </a:solidFill>
-                <a:latin typeface="华文行楷" pitchFamily="2" charset="-122"/>
-                <a:ea typeface="华文行楷" pitchFamily="2" charset="-122"/>
-              </a:rPr>
-              <a:t>智行大富翁的未来展望有那些？</a:t>
-            </a:r>
-            <a:endParaRPr lang="en-US" sz="4000" dirty="0">
-              <a:solidFill>
-                <a:srgbClr val="0070C0"/>
-              </a:solidFill>
-              <a:latin typeface="华文行楷" pitchFamily="2" charset="-122"/>
-              <a:ea typeface="华文行楷" pitchFamily="2" charset="-122"/>
-            </a:endParaRPr>
-          </a:p>
-        </p:txBody>
-      </p:sp>
-      <p:sp>
-        <p:nvSpPr>
-          <p:cNvPr id="3" name="矩形 2"/>
-          <p:cNvSpPr/>
-          <p:nvPr/>
-        </p:nvSpPr>
-        <p:spPr>
-          <a:xfrm>
-            <a:off x="1790700" y="1063536"/>
-            <a:ext cx="8394700" cy="4708981"/>
-          </a:xfrm>
-          <a:prstGeom prst="rect">
-            <a:avLst/>
-          </a:prstGeom>
-        </p:spPr>
-        <p:txBody>
-          <a:bodyPr wrap="square">
-            <a:spAutoFit/>
-          </a:bodyPr>
-          <a:lstStyle/>
-          <a:p>
-            <a:pPr>
-              <a:buFont typeface="Wingdings" pitchFamily="2" charset="2"/>
-              <a:buChar char="Ø"/>
-            </a:pPr>
-            <a:r>
-              <a:rPr lang="zh-CN" altLang="en-US" sz="6000" dirty="0" smtClean="0">
-                <a:solidFill>
-                  <a:schemeClr val="accent4">
-                    <a:lumMod val="50000"/>
-                  </a:schemeClr>
-                </a:solidFill>
-                <a:latin typeface="华康瘦金体W3(P)" pitchFamily="66" charset="-122"/>
-                <a:ea typeface="华康瘦金体W3(P)" pitchFamily="66" charset="-122"/>
-              </a:rPr>
-              <a:t>用户阵营</a:t>
-            </a:r>
-          </a:p>
-          <a:p>
-            <a:pPr>
-              <a:buFont typeface="Wingdings" pitchFamily="2" charset="2"/>
-              <a:buChar char="Ø"/>
-            </a:pPr>
-            <a:r>
-              <a:rPr lang="zh-CN" altLang="en-US" sz="6000" dirty="0" smtClean="0">
-                <a:solidFill>
-                  <a:schemeClr val="accent4">
-                    <a:lumMod val="50000"/>
-                  </a:schemeClr>
-                </a:solidFill>
-                <a:latin typeface="华康瘦金体W3(P)" pitchFamily="66" charset="-122"/>
-                <a:ea typeface="华康瘦金体W3(P)" pitchFamily="66" charset="-122"/>
-              </a:rPr>
-              <a:t>商户联盟</a:t>
-            </a:r>
-          </a:p>
-          <a:p>
-            <a:pPr>
-              <a:buFont typeface="Wingdings" pitchFamily="2" charset="2"/>
-              <a:buChar char="Ø"/>
-            </a:pPr>
-            <a:r>
-              <a:rPr lang="zh-CN" altLang="en-US" sz="6000" dirty="0" smtClean="0">
-                <a:solidFill>
-                  <a:schemeClr val="accent4">
-                    <a:lumMod val="50000"/>
-                  </a:schemeClr>
-                </a:solidFill>
-                <a:latin typeface="华康瘦金体W3(P)" pitchFamily="66" charset="-122"/>
-                <a:ea typeface="华康瘦金体W3(P)" pitchFamily="66" charset="-122"/>
-              </a:rPr>
-              <a:t>地图探索</a:t>
-            </a:r>
-          </a:p>
-          <a:p>
-            <a:pPr>
-              <a:buFont typeface="Wingdings" pitchFamily="2" charset="2"/>
-              <a:buChar char="Ø"/>
-            </a:pPr>
-            <a:r>
-              <a:rPr lang="zh-CN" altLang="en-US" sz="6000" dirty="0" smtClean="0">
-                <a:solidFill>
-                  <a:schemeClr val="accent4">
-                    <a:lumMod val="50000"/>
-                  </a:schemeClr>
-                </a:solidFill>
-                <a:latin typeface="华康瘦金体W3(P)" pitchFamily="66" charset="-122"/>
-                <a:ea typeface="华康瘦金体W3(P)" pitchFamily="66" charset="-122"/>
-              </a:rPr>
-              <a:t>里程会员</a:t>
-            </a:r>
-            <a:endParaRPr lang="en-US" altLang="zh-CN" sz="6000" dirty="0" smtClean="0">
-              <a:solidFill>
-                <a:schemeClr val="accent4">
-                  <a:lumMod val="50000"/>
-                </a:schemeClr>
-              </a:solidFill>
-              <a:latin typeface="华康瘦金体W3(P)" pitchFamily="66" charset="-122"/>
-              <a:ea typeface="华康瘦金体W3(P)" pitchFamily="66" charset="-122"/>
-            </a:endParaRPr>
-          </a:p>
-          <a:p>
-            <a:pPr>
-              <a:buFont typeface="Wingdings" pitchFamily="2" charset="2"/>
-              <a:buChar char="Ø"/>
-            </a:pPr>
-            <a:r>
-              <a:rPr lang="zh-CN" altLang="en-US" sz="6000" dirty="0" smtClean="0">
-                <a:solidFill>
-                  <a:schemeClr val="accent4">
-                    <a:lumMod val="50000"/>
-                  </a:schemeClr>
-                </a:solidFill>
-                <a:latin typeface="华康瘦金体W3(P)" pitchFamily="66" charset="-122"/>
-                <a:ea typeface="华康瘦金体W3(P)" pitchFamily="66" charset="-122"/>
-              </a:rPr>
-              <a:t>区块链化</a:t>
-            </a:r>
-            <a:endParaRPr lang="zh-CN" altLang="en-US" sz="6000" dirty="0">
-              <a:solidFill>
-                <a:schemeClr val="accent4">
-                  <a:lumMod val="50000"/>
-                </a:schemeClr>
-              </a:solidFill>
-              <a:latin typeface="华康瘦金体W3(P)" pitchFamily="66" charset="-122"/>
-              <a:ea typeface="华康瘦金体W3(P)" pitchFamily="66" charset="-122"/>
-            </a:endParaRPr>
-          </a:p>
-        </p:txBody>
-      </p:sp>
-    </p:spTree>
-    <p:extLst>
-      <p:ext uri="{BB962C8B-B14F-4D97-AF65-F5344CB8AC3E}">
-        <p14:creationId xmlns:p14="http://schemas.microsoft.com/office/powerpoint/2010/main" val="2763687999"/>
-      </p:ext>
-    </p:extLst>
-  </p:cSld>
-  <p:clrMapOvr>
-    <a:masterClrMapping/>
-  </p:clrMapOvr>
-  <p:transition spd="slow">
-    <p:push dir="u"/>
-  </p:transition>
-  <p:timing>
-    <p:tnLst>
-      <p:par>
-        <p:cTn id="1" dur="indefinite" restart="never" nodeType="tmRoot">
-          <p:childTnLst>
-            <p:seq concurrent="1" nextAc="seek">
-              <p:cTn id="2" dur="indefinite" nodeType="mainSeq">
-                <p:childTnLst>
-                  <p:par>
-                    <p:cTn id="3" fill="hold">
-                      <p:stCondLst>
-                        <p:cond delay="indefinite"/>
-                      </p:stCondLst>
-                      <p:childTnLst>
-                        <p:par>
-                          <p:cTn id="4" fill="hold">
-                            <p:stCondLst>
-                              <p:cond delay="0"/>
-                            </p:stCondLst>
-                            <p:childTnLst>
-                              <p:par>
-                                <p:cTn id="5" presetID="2" presetClass="entr" presetSubtype="8" fill="hold" grpId="0" nodeType="clickEffect">
-                                  <p:stCondLst>
-                                    <p:cond delay="0"/>
-                                  </p:stCondLst>
-                                  <p:childTnLst>
-                                    <p:set>
-                                      <p:cBhvr>
-                                        <p:cTn id="6" dur="1" fill="hold">
-                                          <p:stCondLst>
-                                            <p:cond delay="0"/>
-                                          </p:stCondLst>
-                                        </p:cTn>
-                                        <p:tgtEl>
-                                          <p:spTgt spid="6"/>
-                                        </p:tgtEl>
-                                        <p:attrNameLst>
-                                          <p:attrName>style.visibility</p:attrName>
-                                        </p:attrNameLst>
-                                      </p:cBhvr>
-                                      <p:to>
-                                        <p:strVal val="visible"/>
-                                      </p:to>
-                                    </p:set>
-                                    <p:anim calcmode="lin" valueType="num">
-                                      <p:cBhvr additive="base">
-                                        <p:cTn id="7" dur="500" fill="hold"/>
-                                        <p:tgtEl>
-                                          <p:spTgt spid="6"/>
-                                        </p:tgtEl>
-                                        <p:attrNameLst>
-                                          <p:attrName>ppt_x</p:attrName>
-                                        </p:attrNameLst>
-                                      </p:cBhvr>
-                                      <p:tavLst>
-                                        <p:tav tm="0">
-                                          <p:val>
-                                            <p:strVal val="0-#ppt_w/2"/>
-                                          </p:val>
-                                        </p:tav>
-                                        <p:tav tm="100000">
-                                          <p:val>
-                                            <p:strVal val="#ppt_x"/>
-                                          </p:val>
-                                        </p:tav>
-                                      </p:tavLst>
-                                    </p:anim>
-                                    <p:anim calcmode="lin" valueType="num">
-                                      <p:cBhvr additive="base">
-                                        <p:cTn id="8" dur="500" fill="hold"/>
-                                        <p:tgtEl>
-                                          <p:spTgt spid="6"/>
-                                        </p:tgtEl>
-                                        <p:attrNameLst>
-                                          <p:attrName>ppt_y</p:attrName>
-                                        </p:attrNameLst>
-                                      </p:cBhvr>
-                                      <p:tavLst>
-                                        <p:tav tm="0">
-                                          <p:val>
-                                            <p:strVal val="#ppt_y"/>
-                                          </p:val>
-                                        </p:tav>
-                                        <p:tav tm="100000">
-                                          <p:val>
-                                            <p:strVal val="#ppt_y"/>
-                                          </p:val>
-                                        </p:tav>
-                                      </p:tavLst>
-                                    </p:anim>
-                                  </p:childTnLst>
-                                </p:cTn>
-                              </p:par>
-                            </p:childTnLst>
-                          </p:cTn>
-                        </p:par>
-                      </p:childTnLst>
-                    </p:cTn>
-                  </p:par>
-                  <p:par>
-                    <p:cTn id="9" fill="hold">
-                      <p:stCondLst>
-                        <p:cond delay="indefinite"/>
-                      </p:stCondLst>
-                      <p:childTnLst>
-                        <p:par>
-                          <p:cTn id="10" fill="hold">
-                            <p:stCondLst>
-                              <p:cond delay="0"/>
-                            </p:stCondLst>
-                            <p:childTnLst>
-                              <p:par>
-                                <p:cTn id="11" presetID="22" presetClass="entr" presetSubtype="4" fill="hold" grpId="0" nodeType="clickEffect">
-                                  <p:stCondLst>
-                                    <p:cond delay="0"/>
-                                  </p:stCondLst>
-                                  <p:childTnLst>
-                                    <p:set>
-                                      <p:cBhvr>
-                                        <p:cTn id="12" dur="1" fill="hold">
-                                          <p:stCondLst>
-                                            <p:cond delay="0"/>
-                                          </p:stCondLst>
-                                        </p:cTn>
-                                        <p:tgtEl>
-                                          <p:spTgt spid="3"/>
-                                        </p:tgtEl>
-                                        <p:attrNameLst>
-                                          <p:attrName>style.visibility</p:attrName>
-                                        </p:attrNameLst>
-                                      </p:cBhvr>
-                                      <p:to>
-                                        <p:strVal val="visible"/>
-                                      </p:to>
-                                    </p:set>
-                                    <p:animEffect transition="in" filter="wipe(down)">
-                                      <p:cBhvr>
-                                        <p:cTn id="13" dur="500"/>
-                                        <p:tgtEl>
-                                          <p:spTgt spid="3"/>
-                                        </p:tgtEl>
-                                      </p:cBhvr>
-                                    </p:animEffect>
-                                  </p:childTnLst>
-                                </p:cTn>
-                              </p:par>
-                            </p:childTnLst>
-                          </p:cTn>
-                        </p:par>
-                      </p:childTnLst>
-                    </p:cTn>
-                  </p:par>
-                </p:childTnLst>
-              </p:cTn>
-              <p:prevCondLst>
-                <p:cond evt="onPrev" delay="0">
-                  <p:tgtEl>
-                    <p:sldTgt/>
-                  </p:tgtEl>
-                </p:cond>
-              </p:prevCondLst>
-              <p:nextCondLst>
-                <p:cond evt="onNext" delay="0">
-                  <p:tgtEl>
-                    <p:sldTgt/>
-                  </p:tgtEl>
-                </p:cond>
-              </p:nextCondLst>
-            </p:seq>
-          </p:childTnLst>
-        </p:cTn>
-      </p:par>
-    </p:tnLst>
-    <p:bldLst>
-      <p:bldP spid="6" grpId="0"/>
-      <p:bldP spid="3" grpId="0"/>
     </p:bldLst>
   </p:timing>
 </p:sld>
